--- a/presentations/PJ_KI_MST3.pptx
+++ b/presentations/PJ_KI_MST3.pptx
@@ -284,7 +284,7 @@
           <a:p>
             <a:fld id="{17468778-AD1E-48E6-A1B1-00A628170ED2}" type="datetimeFigureOut">
               <a:rPr lang="de-DE" smtClean="0"/>
-              <a:t>19.06.23</a:t>
+              <a:t>19.06.2023</a:t>
             </a:fld>
             <a:endParaRPr lang="de-DE"/>
           </a:p>
@@ -482,7 +482,7 @@
           <a:p>
             <a:fld id="{17468778-AD1E-48E6-A1B1-00A628170ED2}" type="datetimeFigureOut">
               <a:rPr lang="de-DE" smtClean="0"/>
-              <a:t>19.06.23</a:t>
+              <a:t>19.06.2023</a:t>
             </a:fld>
             <a:endParaRPr lang="de-DE"/>
           </a:p>
@@ -690,7 +690,7 @@
           <a:p>
             <a:fld id="{17468778-AD1E-48E6-A1B1-00A628170ED2}" type="datetimeFigureOut">
               <a:rPr lang="de-DE" smtClean="0"/>
-              <a:t>19.06.23</a:t>
+              <a:t>19.06.2023</a:t>
             </a:fld>
             <a:endParaRPr lang="de-DE"/>
           </a:p>
@@ -888,7 +888,7 @@
           <a:p>
             <a:fld id="{17468778-AD1E-48E6-A1B1-00A628170ED2}" type="datetimeFigureOut">
               <a:rPr lang="de-DE" smtClean="0"/>
-              <a:t>19.06.23</a:t>
+              <a:t>19.06.2023</a:t>
             </a:fld>
             <a:endParaRPr lang="de-DE"/>
           </a:p>
@@ -1163,7 +1163,7 @@
           <a:p>
             <a:fld id="{17468778-AD1E-48E6-A1B1-00A628170ED2}" type="datetimeFigureOut">
               <a:rPr lang="de-DE" smtClean="0"/>
-              <a:t>19.06.23</a:t>
+              <a:t>19.06.2023</a:t>
             </a:fld>
             <a:endParaRPr lang="de-DE"/>
           </a:p>
@@ -1428,7 +1428,7 @@
           <a:p>
             <a:fld id="{17468778-AD1E-48E6-A1B1-00A628170ED2}" type="datetimeFigureOut">
               <a:rPr lang="de-DE" smtClean="0"/>
-              <a:t>19.06.23</a:t>
+              <a:t>19.06.2023</a:t>
             </a:fld>
             <a:endParaRPr lang="de-DE"/>
           </a:p>
@@ -1840,7 +1840,7 @@
           <a:p>
             <a:fld id="{17468778-AD1E-48E6-A1B1-00A628170ED2}" type="datetimeFigureOut">
               <a:rPr lang="de-DE" smtClean="0"/>
-              <a:t>19.06.23</a:t>
+              <a:t>19.06.2023</a:t>
             </a:fld>
             <a:endParaRPr lang="de-DE"/>
           </a:p>
@@ -1981,7 +1981,7 @@
           <a:p>
             <a:fld id="{17468778-AD1E-48E6-A1B1-00A628170ED2}" type="datetimeFigureOut">
               <a:rPr lang="de-DE" smtClean="0"/>
-              <a:t>19.06.23</a:t>
+              <a:t>19.06.2023</a:t>
             </a:fld>
             <a:endParaRPr lang="de-DE"/>
           </a:p>
@@ -2094,7 +2094,7 @@
           <a:p>
             <a:fld id="{17468778-AD1E-48E6-A1B1-00A628170ED2}" type="datetimeFigureOut">
               <a:rPr lang="de-DE" smtClean="0"/>
-              <a:t>19.06.23</a:t>
+              <a:t>19.06.2023</a:t>
             </a:fld>
             <a:endParaRPr lang="de-DE"/>
           </a:p>
@@ -2405,7 +2405,7 @@
           <a:p>
             <a:fld id="{17468778-AD1E-48E6-A1B1-00A628170ED2}" type="datetimeFigureOut">
               <a:rPr lang="de-DE" smtClean="0"/>
-              <a:t>19.06.23</a:t>
+              <a:t>19.06.2023</a:t>
             </a:fld>
             <a:endParaRPr lang="de-DE"/>
           </a:p>
@@ -2693,7 +2693,7 @@
           <a:p>
             <a:fld id="{17468778-AD1E-48E6-A1B1-00A628170ED2}" type="datetimeFigureOut">
               <a:rPr lang="de-DE" smtClean="0"/>
-              <a:t>19.06.23</a:t>
+              <a:t>19.06.2023</a:t>
             </a:fld>
             <a:endParaRPr lang="de-DE"/>
           </a:p>
@@ -2934,7 +2934,7 @@
           <a:p>
             <a:fld id="{17468778-AD1E-48E6-A1B1-00A628170ED2}" type="datetimeFigureOut">
               <a:rPr lang="de-DE" smtClean="0"/>
-              <a:t>19.06.23</a:t>
+              <a:t>19.06.2023</a:t>
             </a:fld>
             <a:endParaRPr lang="de-DE"/>
           </a:p>
@@ -3825,14 +3825,14 @@
           <p:nvPr>
             <p:extLst>
               <p:ext uri="{D42A27DB-BD31-4B8C-83A1-F6EECF244321}">
-                <p14:modId xmlns:p14="http://schemas.microsoft.com/office/powerpoint/2010/main" val="3356282265"/>
+                <p14:modId xmlns:p14="http://schemas.microsoft.com/office/powerpoint/2010/main" val="1604557533"/>
               </p:ext>
             </p:extLst>
           </p:nvPr>
         </p:nvGraphicFramePr>
         <p:xfrm>
           <a:off x="1466695" y="1821316"/>
-          <a:ext cx="9258609" cy="4140898"/>
+          <a:ext cx="9350830" cy="4140898"/>
         </p:xfrm>
         <a:graphic>
           <a:graphicData uri="http://schemas.openxmlformats.org/drawingml/2006/table">
@@ -3869,28 +3869,28 @@
                     </a:ext>
                   </a:extLst>
                 </a:gridCol>
-                <a:gridCol w="893163">
+                <a:gridCol w="983295">
                   <a:extLst>
                     <a:ext uri="{9D8B030D-6E8A-4147-A177-3AD203B41FA5}">
                       <a16:colId xmlns:a16="http://schemas.microsoft.com/office/drawing/2014/main" val="1720584379"/>
                     </a:ext>
                   </a:extLst>
                 </a:gridCol>
-                <a:gridCol w="907118">
+                <a:gridCol w="992038">
                   <a:extLst>
                     <a:ext uri="{9D8B030D-6E8A-4147-A177-3AD203B41FA5}">
                       <a16:colId xmlns:a16="http://schemas.microsoft.com/office/drawing/2014/main" val="3278997613"/>
                     </a:ext>
                   </a:extLst>
                 </a:gridCol>
-                <a:gridCol w="990852">
+                <a:gridCol w="1000664">
                   <a:extLst>
                     <a:ext uri="{9D8B030D-6E8A-4147-A177-3AD203B41FA5}">
                       <a16:colId xmlns:a16="http://schemas.microsoft.com/office/drawing/2014/main" val="4130188757"/>
                     </a:ext>
                   </a:extLst>
                 </a:gridCol>
-                <a:gridCol w="972538">
+                <a:gridCol w="879895">
                   <a:extLst>
                     <a:ext uri="{9D8B030D-6E8A-4147-A177-3AD203B41FA5}">
                       <a16:colId xmlns:a16="http://schemas.microsoft.com/office/drawing/2014/main" val="1425166065"/>
@@ -3973,8 +3973,17 @@
                         <a:rPr lang="de-DE" sz="1400" dirty="0">
                           <a:latin typeface="DM Sans" pitchFamily="2" charset="77"/>
                         </a:rPr>
-                        <a:t>Laufzeit in ms je nach Tiefe d mit TT</a:t>
-                      </a:r>
+                        <a:t>Laufzeit in ms je nach Tiefe d mit TT in </a:t>
+                      </a:r>
+                      <a:r>
+                        <a:rPr lang="de-DE" sz="1400" dirty="0" err="1">
+                          <a:latin typeface="DM Sans" pitchFamily="2" charset="77"/>
+                        </a:rPr>
+                        <a:t>ms</a:t>
+                      </a:r>
+                      <a:endParaRPr lang="de-DE" sz="1400" dirty="0">
+                        <a:latin typeface="DM Sans" pitchFamily="2" charset="77"/>
+                      </a:endParaRPr>
                     </a:p>
                   </a:txBody>
                   <a:tcPr marL="100481" marR="100481" marT="50240" marB="50240">
@@ -4047,8 +4056,17 @@
                         <a:rPr lang="de-DE" sz="1400" dirty="0">
                           <a:latin typeface="DM Sans" pitchFamily="2" charset="77"/>
                         </a:rPr>
-                        <a:t>. 2 „Basis KI“</a:t>
-                      </a:r>
+                        <a:t>. 2 „Basis KI“ in </a:t>
+                      </a:r>
+                      <a:r>
+                        <a:rPr lang="de-DE" sz="1400" dirty="0" err="1">
+                          <a:latin typeface="DM Sans" pitchFamily="2" charset="77"/>
+                        </a:rPr>
+                        <a:t>ms</a:t>
+                      </a:r>
+                      <a:endParaRPr lang="de-DE" sz="1400" dirty="0">
+                        <a:latin typeface="DM Sans" pitchFamily="2" charset="77"/>
+                      </a:endParaRPr>
                     </a:p>
                   </a:txBody>
                   <a:tcPr marL="100481" marR="100481" marT="50240" marB="50240">
@@ -4515,12 +4533,13 @@
                     <a:lstStyle/>
                     <a:p>
                       <a:pPr algn="ctr"/>
-                      <a:endParaRPr lang="de-DE" sz="1100">
-                        <a:latin typeface="DM Sans" pitchFamily="2" charset="77"/>
-                      </a:endParaRPr>
-                    </a:p>
-                  </a:txBody>
-                  <a:tcPr marL="100481" marR="100481" marT="50240" marB="50240" anchor="ctr">
+                      <a:r>
+                        <a:rPr lang="de-DE" sz="1200" dirty="0"/>
+                        <a:t>11,949</a:t>
+                      </a:r>
+                    </a:p>
+                  </a:txBody>
+                  <a:tcPr>
                     <a:lnR w="12700" cap="flat" cmpd="sng" algn="ctr">
                       <a:solidFill>
                         <a:schemeClr val="tx1"/>
@@ -4547,12 +4566,13 @@
                     <a:lstStyle/>
                     <a:p>
                       <a:pPr algn="ctr"/>
-                      <a:endParaRPr lang="de-DE" sz="1100">
-                        <a:latin typeface="DM Sans" pitchFamily="2" charset="77"/>
-                      </a:endParaRPr>
-                    </a:p>
-                  </a:txBody>
-                  <a:tcPr marL="100481" marR="100481" marT="50240" marB="50240" anchor="ctr">
+                      <a:r>
+                        <a:rPr lang="de-DE" sz="1200" dirty="0"/>
+                        <a:t>98,290</a:t>
+                      </a:r>
+                    </a:p>
+                  </a:txBody>
+                  <a:tcPr>
                     <a:lnL w="12700" cap="flat" cmpd="sng" algn="ctr">
                       <a:solidFill>
                         <a:schemeClr val="tx1"/>
@@ -4588,9 +4608,12 @@
                     <a:lstStyle/>
                     <a:p>
                       <a:pPr algn="ctr"/>
-                      <a:endParaRPr lang="de-DE" sz="1100">
-                        <a:latin typeface="DM Sans" pitchFamily="2" charset="77"/>
-                      </a:endParaRPr>
+                      <a:r>
+                        <a:rPr lang="de-DE" sz="1100" dirty="0">
+                          <a:latin typeface="DM Sans" pitchFamily="2" charset="77"/>
+                        </a:rPr>
+                        <a:t>-</a:t>
+                      </a:r>
                     </a:p>
                   </a:txBody>
                   <a:tcPr marL="100481" marR="100481" marT="50240" marB="50240" anchor="ctr">
@@ -4804,12 +4827,13 @@
                     <a:lstStyle/>
                     <a:p>
                       <a:pPr algn="ctr"/>
-                      <a:endParaRPr lang="de-DE" sz="1100">
-                        <a:latin typeface="DM Sans" pitchFamily="2" charset="77"/>
-                      </a:endParaRPr>
-                    </a:p>
-                  </a:txBody>
-                  <a:tcPr marL="100481" marR="100481" marT="50240" marB="50240" anchor="ctr">
+                      <a:r>
+                        <a:rPr lang="de-DE" sz="1200" dirty="0"/>
+                        <a:t>242,703</a:t>
+                      </a:r>
+                    </a:p>
+                  </a:txBody>
+                  <a:tcPr>
                     <a:lnR w="12700" cap="flat" cmpd="sng" algn="ctr">
                       <a:solidFill>
                         <a:schemeClr val="tx1"/>
@@ -4845,12 +4869,13 @@
                     <a:lstStyle/>
                     <a:p>
                       <a:pPr algn="ctr"/>
-                      <a:endParaRPr lang="de-DE" sz="1100">
-                        <a:latin typeface="DM Sans" pitchFamily="2" charset="77"/>
-                      </a:endParaRPr>
-                    </a:p>
-                  </a:txBody>
-                  <a:tcPr marL="100481" marR="100481" marT="50240" marB="50240" anchor="ctr">
+                      <a:r>
+                        <a:rPr lang="de-DE" sz="1200" dirty="0"/>
+                        <a:t>4114,663</a:t>
+                      </a:r>
+                    </a:p>
+                  </a:txBody>
+                  <a:tcPr>
                     <a:lnL w="12700" cap="flat" cmpd="sng" algn="ctr">
                       <a:solidFill>
                         <a:schemeClr val="tx1"/>
@@ -4895,9 +4920,12 @@
                     <a:lstStyle/>
                     <a:p>
                       <a:pPr algn="ctr"/>
-                      <a:endParaRPr lang="de-DE" sz="1100">
-                        <a:latin typeface="DM Sans" pitchFamily="2" charset="77"/>
-                      </a:endParaRPr>
+                      <a:r>
+                        <a:rPr lang="de-DE" sz="1100" dirty="0">
+                          <a:latin typeface="DM Sans" pitchFamily="2" charset="77"/>
+                        </a:rPr>
+                        <a:t>-</a:t>
+                      </a:r>
                     </a:p>
                   </a:txBody>
                   <a:tcPr marL="100481" marR="100481" marT="50240" marB="50240" anchor="ctr">
@@ -5084,12 +5112,13 @@
                     <a:lstStyle/>
                     <a:p>
                       <a:pPr algn="ctr"/>
-                      <a:endParaRPr lang="de-DE" sz="1100">
-                        <a:latin typeface="DM Sans" pitchFamily="2" charset="77"/>
-                      </a:endParaRPr>
-                    </a:p>
-                  </a:txBody>
-                  <a:tcPr marL="100481" marR="100481" marT="50240" marB="50240" anchor="ctr">
+                      <a:r>
+                        <a:rPr lang="de-DE" sz="1200" dirty="0"/>
+                        <a:t>37,182</a:t>
+                      </a:r>
+                    </a:p>
+                  </a:txBody>
+                  <a:tcPr>
                     <a:lnR w="12700" cap="flat" cmpd="sng" algn="ctr">
                       <a:solidFill>
                         <a:schemeClr val="tx1"/>
@@ -5116,12 +5145,13 @@
                     <a:lstStyle/>
                     <a:p>
                       <a:pPr algn="ctr"/>
-                      <a:endParaRPr lang="de-DE" sz="1100">
-                        <a:latin typeface="DM Sans" pitchFamily="2" charset="77"/>
-                      </a:endParaRPr>
-                    </a:p>
-                  </a:txBody>
-                  <a:tcPr marL="100481" marR="100481" marT="50240" marB="50240" anchor="ctr">
+                      <a:r>
+                        <a:rPr lang="de-DE" sz="1200" dirty="0"/>
+                        <a:t>380,406</a:t>
+                      </a:r>
+                    </a:p>
+                  </a:txBody>
+                  <a:tcPr>
                     <a:lnL w="12700" cap="flat" cmpd="sng" algn="ctr">
                       <a:solidFill>
                         <a:schemeClr val="tx1"/>
@@ -5157,9 +5187,12 @@
                     <a:lstStyle/>
                     <a:p>
                       <a:pPr algn="ctr"/>
-                      <a:endParaRPr lang="de-DE" sz="1100">
-                        <a:latin typeface="DM Sans" pitchFamily="2" charset="77"/>
-                      </a:endParaRPr>
+                      <a:r>
+                        <a:rPr lang="de-DE" sz="1100" dirty="0">
+                          <a:latin typeface="DM Sans" pitchFamily="2" charset="77"/>
+                        </a:rPr>
+                        <a:t>-</a:t>
+                      </a:r>
                     </a:p>
                   </a:txBody>
                   <a:tcPr marL="100481" marR="100481" marT="50240" marB="50240" anchor="ctr">
@@ -5360,12 +5393,13 @@
                     <a:lstStyle/>
                     <a:p>
                       <a:pPr algn="ctr"/>
-                      <a:endParaRPr lang="de-DE" sz="1100" dirty="0">
-                        <a:latin typeface="DM Sans" pitchFamily="2" charset="77"/>
-                      </a:endParaRPr>
-                    </a:p>
-                  </a:txBody>
-                  <a:tcPr marL="100481" marR="100481" marT="50240" marB="50240" anchor="ctr">
+                      <a:r>
+                        <a:rPr lang="de-DE" sz="1200" dirty="0"/>
+                        <a:t>14,545</a:t>
+                      </a:r>
+                    </a:p>
+                  </a:txBody>
+                  <a:tcPr>
                     <a:lnR w="12700" cap="flat" cmpd="sng" algn="ctr">
                       <a:solidFill>
                         <a:schemeClr val="tx1"/>
@@ -5392,12 +5426,13 @@
                     <a:lstStyle/>
                     <a:p>
                       <a:pPr algn="ctr"/>
-                      <a:endParaRPr lang="de-DE" sz="1100" dirty="0">
-                        <a:latin typeface="DM Sans" pitchFamily="2" charset="77"/>
-                      </a:endParaRPr>
-                    </a:p>
-                  </a:txBody>
-                  <a:tcPr marL="100481" marR="100481" marT="50240" marB="50240" anchor="ctr">
+                      <a:r>
+                        <a:rPr lang="de-DE" sz="1200" dirty="0"/>
+                        <a:t>100,660</a:t>
+                      </a:r>
+                    </a:p>
+                  </a:txBody>
+                  <a:tcPr>
                     <a:lnL w="12700" cap="flat" cmpd="sng" algn="ctr">
                       <a:solidFill>
                         <a:schemeClr val="tx1"/>
@@ -5433,9 +5468,12 @@
                     <a:lstStyle/>
                     <a:p>
                       <a:pPr algn="ctr"/>
-                      <a:endParaRPr lang="de-DE" sz="1100">
-                        <a:latin typeface="DM Sans" pitchFamily="2" charset="77"/>
-                      </a:endParaRPr>
+                      <a:r>
+                        <a:rPr lang="de-DE" sz="1100" dirty="0">
+                          <a:latin typeface="DM Sans" pitchFamily="2" charset="77"/>
+                        </a:rPr>
+                        <a:t>-</a:t>
+                      </a:r>
                     </a:p>
                   </a:txBody>
                   <a:tcPr marL="100481" marR="100481" marT="50240" marB="50240" anchor="ctr">
@@ -5649,12 +5687,13 @@
                     <a:lstStyle/>
                     <a:p>
                       <a:pPr algn="ctr"/>
-                      <a:endParaRPr lang="de-DE" sz="1100" dirty="0">
-                        <a:latin typeface="DM Sans" pitchFamily="2" charset="77"/>
-                      </a:endParaRPr>
-                    </a:p>
-                  </a:txBody>
-                  <a:tcPr marL="100481" marR="100481" marT="50240" marB="50240" anchor="ctr">
+                      <a:r>
+                        <a:rPr lang="de-DE" sz="1200" dirty="0"/>
+                        <a:t>239,449</a:t>
+                      </a:r>
+                    </a:p>
+                  </a:txBody>
+                  <a:tcPr>
                     <a:lnR w="12700" cap="flat" cmpd="sng" algn="ctr">
                       <a:solidFill>
                         <a:schemeClr val="tx1"/>
@@ -5690,12 +5729,13 @@
                     <a:lstStyle/>
                     <a:p>
                       <a:pPr algn="ctr"/>
-                      <a:endParaRPr lang="de-DE" sz="1100" dirty="0">
-                        <a:latin typeface="DM Sans" pitchFamily="2" charset="77"/>
-                      </a:endParaRPr>
-                    </a:p>
-                  </a:txBody>
-                  <a:tcPr marL="100481" marR="100481" marT="50240" marB="50240" anchor="ctr">
+                      <a:r>
+                        <a:rPr lang="de-DE" sz="1200" dirty="0"/>
+                        <a:t>4300,536</a:t>
+                      </a:r>
+                    </a:p>
+                  </a:txBody>
+                  <a:tcPr>
                     <a:lnL w="12700" cap="flat" cmpd="sng" algn="ctr">
                       <a:solidFill>
                         <a:schemeClr val="tx1"/>
@@ -5740,9 +5780,12 @@
                     <a:lstStyle/>
                     <a:p>
                       <a:pPr algn="ctr"/>
-                      <a:endParaRPr lang="de-DE" sz="1100" dirty="0">
-                        <a:latin typeface="DM Sans" pitchFamily="2" charset="77"/>
-                      </a:endParaRPr>
+                      <a:r>
+                        <a:rPr lang="de-DE" sz="1100" dirty="0">
+                          <a:latin typeface="DM Sans" pitchFamily="2" charset="77"/>
+                        </a:rPr>
+                        <a:t>-</a:t>
+                      </a:r>
                     </a:p>
                   </a:txBody>
                   <a:tcPr marL="100481" marR="100481" marT="50240" marB="50240" anchor="ctr">
@@ -5929,12 +5972,13 @@
                     <a:lstStyle/>
                     <a:p>
                       <a:pPr algn="ctr"/>
-                      <a:endParaRPr lang="de-DE" sz="1100" dirty="0">
-                        <a:latin typeface="DM Sans" pitchFamily="2" charset="77"/>
-                      </a:endParaRPr>
-                    </a:p>
-                  </a:txBody>
-                  <a:tcPr marL="100481" marR="100481" marT="50240" marB="50240" anchor="ctr">
+                      <a:r>
+                        <a:rPr lang="de-DE" sz="1200" dirty="0"/>
+                        <a:t>39,678</a:t>
+                      </a:r>
+                    </a:p>
+                  </a:txBody>
+                  <a:tcPr>
                     <a:lnR w="12700" cap="flat" cmpd="sng" algn="ctr">
                       <a:solidFill>
                         <a:schemeClr val="tx1"/>
@@ -5961,12 +6005,13 @@
                     <a:lstStyle/>
                     <a:p>
                       <a:pPr algn="ctr"/>
-                      <a:endParaRPr lang="de-DE" sz="1100" dirty="0">
-                        <a:latin typeface="DM Sans" pitchFamily="2" charset="77"/>
-                      </a:endParaRPr>
-                    </a:p>
-                  </a:txBody>
-                  <a:tcPr marL="100481" marR="100481" marT="50240" marB="50240" anchor="ctr">
+                      <a:r>
+                        <a:rPr lang="de-DE" sz="1200" dirty="0"/>
+                        <a:t>408,472</a:t>
+                      </a:r>
+                    </a:p>
+                  </a:txBody>
+                  <a:tcPr>
                     <a:lnL w="12700" cap="flat" cmpd="sng" algn="ctr">
                       <a:solidFill>
                         <a:schemeClr val="tx1"/>
@@ -6002,9 +6047,12 @@
                     <a:lstStyle/>
                     <a:p>
                       <a:pPr algn="ctr"/>
-                      <a:endParaRPr lang="de-DE" sz="1100" dirty="0">
-                        <a:latin typeface="DM Sans" pitchFamily="2" charset="77"/>
-                      </a:endParaRPr>
+                      <a:r>
+                        <a:rPr lang="de-DE" sz="1100" dirty="0">
+                          <a:latin typeface="DM Sans" pitchFamily="2" charset="77"/>
+                        </a:rPr>
+                        <a:t>-</a:t>
+                      </a:r>
                     </a:p>
                   </a:txBody>
                   <a:tcPr marL="100481" marR="100481" marT="50240" marB="50240" anchor="ctr">
@@ -6100,9 +6148,12 @@
                     <a:lstStyle/>
                     <a:p>
                       <a:pPr algn="ctr"/>
-                      <a:endParaRPr lang="de-DE" sz="1100" dirty="0">
-                        <a:latin typeface="DM Sans" pitchFamily="2" charset="77"/>
-                      </a:endParaRPr>
+                      <a:r>
+                        <a:rPr lang="de-DE" sz="1100" dirty="0">
+                          <a:latin typeface="DM Sans" pitchFamily="2" charset="77"/>
+                        </a:rPr>
+                        <a:t>1348,462</a:t>
+                      </a:r>
                     </a:p>
                   </a:txBody>
                   <a:tcPr marL="100481" marR="100481" marT="50240" marB="50240" anchor="ctr">
@@ -6132,9 +6183,12 @@
                     <a:lstStyle/>
                     <a:p>
                       <a:pPr algn="ctr"/>
-                      <a:endParaRPr lang="de-DE" sz="1100" dirty="0">
-                        <a:latin typeface="DM Sans" pitchFamily="2" charset="77"/>
-                      </a:endParaRPr>
+                      <a:r>
+                        <a:rPr lang="de-DE" sz="1100" dirty="0">
+                          <a:latin typeface="DM Sans" pitchFamily="2" charset="77"/>
+                        </a:rPr>
+                        <a:t>1335,002</a:t>
+                      </a:r>
                     </a:p>
                   </a:txBody>
                   <a:tcPr marL="100481" marR="100481" marT="50240" marB="50240" anchor="ctr">
@@ -6173,9 +6227,12 @@
                     <a:lstStyle/>
                     <a:p>
                       <a:pPr algn="ctr"/>
-                      <a:endParaRPr lang="de-DE" sz="1100" dirty="0">
-                        <a:latin typeface="DM Sans" pitchFamily="2" charset="77"/>
-                      </a:endParaRPr>
+                      <a:r>
+                        <a:rPr lang="de-DE" sz="1100" dirty="0">
+                          <a:latin typeface="DM Sans" pitchFamily="2" charset="77"/>
+                        </a:rPr>
+                        <a:t>1551,396</a:t>
+                      </a:r>
                     </a:p>
                   </a:txBody>
                   <a:tcPr marL="100481" marR="100481" marT="50240" marB="50240" anchor="ctr">
@@ -6205,12 +6262,13 @@
                     <a:lstStyle/>
                     <a:p>
                       <a:pPr algn="ctr"/>
-                      <a:endParaRPr lang="de-DE" sz="1100" dirty="0">
-                        <a:latin typeface="DM Sans" pitchFamily="2" charset="77"/>
-                      </a:endParaRPr>
-                    </a:p>
-                  </a:txBody>
-                  <a:tcPr marL="100481" marR="100481" marT="50240" marB="50240" anchor="ctr">
+                      <a:r>
+                        <a:rPr lang="de-DE" sz="1200" dirty="0"/>
+                        <a:t>19,373</a:t>
+                      </a:r>
+                    </a:p>
+                  </a:txBody>
+                  <a:tcPr>
                     <a:lnR w="12700" cap="flat" cmpd="sng" algn="ctr">
                       <a:solidFill>
                         <a:schemeClr val="tx1"/>
@@ -6237,12 +6295,13 @@
                     <a:lstStyle/>
                     <a:p>
                       <a:pPr algn="ctr"/>
-                      <a:endParaRPr lang="de-DE" sz="1100" dirty="0">
-                        <a:latin typeface="DM Sans" pitchFamily="2" charset="77"/>
-                      </a:endParaRPr>
-                    </a:p>
-                  </a:txBody>
-                  <a:tcPr marL="100481" marR="100481" marT="50240" marB="50240" anchor="ctr">
+                      <a:r>
+                        <a:rPr lang="de-DE" sz="1200" dirty="0"/>
+                        <a:t>157,096</a:t>
+                      </a:r>
+                    </a:p>
+                  </a:txBody>
+                  <a:tcPr>
                     <a:lnL w="12700" cap="flat" cmpd="sng" algn="ctr">
                       <a:solidFill>
                         <a:schemeClr val="tx1"/>
@@ -6278,9 +6337,12 @@
                     <a:lstStyle/>
                     <a:p>
                       <a:pPr algn="ctr"/>
-                      <a:endParaRPr lang="de-DE" sz="1100" dirty="0">
-                        <a:latin typeface="DM Sans" pitchFamily="2" charset="77"/>
-                      </a:endParaRPr>
+                      <a:r>
+                        <a:rPr lang="de-DE" sz="1100" dirty="0">
+                          <a:latin typeface="DM Sans" pitchFamily="2" charset="77"/>
+                        </a:rPr>
+                        <a:t>-</a:t>
+                      </a:r>
                     </a:p>
                   </a:txBody>
                   <a:tcPr marL="100481" marR="100481" marT="50240" marB="50240" anchor="ctr">
@@ -6362,9 +6424,12 @@
                     <a:lstStyle/>
                     <a:p>
                       <a:pPr algn="ctr"/>
-                      <a:endParaRPr lang="de-DE" sz="1100" dirty="0">
-                        <a:latin typeface="DM Sans" pitchFamily="2" charset="77"/>
-                      </a:endParaRPr>
+                      <a:r>
+                        <a:rPr lang="de-DE" sz="1100" dirty="0">
+                          <a:latin typeface="DM Sans" pitchFamily="2" charset="77"/>
+                        </a:rPr>
+                        <a:t>497,171</a:t>
+                      </a:r>
                     </a:p>
                   </a:txBody>
                   <a:tcPr marL="100481" marR="100481" marT="50240" marB="50240" anchor="ctr">
@@ -6403,9 +6468,12 @@
                     <a:lstStyle/>
                     <a:p>
                       <a:pPr algn="ctr"/>
-                      <a:endParaRPr lang="de-DE" sz="1100" dirty="0">
-                        <a:latin typeface="DM Sans" pitchFamily="2" charset="77"/>
-                      </a:endParaRPr>
+                      <a:r>
+                        <a:rPr lang="de-DE" sz="1100" dirty="0">
+                          <a:latin typeface="DM Sans" pitchFamily="2" charset="77"/>
+                        </a:rPr>
+                        <a:t>7865,291</a:t>
+                      </a:r>
                     </a:p>
                   </a:txBody>
                   <a:tcPr marL="100481" marR="100481" marT="50240" marB="50240" anchor="ctr">
@@ -6453,9 +6521,12 @@
                     <a:lstStyle/>
                     <a:p>
                       <a:pPr algn="ctr"/>
-                      <a:endParaRPr lang="de-DE" sz="1100" dirty="0">
-                        <a:latin typeface="DM Sans" pitchFamily="2" charset="77"/>
-                      </a:endParaRPr>
+                      <a:r>
+                        <a:rPr lang="de-DE" sz="1100" dirty="0">
+                          <a:latin typeface="DM Sans" pitchFamily="2" charset="77"/>
+                        </a:rPr>
+                        <a:t>140103,686</a:t>
+                      </a:r>
                     </a:p>
                   </a:txBody>
                   <a:tcPr marL="100481" marR="100481" marT="50240" marB="50240" anchor="ctr">
@@ -6494,12 +6565,13 @@
                     <a:lstStyle/>
                     <a:p>
                       <a:pPr algn="ctr"/>
-                      <a:endParaRPr lang="de-DE" sz="1100">
-                        <a:latin typeface="DM Sans" pitchFamily="2" charset="77"/>
-                      </a:endParaRPr>
-                    </a:p>
-                  </a:txBody>
-                  <a:tcPr marL="100481" marR="100481" marT="50240" marB="50240" anchor="ctr">
+                      <a:r>
+                        <a:rPr lang="de-DE" sz="1200" dirty="0"/>
+                        <a:t>381,390</a:t>
+                      </a:r>
+                    </a:p>
+                  </a:txBody>
+                  <a:tcPr>
                     <a:lnR w="12700" cap="flat" cmpd="sng" algn="ctr">
                       <a:solidFill>
                         <a:schemeClr val="tx1"/>
@@ -6535,12 +6607,13 @@
                     <a:lstStyle/>
                     <a:p>
                       <a:pPr algn="ctr"/>
-                      <a:endParaRPr lang="de-DE" sz="1100" dirty="0">
-                        <a:latin typeface="DM Sans" pitchFamily="2" charset="77"/>
-                      </a:endParaRPr>
-                    </a:p>
-                  </a:txBody>
-                  <a:tcPr marL="100481" marR="100481" marT="50240" marB="50240" anchor="ctr">
+                      <a:r>
+                        <a:rPr lang="de-DE" sz="1200" dirty="0"/>
+                        <a:t>7510,293</a:t>
+                      </a:r>
+                    </a:p>
+                  </a:txBody>
+                  <a:tcPr>
                     <a:lnL w="12700" cap="flat" cmpd="sng" algn="ctr">
                       <a:solidFill>
                         <a:schemeClr val="tx1"/>
@@ -6585,9 +6658,12 @@
                     <a:lstStyle/>
                     <a:p>
                       <a:pPr algn="ctr"/>
-                      <a:endParaRPr lang="de-DE" sz="1100" dirty="0">
-                        <a:latin typeface="DM Sans" pitchFamily="2" charset="77"/>
-                      </a:endParaRPr>
+                      <a:r>
+                        <a:rPr lang="de-DE" sz="1100" dirty="0">
+                          <a:latin typeface="DM Sans" pitchFamily="2" charset="77"/>
+                        </a:rPr>
+                        <a:t>-</a:t>
+                      </a:r>
                     </a:p>
                   </a:txBody>
                   <a:tcPr marL="100481" marR="100481" marT="50240" marB="50240" anchor="ctr">
@@ -6669,9 +6745,12 @@
                     <a:lstStyle/>
                     <a:p>
                       <a:pPr algn="ctr"/>
-                      <a:endParaRPr lang="de-DE" sz="1100" dirty="0">
-                        <a:latin typeface="DM Sans" pitchFamily="2" charset="77"/>
-                      </a:endParaRPr>
+                      <a:r>
+                        <a:rPr lang="de-DE" sz="1100" dirty="0">
+                          <a:latin typeface="DM Sans" pitchFamily="2" charset="77"/>
+                        </a:rPr>
+                        <a:t>145,6</a:t>
+                      </a:r>
                     </a:p>
                   </a:txBody>
                   <a:tcPr marL="100481" marR="100481" marT="50240" marB="50240" anchor="ctr">
@@ -6701,9 +6780,12 @@
                     <a:lstStyle/>
                     <a:p>
                       <a:pPr algn="ctr"/>
-                      <a:endParaRPr lang="de-DE" sz="1100" dirty="0">
-                        <a:latin typeface="DM Sans" pitchFamily="2" charset="77"/>
-                      </a:endParaRPr>
+                      <a:r>
+                        <a:rPr lang="de-DE" sz="1100" dirty="0">
+                          <a:latin typeface="DM Sans" pitchFamily="2" charset="77"/>
+                        </a:rPr>
+                        <a:t>1580,192</a:t>
+                      </a:r>
                     </a:p>
                   </a:txBody>
                   <a:tcPr marL="100481" marR="100481" marT="50240" marB="50240" anchor="ctr">
@@ -6742,9 +6824,12 @@
                     <a:lstStyle/>
                     <a:p>
                       <a:pPr algn="ctr"/>
-                      <a:endParaRPr lang="de-DE" sz="1100" dirty="0">
-                        <a:latin typeface="DM Sans" pitchFamily="2" charset="77"/>
-                      </a:endParaRPr>
+                      <a:r>
+                        <a:rPr lang="de-DE" sz="1100" dirty="0">
+                          <a:latin typeface="DM Sans" pitchFamily="2" charset="77"/>
+                        </a:rPr>
+                        <a:t>11016,856</a:t>
+                      </a:r>
                     </a:p>
                   </a:txBody>
                   <a:tcPr marL="100481" marR="100481" marT="50240" marB="50240" anchor="ctr">
@@ -6774,12 +6859,13 @@
                     <a:lstStyle/>
                     <a:p>
                       <a:pPr algn="ctr"/>
-                      <a:endParaRPr lang="de-DE" sz="1100">
-                        <a:latin typeface="DM Sans" pitchFamily="2" charset="77"/>
-                      </a:endParaRPr>
-                    </a:p>
-                  </a:txBody>
-                  <a:tcPr marL="100481" marR="100481" marT="50240" marB="50240" anchor="ctr">
+                      <a:r>
+                        <a:rPr lang="de-DE" sz="1200" dirty="0"/>
+                        <a:t>60,939</a:t>
+                      </a:r>
+                    </a:p>
+                  </a:txBody>
+                  <a:tcPr>
                     <a:lnR w="12700" cap="flat" cmpd="sng" algn="ctr">
                       <a:solidFill>
                         <a:schemeClr val="tx1"/>
@@ -6806,12 +6892,13 @@
                     <a:lstStyle/>
                     <a:p>
                       <a:pPr algn="ctr"/>
-                      <a:endParaRPr lang="de-DE" sz="1100">
-                        <a:latin typeface="DM Sans" pitchFamily="2" charset="77"/>
-                      </a:endParaRPr>
-                    </a:p>
-                  </a:txBody>
-                  <a:tcPr marL="100481" marR="100481" marT="50240" marB="50240" anchor="ctr">
+                      <a:r>
+                        <a:rPr lang="de-DE" sz="1200" dirty="0"/>
+                        <a:t>643,172</a:t>
+                      </a:r>
+                    </a:p>
+                  </a:txBody>
+                  <a:tcPr>
                     <a:lnL w="12700" cap="flat" cmpd="sng" algn="ctr">
                       <a:solidFill>
                         <a:schemeClr val="tx1"/>
@@ -6847,9 +6934,12 @@
                     <a:lstStyle/>
                     <a:p>
                       <a:pPr algn="ctr"/>
-                      <a:endParaRPr lang="de-DE" sz="1100" dirty="0">
-                        <a:latin typeface="DM Sans" pitchFamily="2" charset="77"/>
-                      </a:endParaRPr>
+                      <a:r>
+                        <a:rPr lang="de-DE" sz="1100" dirty="0">
+                          <a:latin typeface="DM Sans" pitchFamily="2" charset="77"/>
+                        </a:rPr>
+                        <a:t>-</a:t>
+                      </a:r>
                     </a:p>
                   </a:txBody>
                   <a:tcPr marL="100481" marR="100481" marT="50240" marB="50240" anchor="ctr">
@@ -10506,14 +10596,14 @@
           <p:nvPr>
             <p:extLst>
               <p:ext uri="{D42A27DB-BD31-4B8C-83A1-F6EECF244321}">
-                <p14:modId xmlns:p14="http://schemas.microsoft.com/office/powerpoint/2010/main" val="2502247306"/>
+                <p14:modId xmlns:p14="http://schemas.microsoft.com/office/powerpoint/2010/main" val="4076604144"/>
               </p:ext>
             </p:extLst>
           </p:nvPr>
         </p:nvGraphicFramePr>
         <p:xfrm>
           <a:off x="1466695" y="1821316"/>
-          <a:ext cx="9258609" cy="4140898"/>
+          <a:ext cx="9350830" cy="4312067"/>
         </p:xfrm>
         <a:graphic>
           <a:graphicData uri="http://schemas.openxmlformats.org/drawingml/2006/table">
@@ -10550,28 +10640,28 @@
                     </a:ext>
                   </a:extLst>
                 </a:gridCol>
-                <a:gridCol w="893163">
+                <a:gridCol w="1026427">
                   <a:extLst>
                     <a:ext uri="{9D8B030D-6E8A-4147-A177-3AD203B41FA5}">
                       <a16:colId xmlns:a16="http://schemas.microsoft.com/office/drawing/2014/main" val="1720584379"/>
                     </a:ext>
                   </a:extLst>
                 </a:gridCol>
-                <a:gridCol w="907118">
+                <a:gridCol w="888521">
                   <a:extLst>
                     <a:ext uri="{9D8B030D-6E8A-4147-A177-3AD203B41FA5}">
                       <a16:colId xmlns:a16="http://schemas.microsoft.com/office/drawing/2014/main" val="3278997613"/>
                     </a:ext>
                   </a:extLst>
                 </a:gridCol>
-                <a:gridCol w="990852">
+                <a:gridCol w="983411">
                   <a:extLst>
                     <a:ext uri="{9D8B030D-6E8A-4147-A177-3AD203B41FA5}">
                       <a16:colId xmlns:a16="http://schemas.microsoft.com/office/drawing/2014/main" val="4130188757"/>
                     </a:ext>
                   </a:extLst>
                 </a:gridCol>
-                <a:gridCol w="972538">
+                <a:gridCol w="957533">
                   <a:extLst>
                     <a:ext uri="{9D8B030D-6E8A-4147-A177-3AD203B41FA5}">
                       <a16:colId xmlns:a16="http://schemas.microsoft.com/office/drawing/2014/main" val="1425166065"/>
@@ -10654,8 +10744,17 @@
                         <a:rPr lang="de-DE" sz="1400" dirty="0">
                           <a:latin typeface="DM Sans" pitchFamily="2" charset="77"/>
                         </a:rPr>
-                        <a:t>Laufzeit in ms je nach Tiefe d mit TT und Zugsortierung</a:t>
-                      </a:r>
+                        <a:t>Laufzeit in ms je nach Tiefe d mit TT und Zugsortierung in </a:t>
+                      </a:r>
+                      <a:r>
+                        <a:rPr lang="de-DE" sz="1400" dirty="0" err="1">
+                          <a:latin typeface="DM Sans" pitchFamily="2" charset="77"/>
+                        </a:rPr>
+                        <a:t>ms</a:t>
+                      </a:r>
+                      <a:endParaRPr lang="de-DE" sz="1400" dirty="0">
+                        <a:latin typeface="DM Sans" pitchFamily="2" charset="77"/>
+                      </a:endParaRPr>
                     </a:p>
                   </a:txBody>
                   <a:tcPr marL="100481" marR="100481" marT="50240" marB="50240">
@@ -10728,8 +10827,17 @@
                         <a:rPr lang="de-DE" sz="1400" dirty="0">
                           <a:latin typeface="DM Sans" pitchFamily="2" charset="77"/>
                         </a:rPr>
-                        <a:t>. 2 „Basis KI“</a:t>
-                      </a:r>
+                        <a:t>. 2 „Basis KI“ in </a:t>
+                      </a:r>
+                      <a:r>
+                        <a:rPr lang="de-DE" sz="1400" dirty="0" err="1">
+                          <a:latin typeface="DM Sans" pitchFamily="2" charset="77"/>
+                        </a:rPr>
+                        <a:t>ms</a:t>
+                      </a:r>
+                      <a:endParaRPr lang="de-DE" sz="1400" dirty="0">
+                        <a:latin typeface="DM Sans" pitchFamily="2" charset="77"/>
+                      </a:endParaRPr>
                     </a:p>
                   </a:txBody>
                   <a:tcPr marL="100481" marR="100481" marT="50240" marB="50240">
@@ -11196,12 +11304,13 @@
                     <a:lstStyle/>
                     <a:p>
                       <a:pPr algn="ctr"/>
-                      <a:endParaRPr lang="de-DE" sz="1100">
-                        <a:latin typeface="DM Sans" pitchFamily="2" charset="77"/>
-                      </a:endParaRPr>
-                    </a:p>
-                  </a:txBody>
-                  <a:tcPr marL="100481" marR="100481" marT="50240" marB="50240" anchor="ctr">
+                      <a:r>
+                        <a:rPr lang="de-DE" sz="1200" dirty="0"/>
+                        <a:t>11,949</a:t>
+                      </a:r>
+                    </a:p>
+                  </a:txBody>
+                  <a:tcPr>
                     <a:lnR w="12700" cap="flat" cmpd="sng" algn="ctr">
                       <a:solidFill>
                         <a:schemeClr val="tx1"/>
@@ -11228,12 +11337,13 @@
                     <a:lstStyle/>
                     <a:p>
                       <a:pPr algn="ctr"/>
-                      <a:endParaRPr lang="de-DE" sz="1100">
-                        <a:latin typeface="DM Sans" pitchFamily="2" charset="77"/>
-                      </a:endParaRPr>
-                    </a:p>
-                  </a:txBody>
-                  <a:tcPr marL="100481" marR="100481" marT="50240" marB="50240" anchor="ctr">
+                      <a:r>
+                        <a:rPr lang="de-DE" sz="1200" dirty="0"/>
+                        <a:t>98,290</a:t>
+                      </a:r>
+                    </a:p>
+                  </a:txBody>
+                  <a:tcPr>
                     <a:lnL w="12700" cap="flat" cmpd="sng" algn="ctr">
                       <a:solidFill>
                         <a:schemeClr val="tx1"/>
@@ -11269,9 +11379,12 @@
                     <a:lstStyle/>
                     <a:p>
                       <a:pPr algn="ctr"/>
-                      <a:endParaRPr lang="de-DE" sz="1100">
-                        <a:latin typeface="DM Sans" pitchFamily="2" charset="77"/>
-                      </a:endParaRPr>
+                      <a:r>
+                        <a:rPr lang="de-DE" sz="1100" dirty="0">
+                          <a:latin typeface="DM Sans" pitchFamily="2" charset="77"/>
+                        </a:rPr>
+                        <a:t>-</a:t>
+                      </a:r>
                     </a:p>
                   </a:txBody>
                   <a:tcPr marL="100481" marR="100481" marT="50240" marB="50240" anchor="ctr">
@@ -11485,12 +11598,13 @@
                     <a:lstStyle/>
                     <a:p>
                       <a:pPr algn="ctr"/>
-                      <a:endParaRPr lang="de-DE" sz="1100">
-                        <a:latin typeface="DM Sans" pitchFamily="2" charset="77"/>
-                      </a:endParaRPr>
-                    </a:p>
-                  </a:txBody>
-                  <a:tcPr marL="100481" marR="100481" marT="50240" marB="50240" anchor="ctr">
+                      <a:r>
+                        <a:rPr lang="de-DE" sz="1200" dirty="0"/>
+                        <a:t>242,703</a:t>
+                      </a:r>
+                    </a:p>
+                  </a:txBody>
+                  <a:tcPr>
                     <a:lnR w="12700" cap="flat" cmpd="sng" algn="ctr">
                       <a:solidFill>
                         <a:schemeClr val="tx1"/>
@@ -11526,12 +11640,13 @@
                     <a:lstStyle/>
                     <a:p>
                       <a:pPr algn="ctr"/>
-                      <a:endParaRPr lang="de-DE" sz="1100">
-                        <a:latin typeface="DM Sans" pitchFamily="2" charset="77"/>
-                      </a:endParaRPr>
-                    </a:p>
-                  </a:txBody>
-                  <a:tcPr marL="100481" marR="100481" marT="50240" marB="50240" anchor="ctr">
+                      <a:r>
+                        <a:rPr lang="de-DE" sz="1200" dirty="0"/>
+                        <a:t>4114,663</a:t>
+                      </a:r>
+                    </a:p>
+                  </a:txBody>
+                  <a:tcPr>
                     <a:lnL w="12700" cap="flat" cmpd="sng" algn="ctr">
                       <a:solidFill>
                         <a:schemeClr val="tx1"/>
@@ -11576,9 +11691,12 @@
                     <a:lstStyle/>
                     <a:p>
                       <a:pPr algn="ctr"/>
-                      <a:endParaRPr lang="de-DE" sz="1100">
-                        <a:latin typeface="DM Sans" pitchFamily="2" charset="77"/>
-                      </a:endParaRPr>
+                      <a:r>
+                        <a:rPr lang="de-DE" sz="1100" dirty="0">
+                          <a:latin typeface="DM Sans" pitchFamily="2" charset="77"/>
+                        </a:rPr>
+                        <a:t>-</a:t>
+                      </a:r>
                     </a:p>
                   </a:txBody>
                   <a:tcPr marL="100481" marR="100481" marT="50240" marB="50240" anchor="ctr">
@@ -11765,12 +11883,13 @@
                     <a:lstStyle/>
                     <a:p>
                       <a:pPr algn="ctr"/>
-                      <a:endParaRPr lang="de-DE" sz="1100">
-                        <a:latin typeface="DM Sans" pitchFamily="2" charset="77"/>
-                      </a:endParaRPr>
-                    </a:p>
-                  </a:txBody>
-                  <a:tcPr marL="100481" marR="100481" marT="50240" marB="50240" anchor="ctr">
+                      <a:r>
+                        <a:rPr lang="de-DE" sz="1200" dirty="0"/>
+                        <a:t>37,182</a:t>
+                      </a:r>
+                    </a:p>
+                  </a:txBody>
+                  <a:tcPr>
                     <a:lnR w="12700" cap="flat" cmpd="sng" algn="ctr">
                       <a:solidFill>
                         <a:schemeClr val="tx1"/>
@@ -11797,12 +11916,13 @@
                     <a:lstStyle/>
                     <a:p>
                       <a:pPr algn="ctr"/>
-                      <a:endParaRPr lang="de-DE" sz="1100">
-                        <a:latin typeface="DM Sans" pitchFamily="2" charset="77"/>
-                      </a:endParaRPr>
-                    </a:p>
-                  </a:txBody>
-                  <a:tcPr marL="100481" marR="100481" marT="50240" marB="50240" anchor="ctr">
+                      <a:r>
+                        <a:rPr lang="de-DE" sz="1200" dirty="0"/>
+                        <a:t>380,406</a:t>
+                      </a:r>
+                    </a:p>
+                  </a:txBody>
+                  <a:tcPr>
                     <a:lnL w="12700" cap="flat" cmpd="sng" algn="ctr">
                       <a:solidFill>
                         <a:schemeClr val="tx1"/>
@@ -11838,9 +11958,12 @@
                     <a:lstStyle/>
                     <a:p>
                       <a:pPr algn="ctr"/>
-                      <a:endParaRPr lang="de-DE" sz="1100">
-                        <a:latin typeface="DM Sans" pitchFamily="2" charset="77"/>
-                      </a:endParaRPr>
+                      <a:r>
+                        <a:rPr lang="de-DE" sz="1100" dirty="0">
+                          <a:latin typeface="DM Sans" pitchFamily="2" charset="77"/>
+                        </a:rPr>
+                        <a:t>-</a:t>
+                      </a:r>
                     </a:p>
                   </a:txBody>
                   <a:tcPr marL="100481" marR="100481" marT="50240" marB="50240" anchor="ctr">
@@ -12041,12 +12164,13 @@
                     <a:lstStyle/>
                     <a:p>
                       <a:pPr algn="ctr"/>
-                      <a:endParaRPr lang="de-DE" sz="1100" dirty="0">
-                        <a:latin typeface="DM Sans" pitchFamily="2" charset="77"/>
-                      </a:endParaRPr>
-                    </a:p>
-                  </a:txBody>
-                  <a:tcPr marL="100481" marR="100481" marT="50240" marB="50240" anchor="ctr">
+                      <a:r>
+                        <a:rPr lang="de-DE" sz="1200" dirty="0"/>
+                        <a:t>14,545</a:t>
+                      </a:r>
+                    </a:p>
+                  </a:txBody>
+                  <a:tcPr>
                     <a:lnR w="12700" cap="flat" cmpd="sng" algn="ctr">
                       <a:solidFill>
                         <a:schemeClr val="tx1"/>
@@ -12073,12 +12197,13 @@
                     <a:lstStyle/>
                     <a:p>
                       <a:pPr algn="ctr"/>
-                      <a:endParaRPr lang="de-DE" sz="1100" dirty="0">
-                        <a:latin typeface="DM Sans" pitchFamily="2" charset="77"/>
-                      </a:endParaRPr>
-                    </a:p>
-                  </a:txBody>
-                  <a:tcPr marL="100481" marR="100481" marT="50240" marB="50240" anchor="ctr">
+                      <a:r>
+                        <a:rPr lang="de-DE" sz="1200" dirty="0"/>
+                        <a:t>100,660</a:t>
+                      </a:r>
+                    </a:p>
+                  </a:txBody>
+                  <a:tcPr>
                     <a:lnL w="12700" cap="flat" cmpd="sng" algn="ctr">
                       <a:solidFill>
                         <a:schemeClr val="tx1"/>
@@ -12114,9 +12239,12 @@
                     <a:lstStyle/>
                     <a:p>
                       <a:pPr algn="ctr"/>
-                      <a:endParaRPr lang="de-DE" sz="1100">
-                        <a:latin typeface="DM Sans" pitchFamily="2" charset="77"/>
-                      </a:endParaRPr>
+                      <a:r>
+                        <a:rPr lang="de-DE" sz="1100" dirty="0">
+                          <a:latin typeface="DM Sans" pitchFamily="2" charset="77"/>
+                        </a:rPr>
+                        <a:t>-</a:t>
+                      </a:r>
                     </a:p>
                   </a:txBody>
                   <a:tcPr marL="100481" marR="100481" marT="50240" marB="50240" anchor="ctr">
@@ -12330,12 +12458,13 @@
                     <a:lstStyle/>
                     <a:p>
                       <a:pPr algn="ctr"/>
-                      <a:endParaRPr lang="de-DE" sz="1100" dirty="0">
-                        <a:latin typeface="DM Sans" pitchFamily="2" charset="77"/>
-                      </a:endParaRPr>
-                    </a:p>
-                  </a:txBody>
-                  <a:tcPr marL="100481" marR="100481" marT="50240" marB="50240" anchor="ctr">
+                      <a:r>
+                        <a:rPr lang="de-DE" sz="1200" dirty="0"/>
+                        <a:t>239,449</a:t>
+                      </a:r>
+                    </a:p>
+                  </a:txBody>
+                  <a:tcPr>
                     <a:lnR w="12700" cap="flat" cmpd="sng" algn="ctr">
                       <a:solidFill>
                         <a:schemeClr val="tx1"/>
@@ -12371,12 +12500,13 @@
                     <a:lstStyle/>
                     <a:p>
                       <a:pPr algn="ctr"/>
-                      <a:endParaRPr lang="de-DE" sz="1100" dirty="0">
-                        <a:latin typeface="DM Sans" pitchFamily="2" charset="77"/>
-                      </a:endParaRPr>
-                    </a:p>
-                  </a:txBody>
-                  <a:tcPr marL="100481" marR="100481" marT="50240" marB="50240" anchor="ctr">
+                      <a:r>
+                        <a:rPr lang="de-DE" sz="1200" dirty="0"/>
+                        <a:t>4300,536</a:t>
+                      </a:r>
+                    </a:p>
+                  </a:txBody>
+                  <a:tcPr>
                     <a:lnL w="12700" cap="flat" cmpd="sng" algn="ctr">
                       <a:solidFill>
                         <a:schemeClr val="tx1"/>
@@ -12421,9 +12551,12 @@
                     <a:lstStyle/>
                     <a:p>
                       <a:pPr algn="ctr"/>
-                      <a:endParaRPr lang="de-DE" sz="1100" dirty="0">
-                        <a:latin typeface="DM Sans" pitchFamily="2" charset="77"/>
-                      </a:endParaRPr>
+                      <a:r>
+                        <a:rPr lang="de-DE" sz="1100" dirty="0">
+                          <a:latin typeface="DM Sans" pitchFamily="2" charset="77"/>
+                        </a:rPr>
+                        <a:t>-</a:t>
+                      </a:r>
                     </a:p>
                   </a:txBody>
                   <a:tcPr marL="100481" marR="100481" marT="50240" marB="50240" anchor="ctr">
@@ -12610,12 +12743,13 @@
                     <a:lstStyle/>
                     <a:p>
                       <a:pPr algn="ctr"/>
-                      <a:endParaRPr lang="de-DE" sz="1100" dirty="0">
-                        <a:latin typeface="DM Sans" pitchFamily="2" charset="77"/>
-                      </a:endParaRPr>
-                    </a:p>
-                  </a:txBody>
-                  <a:tcPr marL="100481" marR="100481" marT="50240" marB="50240" anchor="ctr">
+                      <a:r>
+                        <a:rPr lang="de-DE" sz="1200" dirty="0"/>
+                        <a:t>39,678</a:t>
+                      </a:r>
+                    </a:p>
+                  </a:txBody>
+                  <a:tcPr>
                     <a:lnR w="12700" cap="flat" cmpd="sng" algn="ctr">
                       <a:solidFill>
                         <a:schemeClr val="tx1"/>
@@ -12642,12 +12776,13 @@
                     <a:lstStyle/>
                     <a:p>
                       <a:pPr algn="ctr"/>
-                      <a:endParaRPr lang="de-DE" sz="1100" dirty="0">
-                        <a:latin typeface="DM Sans" pitchFamily="2" charset="77"/>
-                      </a:endParaRPr>
-                    </a:p>
-                  </a:txBody>
-                  <a:tcPr marL="100481" marR="100481" marT="50240" marB="50240" anchor="ctr">
+                      <a:r>
+                        <a:rPr lang="de-DE" sz="1200" dirty="0"/>
+                        <a:t>408,472</a:t>
+                      </a:r>
+                    </a:p>
+                  </a:txBody>
+                  <a:tcPr>
                     <a:lnL w="12700" cap="flat" cmpd="sng" algn="ctr">
                       <a:solidFill>
                         <a:schemeClr val="tx1"/>
@@ -12683,9 +12818,12 @@
                     <a:lstStyle/>
                     <a:p>
                       <a:pPr algn="ctr"/>
-                      <a:endParaRPr lang="de-DE" sz="1100" dirty="0">
-                        <a:latin typeface="DM Sans" pitchFamily="2" charset="77"/>
-                      </a:endParaRPr>
+                      <a:r>
+                        <a:rPr lang="de-DE" sz="1100" dirty="0">
+                          <a:latin typeface="DM Sans" pitchFamily="2" charset="77"/>
+                        </a:rPr>
+                        <a:t>-</a:t>
+                      </a:r>
                     </a:p>
                   </a:txBody>
                   <a:tcPr marL="100481" marR="100481" marT="50240" marB="50240" anchor="ctr">
@@ -12781,9 +12919,12 @@
                     <a:lstStyle/>
                     <a:p>
                       <a:pPr algn="ctr"/>
-                      <a:endParaRPr lang="de-DE" sz="1100" dirty="0">
-                        <a:latin typeface="DM Sans" pitchFamily="2" charset="77"/>
-                      </a:endParaRPr>
+                      <a:r>
+                        <a:rPr lang="de-DE" sz="1100" dirty="0">
+                          <a:latin typeface="DM Sans" pitchFamily="2" charset="77"/>
+                        </a:rPr>
+                        <a:t>1093,381</a:t>
+                      </a:r>
                     </a:p>
                   </a:txBody>
                   <a:tcPr marL="100481" marR="100481" marT="50240" marB="50240" anchor="ctr">
@@ -12813,9 +12954,12 @@
                     <a:lstStyle/>
                     <a:p>
                       <a:pPr algn="ctr"/>
-                      <a:endParaRPr lang="de-DE" sz="1100" dirty="0">
-                        <a:latin typeface="DM Sans" pitchFamily="2" charset="77"/>
-                      </a:endParaRPr>
+                      <a:r>
+                        <a:rPr lang="de-DE" sz="1100" dirty="0">
+                          <a:latin typeface="DM Sans" pitchFamily="2" charset="77"/>
+                        </a:rPr>
+                        <a:t>1974,368</a:t>
+                      </a:r>
                     </a:p>
                   </a:txBody>
                   <a:tcPr marL="100481" marR="100481" marT="50240" marB="50240" anchor="ctr">
@@ -12854,9 +12998,12 @@
                     <a:lstStyle/>
                     <a:p>
                       <a:pPr algn="ctr"/>
-                      <a:endParaRPr lang="de-DE" sz="1100" dirty="0">
-                        <a:latin typeface="DM Sans" pitchFamily="2" charset="77"/>
-                      </a:endParaRPr>
+                      <a:r>
+                        <a:rPr lang="de-DE" sz="1100" dirty="0">
+                          <a:latin typeface="DM Sans" pitchFamily="2" charset="77"/>
+                        </a:rPr>
+                        <a:t>1920,393</a:t>
+                      </a:r>
                     </a:p>
                   </a:txBody>
                   <a:tcPr marL="100481" marR="100481" marT="50240" marB="50240" anchor="ctr">
@@ -12886,12 +13033,13 @@
                     <a:lstStyle/>
                     <a:p>
                       <a:pPr algn="ctr"/>
-                      <a:endParaRPr lang="de-DE" sz="1100" dirty="0">
-                        <a:latin typeface="DM Sans" pitchFamily="2" charset="77"/>
-                      </a:endParaRPr>
-                    </a:p>
-                  </a:txBody>
-                  <a:tcPr marL="100481" marR="100481" marT="50240" marB="50240" anchor="ctr">
+                      <a:r>
+                        <a:rPr lang="de-DE" sz="1200" dirty="0"/>
+                        <a:t>19,373</a:t>
+                      </a:r>
+                    </a:p>
+                  </a:txBody>
+                  <a:tcPr>
                     <a:lnR w="12700" cap="flat" cmpd="sng" algn="ctr">
                       <a:solidFill>
                         <a:schemeClr val="tx1"/>
@@ -12918,12 +13066,13 @@
                     <a:lstStyle/>
                     <a:p>
                       <a:pPr algn="ctr"/>
-                      <a:endParaRPr lang="de-DE" sz="1100" dirty="0">
-                        <a:latin typeface="DM Sans" pitchFamily="2" charset="77"/>
-                      </a:endParaRPr>
-                    </a:p>
-                  </a:txBody>
-                  <a:tcPr marL="100481" marR="100481" marT="50240" marB="50240" anchor="ctr">
+                      <a:r>
+                        <a:rPr lang="de-DE" sz="1200" dirty="0"/>
+                        <a:t>157,096</a:t>
+                      </a:r>
+                    </a:p>
+                  </a:txBody>
+                  <a:tcPr>
                     <a:lnL w="12700" cap="flat" cmpd="sng" algn="ctr">
                       <a:solidFill>
                         <a:schemeClr val="tx1"/>
@@ -12959,9 +13108,12 @@
                     <a:lstStyle/>
                     <a:p>
                       <a:pPr algn="ctr"/>
-                      <a:endParaRPr lang="de-DE" sz="1100" dirty="0">
-                        <a:latin typeface="DM Sans" pitchFamily="2" charset="77"/>
-                      </a:endParaRPr>
+                      <a:r>
+                        <a:rPr lang="de-DE" sz="1100" dirty="0">
+                          <a:latin typeface="DM Sans" pitchFamily="2" charset="77"/>
+                        </a:rPr>
+                        <a:t>-</a:t>
+                      </a:r>
                     </a:p>
                   </a:txBody>
                   <a:tcPr marL="100481" marR="100481" marT="50240" marB="50240" anchor="ctr">
@@ -13043,9 +13195,12 @@
                     <a:lstStyle/>
                     <a:p>
                       <a:pPr algn="ctr"/>
-                      <a:endParaRPr lang="de-DE" sz="1100" dirty="0">
-                        <a:latin typeface="DM Sans" pitchFamily="2" charset="77"/>
-                      </a:endParaRPr>
+                      <a:r>
+                        <a:rPr lang="de-DE" sz="1100" dirty="0">
+                          <a:latin typeface="DM Sans" pitchFamily="2" charset="77"/>
+                        </a:rPr>
+                        <a:t>497,551</a:t>
+                      </a:r>
                     </a:p>
                   </a:txBody>
                   <a:tcPr marL="100481" marR="100481" marT="50240" marB="50240" anchor="ctr">
@@ -13084,9 +13239,12 @@
                     <a:lstStyle/>
                     <a:p>
                       <a:pPr algn="ctr"/>
-                      <a:endParaRPr lang="de-DE" sz="1100" dirty="0">
-                        <a:latin typeface="DM Sans" pitchFamily="2" charset="77"/>
-                      </a:endParaRPr>
+                      <a:r>
+                        <a:rPr lang="de-DE" sz="1100" dirty="0">
+                          <a:latin typeface="DM Sans" pitchFamily="2" charset="77"/>
+                        </a:rPr>
+                        <a:t>6094,413</a:t>
+                      </a:r>
                     </a:p>
                   </a:txBody>
                   <a:tcPr marL="100481" marR="100481" marT="50240" marB="50240" anchor="ctr">
@@ -13134,9 +13292,12 @@
                     <a:lstStyle/>
                     <a:p>
                       <a:pPr algn="ctr"/>
-                      <a:endParaRPr lang="de-DE" sz="1100" dirty="0">
-                        <a:latin typeface="DM Sans" pitchFamily="2" charset="77"/>
-                      </a:endParaRPr>
+                      <a:r>
+                        <a:rPr lang="de-DE" sz="1100" dirty="0">
+                          <a:latin typeface="DM Sans" pitchFamily="2" charset="77"/>
+                        </a:rPr>
+                        <a:t>92899,965</a:t>
+                      </a:r>
                     </a:p>
                   </a:txBody>
                   <a:tcPr marL="100481" marR="100481" marT="50240" marB="50240" anchor="ctr">
@@ -13175,12 +13336,13 @@
                     <a:lstStyle/>
                     <a:p>
                       <a:pPr algn="ctr"/>
-                      <a:endParaRPr lang="de-DE" sz="1100">
-                        <a:latin typeface="DM Sans" pitchFamily="2" charset="77"/>
-                      </a:endParaRPr>
-                    </a:p>
-                  </a:txBody>
-                  <a:tcPr marL="100481" marR="100481" marT="50240" marB="50240" anchor="ctr">
+                      <a:r>
+                        <a:rPr lang="de-DE" sz="1200" dirty="0"/>
+                        <a:t>381,390</a:t>
+                      </a:r>
+                    </a:p>
+                  </a:txBody>
+                  <a:tcPr>
                     <a:lnR w="12700" cap="flat" cmpd="sng" algn="ctr">
                       <a:solidFill>
                         <a:schemeClr val="tx1"/>
@@ -13216,12 +13378,13 @@
                     <a:lstStyle/>
                     <a:p>
                       <a:pPr algn="ctr"/>
-                      <a:endParaRPr lang="de-DE" sz="1100" dirty="0">
-                        <a:latin typeface="DM Sans" pitchFamily="2" charset="77"/>
-                      </a:endParaRPr>
-                    </a:p>
-                  </a:txBody>
-                  <a:tcPr marL="100481" marR="100481" marT="50240" marB="50240" anchor="ctr">
+                      <a:r>
+                        <a:rPr lang="de-DE" sz="1200" dirty="0"/>
+                        <a:t>7510,293</a:t>
+                      </a:r>
+                    </a:p>
+                  </a:txBody>
+                  <a:tcPr>
                     <a:lnL w="12700" cap="flat" cmpd="sng" algn="ctr">
                       <a:solidFill>
                         <a:schemeClr val="tx1"/>
@@ -13266,9 +13429,12 @@
                     <a:lstStyle/>
                     <a:p>
                       <a:pPr algn="ctr"/>
-                      <a:endParaRPr lang="de-DE" sz="1100" dirty="0">
-                        <a:latin typeface="DM Sans" pitchFamily="2" charset="77"/>
-                      </a:endParaRPr>
+                      <a:r>
+                        <a:rPr lang="de-DE" sz="1100" dirty="0">
+                          <a:latin typeface="DM Sans" pitchFamily="2" charset="77"/>
+                        </a:rPr>
+                        <a:t>-</a:t>
+                      </a:r>
                     </a:p>
                   </a:txBody>
                   <a:tcPr marL="100481" marR="100481" marT="50240" marB="50240" anchor="ctr">
@@ -13350,9 +13516,12 @@
                     <a:lstStyle/>
                     <a:p>
                       <a:pPr algn="ctr"/>
-                      <a:endParaRPr lang="de-DE" sz="1100" dirty="0">
-                        <a:latin typeface="DM Sans" pitchFamily="2" charset="77"/>
-                      </a:endParaRPr>
+                      <a:r>
+                        <a:rPr lang="de-DE" sz="1100" dirty="0">
+                          <a:latin typeface="DM Sans" pitchFamily="2" charset="77"/>
+                        </a:rPr>
+                        <a:t>180,868</a:t>
+                      </a:r>
                     </a:p>
                   </a:txBody>
                   <a:tcPr marL="100481" marR="100481" marT="50240" marB="50240" anchor="ctr">
@@ -13382,9 +13551,12 @@
                     <a:lstStyle/>
                     <a:p>
                       <a:pPr algn="ctr"/>
-                      <a:endParaRPr lang="de-DE" sz="1100" dirty="0">
-                        <a:latin typeface="DM Sans" pitchFamily="2" charset="77"/>
-                      </a:endParaRPr>
+                      <a:r>
+                        <a:rPr lang="de-DE" sz="1100" dirty="0">
+                          <a:latin typeface="DM Sans" pitchFamily="2" charset="77"/>
+                        </a:rPr>
+                        <a:t>1075,351</a:t>
+                      </a:r>
                     </a:p>
                   </a:txBody>
                   <a:tcPr marL="100481" marR="100481" marT="50240" marB="50240" anchor="ctr">
@@ -13423,9 +13595,12 @@
                     <a:lstStyle/>
                     <a:p>
                       <a:pPr algn="ctr"/>
-                      <a:endParaRPr lang="de-DE" sz="1100" dirty="0">
-                        <a:latin typeface="DM Sans" pitchFamily="2" charset="77"/>
-                      </a:endParaRPr>
+                      <a:r>
+                        <a:rPr lang="de-DE" sz="1100" dirty="0">
+                          <a:latin typeface="DM Sans" pitchFamily="2" charset="77"/>
+                        </a:rPr>
+                        <a:t>15496,174</a:t>
+                      </a:r>
                     </a:p>
                   </a:txBody>
                   <a:tcPr marL="100481" marR="100481" marT="50240" marB="50240" anchor="ctr">
@@ -13455,12 +13630,13 @@
                     <a:lstStyle/>
                     <a:p>
                       <a:pPr algn="ctr"/>
-                      <a:endParaRPr lang="de-DE" sz="1100">
-                        <a:latin typeface="DM Sans" pitchFamily="2" charset="77"/>
-                      </a:endParaRPr>
-                    </a:p>
-                  </a:txBody>
-                  <a:tcPr marL="100481" marR="100481" marT="50240" marB="50240" anchor="ctr">
+                      <a:r>
+                        <a:rPr lang="de-DE" sz="1200" dirty="0"/>
+                        <a:t>60,939</a:t>
+                      </a:r>
+                    </a:p>
+                  </a:txBody>
+                  <a:tcPr>
                     <a:lnR w="12700" cap="flat" cmpd="sng" algn="ctr">
                       <a:solidFill>
                         <a:schemeClr val="tx1"/>
@@ -13487,12 +13663,13 @@
                     <a:lstStyle/>
                     <a:p>
                       <a:pPr algn="ctr"/>
-                      <a:endParaRPr lang="de-DE" sz="1100">
-                        <a:latin typeface="DM Sans" pitchFamily="2" charset="77"/>
-                      </a:endParaRPr>
-                    </a:p>
-                  </a:txBody>
-                  <a:tcPr marL="100481" marR="100481" marT="50240" marB="50240" anchor="ctr">
+                      <a:r>
+                        <a:rPr lang="de-DE" sz="1200" dirty="0"/>
+                        <a:t>643,172</a:t>
+                      </a:r>
+                    </a:p>
+                  </a:txBody>
+                  <a:tcPr>
                     <a:lnL w="12700" cap="flat" cmpd="sng" algn="ctr">
                       <a:solidFill>
                         <a:schemeClr val="tx1"/>
@@ -13528,9 +13705,12 @@
                     <a:lstStyle/>
                     <a:p>
                       <a:pPr algn="ctr"/>
-                      <a:endParaRPr lang="de-DE" sz="1100" dirty="0">
-                        <a:latin typeface="DM Sans" pitchFamily="2" charset="77"/>
-                      </a:endParaRPr>
+                      <a:r>
+                        <a:rPr lang="de-DE" sz="1100" dirty="0">
+                          <a:latin typeface="DM Sans" pitchFamily="2" charset="77"/>
+                        </a:rPr>
+                        <a:t>-</a:t>
+                      </a:r>
                     </a:p>
                   </a:txBody>
                   <a:tcPr marL="100481" marR="100481" marT="50240" marB="50240" anchor="ctr">
@@ -14935,14 +15115,14 @@
           <p:nvPr>
             <p:extLst>
               <p:ext uri="{D42A27DB-BD31-4B8C-83A1-F6EECF244321}">
-                <p14:modId xmlns:p14="http://schemas.microsoft.com/office/powerpoint/2010/main" val="1511723497"/>
+                <p14:modId xmlns:p14="http://schemas.microsoft.com/office/powerpoint/2010/main" val="65508977"/>
               </p:ext>
             </p:extLst>
           </p:nvPr>
         </p:nvGraphicFramePr>
         <p:xfrm>
           <a:off x="1466695" y="1780495"/>
-          <a:ext cx="9258609" cy="4312067"/>
+          <a:ext cx="9324950" cy="4312067"/>
         </p:xfrm>
         <a:graphic>
           <a:graphicData uri="http://schemas.openxmlformats.org/drawingml/2006/table">
@@ -14979,28 +15159,28 @@
                     </a:ext>
                   </a:extLst>
                 </a:gridCol>
-                <a:gridCol w="893163">
+                <a:gridCol w="974669">
                   <a:extLst>
                     <a:ext uri="{9D8B030D-6E8A-4147-A177-3AD203B41FA5}">
                       <a16:colId xmlns:a16="http://schemas.microsoft.com/office/drawing/2014/main" val="1720584379"/>
                     </a:ext>
                   </a:extLst>
                 </a:gridCol>
-                <a:gridCol w="907118">
+                <a:gridCol w="940279">
                   <a:extLst>
                     <a:ext uri="{9D8B030D-6E8A-4147-A177-3AD203B41FA5}">
                       <a16:colId xmlns:a16="http://schemas.microsoft.com/office/drawing/2014/main" val="3278997613"/>
                     </a:ext>
                   </a:extLst>
                 </a:gridCol>
-                <a:gridCol w="990852">
+                <a:gridCol w="983411">
                   <a:extLst>
                     <a:ext uri="{9D8B030D-6E8A-4147-A177-3AD203B41FA5}">
                       <a16:colId xmlns:a16="http://schemas.microsoft.com/office/drawing/2014/main" val="4130188757"/>
                     </a:ext>
                   </a:extLst>
                 </a:gridCol>
-                <a:gridCol w="972538">
+                <a:gridCol w="931653">
                   <a:extLst>
                     <a:ext uri="{9D8B030D-6E8A-4147-A177-3AD203B41FA5}">
                       <a16:colId xmlns:a16="http://schemas.microsoft.com/office/drawing/2014/main" val="1425166065"/>
@@ -15083,8 +15263,17 @@
                         <a:rPr lang="de-DE" sz="1400" dirty="0">
                           <a:latin typeface="DM Sans" pitchFamily="2" charset="77"/>
                         </a:rPr>
-                        <a:t>Laufzeit in ms je nach Tiefe d mit TT und Zugsortierung + PVS</a:t>
-                      </a:r>
+                        <a:t>Laufzeit in ms je nach Tiefe d mit TT und Zugsortierung + PVS in </a:t>
+                      </a:r>
+                      <a:r>
+                        <a:rPr lang="de-DE" sz="1400" dirty="0" err="1">
+                          <a:latin typeface="DM Sans" pitchFamily="2" charset="77"/>
+                        </a:rPr>
+                        <a:t>ms</a:t>
+                      </a:r>
+                      <a:endParaRPr lang="de-DE" sz="1400" dirty="0">
+                        <a:latin typeface="DM Sans" pitchFamily="2" charset="77"/>
+                      </a:endParaRPr>
                     </a:p>
                   </a:txBody>
                   <a:tcPr marL="100481" marR="100481" marT="50240" marB="50240">
@@ -15157,8 +15346,17 @@
                         <a:rPr lang="de-DE" sz="1400" dirty="0">
                           <a:latin typeface="DM Sans" pitchFamily="2" charset="77"/>
                         </a:rPr>
-                        <a:t>. 2 „Basis KI“</a:t>
-                      </a:r>
+                        <a:t>. 2 „Basis KI“ in </a:t>
+                      </a:r>
+                      <a:r>
+                        <a:rPr lang="de-DE" sz="1400" dirty="0" err="1">
+                          <a:latin typeface="DM Sans" pitchFamily="2" charset="77"/>
+                        </a:rPr>
+                        <a:t>ms</a:t>
+                      </a:r>
+                      <a:endParaRPr lang="de-DE" sz="1400" dirty="0">
+                        <a:latin typeface="DM Sans" pitchFamily="2" charset="77"/>
+                      </a:endParaRPr>
                     </a:p>
                   </a:txBody>
                   <a:tcPr marL="100481" marR="100481" marT="50240" marB="50240">
@@ -15625,12 +15823,13 @@
                     <a:lstStyle/>
                     <a:p>
                       <a:pPr algn="ctr"/>
-                      <a:endParaRPr lang="de-DE" sz="1100">
-                        <a:latin typeface="DM Sans" pitchFamily="2" charset="77"/>
-                      </a:endParaRPr>
-                    </a:p>
-                  </a:txBody>
-                  <a:tcPr marL="100481" marR="100481" marT="50240" marB="50240" anchor="ctr">
+                      <a:r>
+                        <a:rPr lang="de-DE" sz="1200" dirty="0"/>
+                        <a:t>11,949</a:t>
+                      </a:r>
+                    </a:p>
+                  </a:txBody>
+                  <a:tcPr>
                     <a:lnR w="12700" cap="flat" cmpd="sng" algn="ctr">
                       <a:solidFill>
                         <a:schemeClr val="tx1"/>
@@ -15657,12 +15856,13 @@
                     <a:lstStyle/>
                     <a:p>
                       <a:pPr algn="ctr"/>
-                      <a:endParaRPr lang="de-DE" sz="1100">
-                        <a:latin typeface="DM Sans" pitchFamily="2" charset="77"/>
-                      </a:endParaRPr>
-                    </a:p>
-                  </a:txBody>
-                  <a:tcPr marL="100481" marR="100481" marT="50240" marB="50240" anchor="ctr">
+                      <a:r>
+                        <a:rPr lang="de-DE" sz="1200" dirty="0"/>
+                        <a:t>98,290</a:t>
+                      </a:r>
+                    </a:p>
+                  </a:txBody>
+                  <a:tcPr>
                     <a:lnL w="12700" cap="flat" cmpd="sng" algn="ctr">
                       <a:solidFill>
                         <a:schemeClr val="tx1"/>
@@ -15698,9 +15898,12 @@
                     <a:lstStyle/>
                     <a:p>
                       <a:pPr algn="ctr"/>
-                      <a:endParaRPr lang="de-DE" sz="1100">
-                        <a:latin typeface="DM Sans" pitchFamily="2" charset="77"/>
-                      </a:endParaRPr>
+                      <a:r>
+                        <a:rPr lang="de-DE" sz="1100" dirty="0">
+                          <a:latin typeface="DM Sans" pitchFamily="2" charset="77"/>
+                        </a:rPr>
+                        <a:t>-</a:t>
+                      </a:r>
                     </a:p>
                   </a:txBody>
                   <a:tcPr marL="100481" marR="100481" marT="50240" marB="50240" anchor="ctr">
@@ -15914,12 +16117,13 @@
                     <a:lstStyle/>
                     <a:p>
                       <a:pPr algn="ctr"/>
-                      <a:endParaRPr lang="de-DE" sz="1100">
-                        <a:latin typeface="DM Sans" pitchFamily="2" charset="77"/>
-                      </a:endParaRPr>
-                    </a:p>
-                  </a:txBody>
-                  <a:tcPr marL="100481" marR="100481" marT="50240" marB="50240" anchor="ctr">
+                      <a:r>
+                        <a:rPr lang="de-DE" sz="1200" dirty="0"/>
+                        <a:t>242,703</a:t>
+                      </a:r>
+                    </a:p>
+                  </a:txBody>
+                  <a:tcPr>
                     <a:lnR w="12700" cap="flat" cmpd="sng" algn="ctr">
                       <a:solidFill>
                         <a:schemeClr val="tx1"/>
@@ -15955,12 +16159,13 @@
                     <a:lstStyle/>
                     <a:p>
                       <a:pPr algn="ctr"/>
-                      <a:endParaRPr lang="de-DE" sz="1100">
-                        <a:latin typeface="DM Sans" pitchFamily="2" charset="77"/>
-                      </a:endParaRPr>
-                    </a:p>
-                  </a:txBody>
-                  <a:tcPr marL="100481" marR="100481" marT="50240" marB="50240" anchor="ctr">
+                      <a:r>
+                        <a:rPr lang="de-DE" sz="1200" dirty="0"/>
+                        <a:t>4114,663</a:t>
+                      </a:r>
+                    </a:p>
+                  </a:txBody>
+                  <a:tcPr>
                     <a:lnL w="12700" cap="flat" cmpd="sng" algn="ctr">
                       <a:solidFill>
                         <a:schemeClr val="tx1"/>
@@ -16005,9 +16210,12 @@
                     <a:lstStyle/>
                     <a:p>
                       <a:pPr algn="ctr"/>
-                      <a:endParaRPr lang="de-DE" sz="1100">
-                        <a:latin typeface="DM Sans" pitchFamily="2" charset="77"/>
-                      </a:endParaRPr>
+                      <a:r>
+                        <a:rPr lang="de-DE" sz="1100" dirty="0">
+                          <a:latin typeface="DM Sans" pitchFamily="2" charset="77"/>
+                        </a:rPr>
+                        <a:t>-</a:t>
+                      </a:r>
                     </a:p>
                   </a:txBody>
                   <a:tcPr marL="100481" marR="100481" marT="50240" marB="50240" anchor="ctr">
@@ -16194,12 +16402,13 @@
                     <a:lstStyle/>
                     <a:p>
                       <a:pPr algn="ctr"/>
-                      <a:endParaRPr lang="de-DE" sz="1100">
-                        <a:latin typeface="DM Sans" pitchFamily="2" charset="77"/>
-                      </a:endParaRPr>
-                    </a:p>
-                  </a:txBody>
-                  <a:tcPr marL="100481" marR="100481" marT="50240" marB="50240" anchor="ctr">
+                      <a:r>
+                        <a:rPr lang="de-DE" sz="1200" dirty="0"/>
+                        <a:t>37,182</a:t>
+                      </a:r>
+                    </a:p>
+                  </a:txBody>
+                  <a:tcPr>
                     <a:lnR w="12700" cap="flat" cmpd="sng" algn="ctr">
                       <a:solidFill>
                         <a:schemeClr val="tx1"/>
@@ -16226,12 +16435,13 @@
                     <a:lstStyle/>
                     <a:p>
                       <a:pPr algn="ctr"/>
-                      <a:endParaRPr lang="de-DE" sz="1100">
-                        <a:latin typeface="DM Sans" pitchFamily="2" charset="77"/>
-                      </a:endParaRPr>
-                    </a:p>
-                  </a:txBody>
-                  <a:tcPr marL="100481" marR="100481" marT="50240" marB="50240" anchor="ctr">
+                      <a:r>
+                        <a:rPr lang="de-DE" sz="1200" dirty="0"/>
+                        <a:t>380,406</a:t>
+                      </a:r>
+                    </a:p>
+                  </a:txBody>
+                  <a:tcPr>
                     <a:lnL w="12700" cap="flat" cmpd="sng" algn="ctr">
                       <a:solidFill>
                         <a:schemeClr val="tx1"/>
@@ -16267,9 +16477,12 @@
                     <a:lstStyle/>
                     <a:p>
                       <a:pPr algn="ctr"/>
-                      <a:endParaRPr lang="de-DE" sz="1100">
-                        <a:latin typeface="DM Sans" pitchFamily="2" charset="77"/>
-                      </a:endParaRPr>
+                      <a:r>
+                        <a:rPr lang="de-DE" sz="1100" dirty="0">
+                          <a:latin typeface="DM Sans" pitchFamily="2" charset="77"/>
+                        </a:rPr>
+                        <a:t>-</a:t>
+                      </a:r>
                     </a:p>
                   </a:txBody>
                   <a:tcPr marL="100481" marR="100481" marT="50240" marB="50240" anchor="ctr">
@@ -16470,12 +16683,13 @@
                     <a:lstStyle/>
                     <a:p>
                       <a:pPr algn="ctr"/>
-                      <a:endParaRPr lang="de-DE" sz="1100" dirty="0">
-                        <a:latin typeface="DM Sans" pitchFamily="2" charset="77"/>
-                      </a:endParaRPr>
-                    </a:p>
-                  </a:txBody>
-                  <a:tcPr marL="100481" marR="100481" marT="50240" marB="50240" anchor="ctr">
+                      <a:r>
+                        <a:rPr lang="de-DE" sz="1200" dirty="0"/>
+                        <a:t>14,545</a:t>
+                      </a:r>
+                    </a:p>
+                  </a:txBody>
+                  <a:tcPr>
                     <a:lnR w="12700" cap="flat" cmpd="sng" algn="ctr">
                       <a:solidFill>
                         <a:schemeClr val="tx1"/>
@@ -16502,12 +16716,13 @@
                     <a:lstStyle/>
                     <a:p>
                       <a:pPr algn="ctr"/>
-                      <a:endParaRPr lang="de-DE" sz="1100" dirty="0">
-                        <a:latin typeface="DM Sans" pitchFamily="2" charset="77"/>
-                      </a:endParaRPr>
-                    </a:p>
-                  </a:txBody>
-                  <a:tcPr marL="100481" marR="100481" marT="50240" marB="50240" anchor="ctr">
+                      <a:r>
+                        <a:rPr lang="de-DE" sz="1200" dirty="0"/>
+                        <a:t>100,660</a:t>
+                      </a:r>
+                    </a:p>
+                  </a:txBody>
+                  <a:tcPr>
                     <a:lnL w="12700" cap="flat" cmpd="sng" algn="ctr">
                       <a:solidFill>
                         <a:schemeClr val="tx1"/>
@@ -16543,9 +16758,12 @@
                     <a:lstStyle/>
                     <a:p>
                       <a:pPr algn="ctr"/>
-                      <a:endParaRPr lang="de-DE" sz="1100">
-                        <a:latin typeface="DM Sans" pitchFamily="2" charset="77"/>
-                      </a:endParaRPr>
+                      <a:r>
+                        <a:rPr lang="de-DE" sz="1100" dirty="0">
+                          <a:latin typeface="DM Sans" pitchFamily="2" charset="77"/>
+                        </a:rPr>
+                        <a:t>-</a:t>
+                      </a:r>
                     </a:p>
                   </a:txBody>
                   <a:tcPr marL="100481" marR="100481" marT="50240" marB="50240" anchor="ctr">
@@ -16759,12 +16977,13 @@
                     <a:lstStyle/>
                     <a:p>
                       <a:pPr algn="ctr"/>
-                      <a:endParaRPr lang="de-DE" sz="1100" dirty="0">
-                        <a:latin typeface="DM Sans" pitchFamily="2" charset="77"/>
-                      </a:endParaRPr>
-                    </a:p>
-                  </a:txBody>
-                  <a:tcPr marL="100481" marR="100481" marT="50240" marB="50240" anchor="ctr">
+                      <a:r>
+                        <a:rPr lang="de-DE" sz="1200" dirty="0"/>
+                        <a:t>239,449</a:t>
+                      </a:r>
+                    </a:p>
+                  </a:txBody>
+                  <a:tcPr>
                     <a:lnR w="12700" cap="flat" cmpd="sng" algn="ctr">
                       <a:solidFill>
                         <a:schemeClr val="tx1"/>
@@ -16800,12 +17019,13 @@
                     <a:lstStyle/>
                     <a:p>
                       <a:pPr algn="ctr"/>
-                      <a:endParaRPr lang="de-DE" sz="1100" dirty="0">
-                        <a:latin typeface="DM Sans" pitchFamily="2" charset="77"/>
-                      </a:endParaRPr>
-                    </a:p>
-                  </a:txBody>
-                  <a:tcPr marL="100481" marR="100481" marT="50240" marB="50240" anchor="ctr">
+                      <a:r>
+                        <a:rPr lang="de-DE" sz="1200" dirty="0"/>
+                        <a:t>4300,536</a:t>
+                      </a:r>
+                    </a:p>
+                  </a:txBody>
+                  <a:tcPr>
                     <a:lnL w="12700" cap="flat" cmpd="sng" algn="ctr">
                       <a:solidFill>
                         <a:schemeClr val="tx1"/>
@@ -16850,9 +17070,12 @@
                     <a:lstStyle/>
                     <a:p>
                       <a:pPr algn="ctr"/>
-                      <a:endParaRPr lang="de-DE" sz="1100" dirty="0">
-                        <a:latin typeface="DM Sans" pitchFamily="2" charset="77"/>
-                      </a:endParaRPr>
+                      <a:r>
+                        <a:rPr lang="de-DE" sz="1100" dirty="0">
+                          <a:latin typeface="DM Sans" pitchFamily="2" charset="77"/>
+                        </a:rPr>
+                        <a:t>-</a:t>
+                      </a:r>
                     </a:p>
                   </a:txBody>
                   <a:tcPr marL="100481" marR="100481" marT="50240" marB="50240" anchor="ctr">
@@ -17039,12 +17262,13 @@
                     <a:lstStyle/>
                     <a:p>
                       <a:pPr algn="ctr"/>
-                      <a:endParaRPr lang="de-DE" sz="1100" dirty="0">
-                        <a:latin typeface="DM Sans" pitchFamily="2" charset="77"/>
-                      </a:endParaRPr>
-                    </a:p>
-                  </a:txBody>
-                  <a:tcPr marL="100481" marR="100481" marT="50240" marB="50240" anchor="ctr">
+                      <a:r>
+                        <a:rPr lang="de-DE" sz="1200" dirty="0"/>
+                        <a:t>39,678</a:t>
+                      </a:r>
+                    </a:p>
+                  </a:txBody>
+                  <a:tcPr>
                     <a:lnR w="12700" cap="flat" cmpd="sng" algn="ctr">
                       <a:solidFill>
                         <a:schemeClr val="tx1"/>
@@ -17071,12 +17295,13 @@
                     <a:lstStyle/>
                     <a:p>
                       <a:pPr algn="ctr"/>
-                      <a:endParaRPr lang="de-DE" sz="1100" dirty="0">
-                        <a:latin typeface="DM Sans" pitchFamily="2" charset="77"/>
-                      </a:endParaRPr>
-                    </a:p>
-                  </a:txBody>
-                  <a:tcPr marL="100481" marR="100481" marT="50240" marB="50240" anchor="ctr">
+                      <a:r>
+                        <a:rPr lang="de-DE" sz="1200" dirty="0"/>
+                        <a:t>408,472</a:t>
+                      </a:r>
+                    </a:p>
+                  </a:txBody>
+                  <a:tcPr>
                     <a:lnL w="12700" cap="flat" cmpd="sng" algn="ctr">
                       <a:solidFill>
                         <a:schemeClr val="tx1"/>
@@ -17112,9 +17337,12 @@
                     <a:lstStyle/>
                     <a:p>
                       <a:pPr algn="ctr"/>
-                      <a:endParaRPr lang="de-DE" sz="1100" dirty="0">
-                        <a:latin typeface="DM Sans" pitchFamily="2" charset="77"/>
-                      </a:endParaRPr>
+                      <a:r>
+                        <a:rPr lang="de-DE" sz="1100" dirty="0">
+                          <a:latin typeface="DM Sans" pitchFamily="2" charset="77"/>
+                        </a:rPr>
+                        <a:t>-</a:t>
+                      </a:r>
                     </a:p>
                   </a:txBody>
                   <a:tcPr marL="100481" marR="100481" marT="50240" marB="50240" anchor="ctr">
@@ -17210,9 +17438,12 @@
                     <a:lstStyle/>
                     <a:p>
                       <a:pPr algn="ctr"/>
-                      <a:endParaRPr lang="de-DE" sz="1100" dirty="0">
-                        <a:latin typeface="DM Sans" pitchFamily="2" charset="77"/>
-                      </a:endParaRPr>
+                      <a:r>
+                        <a:rPr lang="de-DE" sz="1100" dirty="0">
+                          <a:latin typeface="DM Sans" pitchFamily="2" charset="77"/>
+                        </a:rPr>
+                        <a:t>908,159</a:t>
+                      </a:r>
                     </a:p>
                   </a:txBody>
                   <a:tcPr marL="100481" marR="100481" marT="50240" marB="50240" anchor="ctr">
@@ -17242,9 +17473,12 @@
                     <a:lstStyle/>
                     <a:p>
                       <a:pPr algn="ctr"/>
-                      <a:endParaRPr lang="de-DE" sz="1100" dirty="0">
-                        <a:latin typeface="DM Sans" pitchFamily="2" charset="77"/>
-                      </a:endParaRPr>
+                      <a:r>
+                        <a:rPr lang="de-DE" sz="1100" dirty="0">
+                          <a:latin typeface="DM Sans" pitchFamily="2" charset="77"/>
+                        </a:rPr>
+                        <a:t>1451,361</a:t>
+                      </a:r>
                     </a:p>
                   </a:txBody>
                   <a:tcPr marL="100481" marR="100481" marT="50240" marB="50240" anchor="ctr">
@@ -17283,9 +17517,12 @@
                     <a:lstStyle/>
                     <a:p>
                       <a:pPr algn="ctr"/>
-                      <a:endParaRPr lang="de-DE" sz="1100" dirty="0">
-                        <a:latin typeface="DM Sans" pitchFamily="2" charset="77"/>
-                      </a:endParaRPr>
+                      <a:r>
+                        <a:rPr lang="de-DE" sz="1100" dirty="0">
+                          <a:latin typeface="DM Sans" pitchFamily="2" charset="77"/>
+                        </a:rPr>
+                        <a:t>1358,203</a:t>
+                      </a:r>
                     </a:p>
                   </a:txBody>
                   <a:tcPr marL="100481" marR="100481" marT="50240" marB="50240" anchor="ctr">
@@ -17315,12 +17552,13 @@
                     <a:lstStyle/>
                     <a:p>
                       <a:pPr algn="ctr"/>
-                      <a:endParaRPr lang="de-DE" sz="1100" dirty="0">
-                        <a:latin typeface="DM Sans" pitchFamily="2" charset="77"/>
-                      </a:endParaRPr>
-                    </a:p>
-                  </a:txBody>
-                  <a:tcPr marL="100481" marR="100481" marT="50240" marB="50240" anchor="ctr">
+                      <a:r>
+                        <a:rPr lang="de-DE" sz="1200" dirty="0"/>
+                        <a:t>19,373</a:t>
+                      </a:r>
+                    </a:p>
+                  </a:txBody>
+                  <a:tcPr>
                     <a:lnR w="12700" cap="flat" cmpd="sng" algn="ctr">
                       <a:solidFill>
                         <a:schemeClr val="tx1"/>
@@ -17347,12 +17585,13 @@
                     <a:lstStyle/>
                     <a:p>
                       <a:pPr algn="ctr"/>
-                      <a:endParaRPr lang="de-DE" sz="1100" dirty="0">
-                        <a:latin typeface="DM Sans" pitchFamily="2" charset="77"/>
-                      </a:endParaRPr>
-                    </a:p>
-                  </a:txBody>
-                  <a:tcPr marL="100481" marR="100481" marT="50240" marB="50240" anchor="ctr">
+                      <a:r>
+                        <a:rPr lang="de-DE" sz="1200" dirty="0"/>
+                        <a:t>157,096</a:t>
+                      </a:r>
+                    </a:p>
+                  </a:txBody>
+                  <a:tcPr>
                     <a:lnL w="12700" cap="flat" cmpd="sng" algn="ctr">
                       <a:solidFill>
                         <a:schemeClr val="tx1"/>
@@ -17388,9 +17627,12 @@
                     <a:lstStyle/>
                     <a:p>
                       <a:pPr algn="ctr"/>
-                      <a:endParaRPr lang="de-DE" sz="1100" dirty="0">
-                        <a:latin typeface="DM Sans" pitchFamily="2" charset="77"/>
-                      </a:endParaRPr>
+                      <a:r>
+                        <a:rPr lang="de-DE" sz="1100" dirty="0">
+                          <a:latin typeface="DM Sans" pitchFamily="2" charset="77"/>
+                        </a:rPr>
+                        <a:t>-</a:t>
+                      </a:r>
                     </a:p>
                   </a:txBody>
                   <a:tcPr marL="100481" marR="100481" marT="50240" marB="50240" anchor="ctr">
@@ -17472,9 +17714,12 @@
                     <a:lstStyle/>
                     <a:p>
                       <a:pPr algn="ctr"/>
-                      <a:endParaRPr lang="de-DE" sz="1100" dirty="0">
-                        <a:latin typeface="DM Sans" pitchFamily="2" charset="77"/>
-                      </a:endParaRPr>
+                      <a:r>
+                        <a:rPr lang="de-DE" sz="1100" dirty="0">
+                          <a:latin typeface="DM Sans" pitchFamily="2" charset="77"/>
+                        </a:rPr>
+                        <a:t>529,691</a:t>
+                      </a:r>
                     </a:p>
                   </a:txBody>
                   <a:tcPr marL="100481" marR="100481" marT="50240" marB="50240" anchor="ctr">
@@ -17513,9 +17758,12 @@
                     <a:lstStyle/>
                     <a:p>
                       <a:pPr algn="ctr"/>
-                      <a:endParaRPr lang="de-DE" sz="1100" dirty="0">
-                        <a:latin typeface="DM Sans" pitchFamily="2" charset="77"/>
-                      </a:endParaRPr>
+                      <a:r>
+                        <a:rPr lang="de-DE" sz="1100" dirty="0">
+                          <a:latin typeface="DM Sans" pitchFamily="2" charset="77"/>
+                        </a:rPr>
+                        <a:t>3827,836</a:t>
+                      </a:r>
                     </a:p>
                   </a:txBody>
                   <a:tcPr marL="100481" marR="100481" marT="50240" marB="50240" anchor="ctr">
@@ -17563,9 +17811,12 @@
                     <a:lstStyle/>
                     <a:p>
                       <a:pPr algn="ctr"/>
-                      <a:endParaRPr lang="de-DE" sz="1100" dirty="0">
-                        <a:latin typeface="DM Sans" pitchFamily="2" charset="77"/>
-                      </a:endParaRPr>
+                      <a:r>
+                        <a:rPr lang="de-DE" sz="1100" dirty="0">
+                          <a:latin typeface="DM Sans" pitchFamily="2" charset="77"/>
+                        </a:rPr>
+                        <a:t>64457,805</a:t>
+                      </a:r>
                     </a:p>
                   </a:txBody>
                   <a:tcPr marL="100481" marR="100481" marT="50240" marB="50240" anchor="ctr">
@@ -17604,12 +17855,13 @@
                     <a:lstStyle/>
                     <a:p>
                       <a:pPr algn="ctr"/>
-                      <a:endParaRPr lang="de-DE" sz="1100">
-                        <a:latin typeface="DM Sans" pitchFamily="2" charset="77"/>
-                      </a:endParaRPr>
-                    </a:p>
-                  </a:txBody>
-                  <a:tcPr marL="100481" marR="100481" marT="50240" marB="50240" anchor="ctr">
+                      <a:r>
+                        <a:rPr lang="de-DE" sz="1200" dirty="0"/>
+                        <a:t>381,390</a:t>
+                      </a:r>
+                    </a:p>
+                  </a:txBody>
+                  <a:tcPr>
                     <a:lnR w="12700" cap="flat" cmpd="sng" algn="ctr">
                       <a:solidFill>
                         <a:schemeClr val="tx1"/>
@@ -17645,12 +17897,13 @@
                     <a:lstStyle/>
                     <a:p>
                       <a:pPr algn="ctr"/>
-                      <a:endParaRPr lang="de-DE" sz="1100" dirty="0">
-                        <a:latin typeface="DM Sans" pitchFamily="2" charset="77"/>
-                      </a:endParaRPr>
-                    </a:p>
-                  </a:txBody>
-                  <a:tcPr marL="100481" marR="100481" marT="50240" marB="50240" anchor="ctr">
+                      <a:r>
+                        <a:rPr lang="de-DE" sz="1200" dirty="0"/>
+                        <a:t>7510,293</a:t>
+                      </a:r>
+                    </a:p>
+                  </a:txBody>
+                  <a:tcPr>
                     <a:lnL w="12700" cap="flat" cmpd="sng" algn="ctr">
                       <a:solidFill>
                         <a:schemeClr val="tx1"/>
@@ -17695,9 +17948,12 @@
                     <a:lstStyle/>
                     <a:p>
                       <a:pPr algn="ctr"/>
-                      <a:endParaRPr lang="de-DE" sz="1100" dirty="0">
-                        <a:latin typeface="DM Sans" pitchFamily="2" charset="77"/>
-                      </a:endParaRPr>
+                      <a:r>
+                        <a:rPr lang="de-DE" sz="1100" dirty="0">
+                          <a:latin typeface="DM Sans" pitchFamily="2" charset="77"/>
+                        </a:rPr>
+                        <a:t>-</a:t>
+                      </a:r>
                     </a:p>
                   </a:txBody>
                   <a:tcPr marL="100481" marR="100481" marT="50240" marB="50240" anchor="ctr">
@@ -17779,9 +18035,12 @@
                     <a:lstStyle/>
                     <a:p>
                       <a:pPr algn="ctr"/>
-                      <a:endParaRPr lang="de-DE" sz="1100" dirty="0">
-                        <a:latin typeface="DM Sans" pitchFamily="2" charset="77"/>
-                      </a:endParaRPr>
+                      <a:r>
+                        <a:rPr lang="de-DE" sz="1100" dirty="0">
+                          <a:latin typeface="DM Sans" pitchFamily="2" charset="77"/>
+                        </a:rPr>
+                        <a:t>180,526</a:t>
+                      </a:r>
                     </a:p>
                   </a:txBody>
                   <a:tcPr marL="100481" marR="100481" marT="50240" marB="50240" anchor="ctr">
@@ -17811,9 +18070,12 @@
                     <a:lstStyle/>
                     <a:p>
                       <a:pPr algn="ctr"/>
-                      <a:endParaRPr lang="de-DE" sz="1100" dirty="0">
-                        <a:latin typeface="DM Sans" pitchFamily="2" charset="77"/>
-                      </a:endParaRPr>
+                      <a:r>
+                        <a:rPr lang="de-DE" sz="1100" dirty="0">
+                          <a:latin typeface="DM Sans" pitchFamily="2" charset="77"/>
+                        </a:rPr>
+                        <a:t>795,511</a:t>
+                      </a:r>
                     </a:p>
                   </a:txBody>
                   <a:tcPr marL="100481" marR="100481" marT="50240" marB="50240" anchor="ctr">
@@ -17852,9 +18114,12 @@
                     <a:lstStyle/>
                     <a:p>
                       <a:pPr algn="ctr"/>
-                      <a:endParaRPr lang="de-DE" sz="1100" dirty="0">
-                        <a:latin typeface="DM Sans" pitchFamily="2" charset="77"/>
-                      </a:endParaRPr>
+                      <a:r>
+                        <a:rPr lang="de-DE" sz="1100" dirty="0">
+                          <a:latin typeface="DM Sans" pitchFamily="2" charset="77"/>
+                        </a:rPr>
+                        <a:t>8724,172</a:t>
+                      </a:r>
                     </a:p>
                   </a:txBody>
                   <a:tcPr marL="100481" marR="100481" marT="50240" marB="50240" anchor="ctr">
@@ -17884,12 +18149,13 @@
                     <a:lstStyle/>
                     <a:p>
                       <a:pPr algn="ctr"/>
-                      <a:endParaRPr lang="de-DE" sz="1100">
-                        <a:latin typeface="DM Sans" pitchFamily="2" charset="77"/>
-                      </a:endParaRPr>
-                    </a:p>
-                  </a:txBody>
-                  <a:tcPr marL="100481" marR="100481" marT="50240" marB="50240" anchor="ctr">
+                      <a:r>
+                        <a:rPr lang="de-DE" sz="1200" dirty="0"/>
+                        <a:t>60,939</a:t>
+                      </a:r>
+                    </a:p>
+                  </a:txBody>
+                  <a:tcPr>
                     <a:lnR w="12700" cap="flat" cmpd="sng" algn="ctr">
                       <a:solidFill>
                         <a:schemeClr val="tx1"/>
@@ -17916,12 +18182,13 @@
                     <a:lstStyle/>
                     <a:p>
                       <a:pPr algn="ctr"/>
-                      <a:endParaRPr lang="de-DE" sz="1100">
-                        <a:latin typeface="DM Sans" pitchFamily="2" charset="77"/>
-                      </a:endParaRPr>
-                    </a:p>
-                  </a:txBody>
-                  <a:tcPr marL="100481" marR="100481" marT="50240" marB="50240" anchor="ctr">
+                      <a:r>
+                        <a:rPr lang="de-DE" sz="1200" dirty="0"/>
+                        <a:t>643,172</a:t>
+                      </a:r>
+                    </a:p>
+                  </a:txBody>
+                  <a:tcPr>
                     <a:lnL w="12700" cap="flat" cmpd="sng" algn="ctr">
                       <a:solidFill>
                         <a:schemeClr val="tx1"/>
@@ -17957,9 +18224,12 @@
                     <a:lstStyle/>
                     <a:p>
                       <a:pPr algn="ctr"/>
-                      <a:endParaRPr lang="de-DE" sz="1100" dirty="0">
-                        <a:latin typeface="DM Sans" pitchFamily="2" charset="77"/>
-                      </a:endParaRPr>
+                      <a:r>
+                        <a:rPr lang="de-DE" sz="1100" dirty="0">
+                          <a:latin typeface="DM Sans" pitchFamily="2" charset="77"/>
+                        </a:rPr>
+                        <a:t>-</a:t>
+                      </a:r>
                     </a:p>
                   </a:txBody>
                   <a:tcPr marL="100481" marR="100481" marT="50240" marB="50240" anchor="ctr">
@@ -21201,12 +21471,145 @@
           </a:bodyPr>
           <a:lstStyle/>
           <a:p>
-            <a:pPr marL="0" indent="0">
+            <a:pPr>
               <a:lnSpc>
                 <a:spcPct val="150000"/>
               </a:lnSpc>
-              <a:buNone/>
+              <a:buFontTx/>
+              <a:buChar char="-"/>
             </a:pPr>
+            <a:r>
+              <a:rPr lang="de-DE" sz="2000" dirty="0">
+                <a:latin typeface="DM Sans" pitchFamily="2" charset="77"/>
+              </a:rPr>
+              <a:t>Neuerungen</a:t>
+            </a:r>
+            <a:r>
+              <a:rPr lang="de-DE" sz="1600" dirty="0">
+                <a:latin typeface="DM Sans" pitchFamily="2" charset="77"/>
+              </a:rPr>
+              <a:t>:</a:t>
+            </a:r>
+          </a:p>
+          <a:p>
+            <a:pPr lvl="1">
+              <a:lnSpc>
+                <a:spcPct val="150000"/>
+              </a:lnSpc>
+              <a:buFontTx/>
+              <a:buChar char="-"/>
+            </a:pPr>
+            <a:r>
+              <a:rPr lang="de-DE" sz="1600" dirty="0">
+                <a:latin typeface="DM Sans" pitchFamily="2" charset="77"/>
+              </a:rPr>
+              <a:t>Monte-Carlo-</a:t>
+            </a:r>
+            <a:r>
+              <a:rPr lang="de-DE" sz="1600" dirty="0" err="1">
+                <a:latin typeface="DM Sans" pitchFamily="2" charset="77"/>
+              </a:rPr>
+              <a:t>Tree</a:t>
+            </a:r>
+            <a:r>
+              <a:rPr lang="de-DE" sz="1600" dirty="0">
+                <a:latin typeface="DM Sans" pitchFamily="2" charset="77"/>
+              </a:rPr>
+              <a:t>-Search als Eröffnungsbibliothek</a:t>
+            </a:r>
+          </a:p>
+          <a:p>
+            <a:pPr lvl="1">
+              <a:lnSpc>
+                <a:spcPct val="150000"/>
+              </a:lnSpc>
+              <a:buFontTx/>
+              <a:buChar char="-"/>
+            </a:pPr>
+            <a:r>
+              <a:rPr lang="de-DE" sz="1600" dirty="0">
+                <a:latin typeface="DM Sans" pitchFamily="2" charset="77"/>
+              </a:rPr>
+              <a:t>Minimal </a:t>
+            </a:r>
+            <a:r>
+              <a:rPr lang="de-DE" sz="1600" dirty="0" err="1">
+                <a:latin typeface="DM Sans" pitchFamily="2" charset="77"/>
+              </a:rPr>
+              <a:t>Window</a:t>
+            </a:r>
+            <a:r>
+              <a:rPr lang="de-DE" sz="1600" dirty="0">
+                <a:latin typeface="DM Sans" pitchFamily="2" charset="77"/>
+              </a:rPr>
+              <a:t> Search</a:t>
+            </a:r>
+          </a:p>
+          <a:p>
+            <a:pPr>
+              <a:lnSpc>
+                <a:spcPct val="150000"/>
+              </a:lnSpc>
+              <a:buFontTx/>
+              <a:buChar char="-"/>
+            </a:pPr>
+            <a:r>
+              <a:rPr lang="de-DE" sz="2000" dirty="0">
+                <a:latin typeface="DM Sans" pitchFamily="2" charset="77"/>
+              </a:rPr>
+              <a:t>Verbesserungen:</a:t>
+            </a:r>
+          </a:p>
+          <a:p>
+            <a:pPr lvl="1">
+              <a:lnSpc>
+                <a:spcPct val="150000"/>
+              </a:lnSpc>
+              <a:buFontTx/>
+              <a:buChar char="-"/>
+            </a:pPr>
+            <a:r>
+              <a:rPr lang="de-DE" sz="1600" dirty="0">
+                <a:latin typeface="DM Sans" pitchFamily="2" charset="77"/>
+              </a:rPr>
+              <a:t>Alpha-Beta Suche verbessern mit Null-Move-</a:t>
+            </a:r>
+            <a:r>
+              <a:rPr lang="de-DE" sz="1600" dirty="0" err="1">
+                <a:latin typeface="DM Sans" pitchFamily="2" charset="77"/>
+              </a:rPr>
+              <a:t>Pruning</a:t>
+            </a:r>
+            <a:endParaRPr lang="de-DE" sz="1600" dirty="0">
+              <a:latin typeface="DM Sans" pitchFamily="2" charset="77"/>
+            </a:endParaRPr>
+          </a:p>
+          <a:p>
+            <a:pPr lvl="1">
+              <a:lnSpc>
+                <a:spcPct val="150000"/>
+              </a:lnSpc>
+              <a:buFontTx/>
+              <a:buChar char="-"/>
+            </a:pPr>
+            <a:r>
+              <a:rPr lang="de-DE" sz="1600" dirty="0">
+                <a:latin typeface="DM Sans" pitchFamily="2" charset="77"/>
+              </a:rPr>
+              <a:t>Evolutionäre Bestimmung der </a:t>
+            </a:r>
+            <a:r>
+              <a:rPr lang="de-DE" sz="1600" dirty="0" err="1">
+                <a:latin typeface="DM Sans" pitchFamily="2" charset="77"/>
+              </a:rPr>
+              <a:t>Bewertungfunktions</a:t>
+            </a:r>
+            <a:r>
+              <a:rPr lang="de-DE" sz="1600">
+                <a:latin typeface="DM Sans" pitchFamily="2" charset="77"/>
+              </a:rPr>
+              <a:t>-Parametern</a:t>
+            </a:r>
             <a:endParaRPr lang="de-DE" sz="1600" dirty="0">
               <a:latin typeface="DM Sans" pitchFamily="2" charset="77"/>
             </a:endParaRPr>

--- a/presentations/PJ_KI_MST3.pptx
+++ b/presentations/PJ_KI_MST3.pptx
@@ -3825,7 +3825,7 @@
           <p:nvPr>
             <p:extLst>
               <p:ext uri="{D42A27DB-BD31-4B8C-83A1-F6EECF244321}">
-                <p14:modId xmlns:p14="http://schemas.microsoft.com/office/powerpoint/2010/main" val="1604557533"/>
+                <p14:modId xmlns:p14="http://schemas.microsoft.com/office/powerpoint/2010/main" val="2988541204"/>
               </p:ext>
             </p:extLst>
           </p:nvPr>
@@ -3973,17 +3973,8 @@
                         <a:rPr lang="de-DE" sz="1400" dirty="0">
                           <a:latin typeface="DM Sans" pitchFamily="2" charset="77"/>
                         </a:rPr>
-                        <a:t>Laufzeit in ms je nach Tiefe d mit TT in </a:t>
-                      </a:r>
-                      <a:r>
-                        <a:rPr lang="de-DE" sz="1400" dirty="0" err="1">
-                          <a:latin typeface="DM Sans" pitchFamily="2" charset="77"/>
-                        </a:rPr>
-                        <a:t>ms</a:t>
-                      </a:r>
-                      <a:endParaRPr lang="de-DE" sz="1400" dirty="0">
-                        <a:latin typeface="DM Sans" pitchFamily="2" charset="77"/>
-                      </a:endParaRPr>
+                        <a:t>Laufzeit in ms je nach Tiefe d mit TT</a:t>
+                      </a:r>
                     </a:p>
                   </a:txBody>
                   <a:tcPr marL="100481" marR="100481" marT="50240" marB="50240">
@@ -4056,17 +4047,8 @@
                         <a:rPr lang="de-DE" sz="1400" dirty="0">
                           <a:latin typeface="DM Sans" pitchFamily="2" charset="77"/>
                         </a:rPr>
-                        <a:t>. 2 „Basis KI“ in </a:t>
-                      </a:r>
-                      <a:r>
-                        <a:rPr lang="de-DE" sz="1400" dirty="0" err="1">
-                          <a:latin typeface="DM Sans" pitchFamily="2" charset="77"/>
-                        </a:rPr>
-                        <a:t>ms</a:t>
-                      </a:r>
-                      <a:endParaRPr lang="de-DE" sz="1400" dirty="0">
-                        <a:latin typeface="DM Sans" pitchFamily="2" charset="77"/>
-                      </a:endParaRPr>
+                        <a:t>. 2 „Basis KI“</a:t>
+                      </a:r>
                     </a:p>
                   </a:txBody>
                   <a:tcPr marL="100481" marR="100481" marT="50240" marB="50240">
@@ -10596,14 +10578,14 @@
           <p:nvPr>
             <p:extLst>
               <p:ext uri="{D42A27DB-BD31-4B8C-83A1-F6EECF244321}">
-                <p14:modId xmlns:p14="http://schemas.microsoft.com/office/powerpoint/2010/main" val="4076604144"/>
+                <p14:modId xmlns:p14="http://schemas.microsoft.com/office/powerpoint/2010/main" val="303310212"/>
               </p:ext>
             </p:extLst>
           </p:nvPr>
         </p:nvGraphicFramePr>
         <p:xfrm>
           <a:off x="1466695" y="1821316"/>
-          <a:ext cx="9350830" cy="4312067"/>
+          <a:ext cx="9350830" cy="4140898"/>
         </p:xfrm>
         <a:graphic>
           <a:graphicData uri="http://schemas.openxmlformats.org/drawingml/2006/table">
@@ -10744,17 +10726,8 @@
                         <a:rPr lang="de-DE" sz="1400" dirty="0">
                           <a:latin typeface="DM Sans" pitchFamily="2" charset="77"/>
                         </a:rPr>
-                        <a:t>Laufzeit in ms je nach Tiefe d mit TT und Zugsortierung in </a:t>
-                      </a:r>
-                      <a:r>
-                        <a:rPr lang="de-DE" sz="1400" dirty="0" err="1">
-                          <a:latin typeface="DM Sans" pitchFamily="2" charset="77"/>
-                        </a:rPr>
-                        <a:t>ms</a:t>
-                      </a:r>
-                      <a:endParaRPr lang="de-DE" sz="1400" dirty="0">
-                        <a:latin typeface="DM Sans" pitchFamily="2" charset="77"/>
-                      </a:endParaRPr>
+                        <a:t>Laufzeit in ms je nach Tiefe d mit TT und Zugsortierung</a:t>
+                      </a:r>
                     </a:p>
                   </a:txBody>
                   <a:tcPr marL="100481" marR="100481" marT="50240" marB="50240">
@@ -10827,17 +10800,8 @@
                         <a:rPr lang="de-DE" sz="1400" dirty="0">
                           <a:latin typeface="DM Sans" pitchFamily="2" charset="77"/>
                         </a:rPr>
-                        <a:t>. 2 „Basis KI“ in </a:t>
-                      </a:r>
-                      <a:r>
-                        <a:rPr lang="de-DE" sz="1400" dirty="0" err="1">
-                          <a:latin typeface="DM Sans" pitchFamily="2" charset="77"/>
-                        </a:rPr>
-                        <a:t>ms</a:t>
-                      </a:r>
-                      <a:endParaRPr lang="de-DE" sz="1400" dirty="0">
-                        <a:latin typeface="DM Sans" pitchFamily="2" charset="77"/>
-                      </a:endParaRPr>
+                        <a:t>. 2 „Basis KI“</a:t>
+                      </a:r>
                     </a:p>
                   </a:txBody>
                   <a:tcPr marL="100481" marR="100481" marT="50240" marB="50240">
@@ -15115,7 +15079,7 @@
           <p:nvPr>
             <p:extLst>
               <p:ext uri="{D42A27DB-BD31-4B8C-83A1-F6EECF244321}">
-                <p14:modId xmlns:p14="http://schemas.microsoft.com/office/powerpoint/2010/main" val="65508977"/>
+                <p14:modId xmlns:p14="http://schemas.microsoft.com/office/powerpoint/2010/main" val="2937551974"/>
               </p:ext>
             </p:extLst>
           </p:nvPr>
@@ -15263,17 +15227,8 @@
                         <a:rPr lang="de-DE" sz="1400" dirty="0">
                           <a:latin typeface="DM Sans" pitchFamily="2" charset="77"/>
                         </a:rPr>
-                        <a:t>Laufzeit in ms je nach Tiefe d mit TT und Zugsortierung + PVS in </a:t>
-                      </a:r>
-                      <a:r>
-                        <a:rPr lang="de-DE" sz="1400" dirty="0" err="1">
-                          <a:latin typeface="DM Sans" pitchFamily="2" charset="77"/>
-                        </a:rPr>
-                        <a:t>ms</a:t>
-                      </a:r>
-                      <a:endParaRPr lang="de-DE" sz="1400" dirty="0">
-                        <a:latin typeface="DM Sans" pitchFamily="2" charset="77"/>
-                      </a:endParaRPr>
+                        <a:t>Laufzeit in ms je nach Tiefe d mit TT und Zugsortierung + PVS</a:t>
+                      </a:r>
                     </a:p>
                   </a:txBody>
                   <a:tcPr marL="100481" marR="100481" marT="50240" marB="50240">
@@ -15346,17 +15301,8 @@
                         <a:rPr lang="de-DE" sz="1400" dirty="0">
                           <a:latin typeface="DM Sans" pitchFamily="2" charset="77"/>
                         </a:rPr>
-                        <a:t>. 2 „Basis KI“ in </a:t>
-                      </a:r>
-                      <a:r>
-                        <a:rPr lang="de-DE" sz="1400" dirty="0" err="1">
-                          <a:latin typeface="DM Sans" pitchFamily="2" charset="77"/>
-                        </a:rPr>
-                        <a:t>ms</a:t>
-                      </a:r>
-                      <a:endParaRPr lang="de-DE" sz="1400" dirty="0">
-                        <a:latin typeface="DM Sans" pitchFamily="2" charset="77"/>
-                      </a:endParaRPr>
+                        <a:t>. 2 „Basis KI“</a:t>
+                      </a:r>
                     </a:p>
                   </a:txBody>
                   <a:tcPr marL="100481" marR="100481" marT="50240" marB="50240">
@@ -21605,14 +21551,11 @@
               <a:t>Bewertungfunktions</a:t>
             </a:r>
             <a:r>
-              <a:rPr lang="de-DE" sz="1600">
+              <a:rPr lang="de-DE" sz="1600" dirty="0">
                 <a:latin typeface="DM Sans" pitchFamily="2" charset="77"/>
               </a:rPr>
               <a:t>-Parametern</a:t>
             </a:r>
-            <a:endParaRPr lang="de-DE" sz="1600" dirty="0">
-              <a:latin typeface="DM Sans" pitchFamily="2" charset="77"/>
-            </a:endParaRPr>
           </a:p>
         </p:txBody>
       </p:sp>

--- a/presentations/PJ_KI_MST3.pptx
+++ b/presentations/PJ_KI_MST3.pptx
@@ -3825,14 +3825,14 @@
           <p:nvPr>
             <p:extLst>
               <p:ext uri="{D42A27DB-BD31-4B8C-83A1-F6EECF244321}">
-                <p14:modId xmlns:p14="http://schemas.microsoft.com/office/powerpoint/2010/main" val="2988541204"/>
+                <p14:modId xmlns:p14="http://schemas.microsoft.com/office/powerpoint/2010/main" val="1651489736"/>
               </p:ext>
             </p:extLst>
           </p:nvPr>
         </p:nvGraphicFramePr>
         <p:xfrm>
           <a:off x="1466695" y="1821316"/>
-          <a:ext cx="9350830" cy="4140898"/>
+          <a:ext cx="9514731" cy="4140898"/>
         </p:xfrm>
         <a:graphic>
           <a:graphicData uri="http://schemas.openxmlformats.org/drawingml/2006/table">
@@ -3869,14 +3869,14 @@
                     </a:ext>
                   </a:extLst>
                 </a:gridCol>
-                <a:gridCol w="983295">
+                <a:gridCol w="1052307">
                   <a:extLst>
                     <a:ext uri="{9D8B030D-6E8A-4147-A177-3AD203B41FA5}">
                       <a16:colId xmlns:a16="http://schemas.microsoft.com/office/drawing/2014/main" val="1720584379"/>
                     </a:ext>
                   </a:extLst>
                 </a:gridCol>
-                <a:gridCol w="992038">
+                <a:gridCol w="923026">
                   <a:extLst>
                     <a:ext uri="{9D8B030D-6E8A-4147-A177-3AD203B41FA5}">
                       <a16:colId xmlns:a16="http://schemas.microsoft.com/office/drawing/2014/main" val="3278997613"/>
@@ -3890,7 +3890,7 @@
                     </a:ext>
                   </a:extLst>
                 </a:gridCol>
-                <a:gridCol w="879895">
+                <a:gridCol w="1043796">
                   <a:extLst>
                     <a:ext uri="{9D8B030D-6E8A-4147-A177-3AD203B41FA5}">
                       <a16:colId xmlns:a16="http://schemas.microsoft.com/office/drawing/2014/main" val="1425166065"/>
@@ -4515,10 +4515,7 @@
                     <a:lstStyle/>
                     <a:p>
                       <a:pPr algn="ctr"/>
-                      <a:r>
-                        <a:rPr lang="de-DE" sz="1200" dirty="0"/>
-                        <a:t>11,949</a:t>
-                      </a:r>
+                      <a:endParaRPr lang="de-DE" sz="1200" dirty="0"/>
                     </a:p>
                   </a:txBody>
                   <a:tcPr>
@@ -4548,10 +4545,7 @@
                     <a:lstStyle/>
                     <a:p>
                       <a:pPr algn="ctr"/>
-                      <a:r>
-                        <a:rPr lang="de-DE" sz="1200" dirty="0"/>
-                        <a:t>98,290</a:t>
-                      </a:r>
+                      <a:endParaRPr lang="de-DE" sz="1200" dirty="0"/>
                     </a:p>
                   </a:txBody>
                   <a:tcPr>
@@ -4590,12 +4584,9 @@
                     <a:lstStyle/>
                     <a:p>
                       <a:pPr algn="ctr"/>
-                      <a:r>
-                        <a:rPr lang="de-DE" sz="1100" dirty="0">
-                          <a:latin typeface="DM Sans" pitchFamily="2" charset="77"/>
-                        </a:rPr>
-                        <a:t>-</a:t>
-                      </a:r>
+                      <a:endParaRPr lang="de-DE" sz="1100" dirty="0">
+                        <a:latin typeface="DM Sans" pitchFamily="2" charset="77"/>
+                      </a:endParaRPr>
                     </a:p>
                   </a:txBody>
                   <a:tcPr marL="100481" marR="100481" marT="50240" marB="50240" anchor="ctr">
@@ -4809,10 +4800,7 @@
                     <a:lstStyle/>
                     <a:p>
                       <a:pPr algn="ctr"/>
-                      <a:r>
-                        <a:rPr lang="de-DE" sz="1200" dirty="0"/>
-                        <a:t>242,703</a:t>
-                      </a:r>
+                      <a:endParaRPr lang="de-DE" sz="1200" dirty="0"/>
                     </a:p>
                   </a:txBody>
                   <a:tcPr>
@@ -4851,10 +4839,7 @@
                     <a:lstStyle/>
                     <a:p>
                       <a:pPr algn="ctr"/>
-                      <a:r>
-                        <a:rPr lang="de-DE" sz="1200" dirty="0"/>
-                        <a:t>4114,663</a:t>
-                      </a:r>
+                      <a:endParaRPr lang="de-DE" sz="1200" dirty="0"/>
                     </a:p>
                   </a:txBody>
                   <a:tcPr>
@@ -4902,12 +4887,9 @@
                     <a:lstStyle/>
                     <a:p>
                       <a:pPr algn="ctr"/>
-                      <a:r>
-                        <a:rPr lang="de-DE" sz="1100" dirty="0">
-                          <a:latin typeface="DM Sans" pitchFamily="2" charset="77"/>
-                        </a:rPr>
-                        <a:t>-</a:t>
-                      </a:r>
+                      <a:endParaRPr lang="de-DE" sz="1100" dirty="0">
+                        <a:latin typeface="DM Sans" pitchFamily="2" charset="77"/>
+                      </a:endParaRPr>
                     </a:p>
                   </a:txBody>
                   <a:tcPr marL="100481" marR="100481" marT="50240" marB="50240" anchor="ctr">
@@ -5094,10 +5076,7 @@
                     <a:lstStyle/>
                     <a:p>
                       <a:pPr algn="ctr"/>
-                      <a:r>
-                        <a:rPr lang="de-DE" sz="1200" dirty="0"/>
-                        <a:t>37,182</a:t>
-                      </a:r>
+                      <a:endParaRPr lang="de-DE" sz="1200" dirty="0"/>
                     </a:p>
                   </a:txBody>
                   <a:tcPr>
@@ -5127,10 +5106,7 @@
                     <a:lstStyle/>
                     <a:p>
                       <a:pPr algn="ctr"/>
-                      <a:r>
-                        <a:rPr lang="de-DE" sz="1200" dirty="0"/>
-                        <a:t>380,406</a:t>
-                      </a:r>
+                      <a:endParaRPr lang="de-DE" sz="1200" dirty="0"/>
                     </a:p>
                   </a:txBody>
                   <a:tcPr>
@@ -5169,12 +5145,9 @@
                     <a:lstStyle/>
                     <a:p>
                       <a:pPr algn="ctr"/>
-                      <a:r>
-                        <a:rPr lang="de-DE" sz="1100" dirty="0">
-                          <a:latin typeface="DM Sans" pitchFamily="2" charset="77"/>
-                        </a:rPr>
-                        <a:t>-</a:t>
-                      </a:r>
+                      <a:endParaRPr lang="de-DE" sz="1100" dirty="0">
+                        <a:latin typeface="DM Sans" pitchFamily="2" charset="77"/>
+                      </a:endParaRPr>
                     </a:p>
                   </a:txBody>
                   <a:tcPr marL="100481" marR="100481" marT="50240" marB="50240" anchor="ctr">
@@ -5375,10 +5348,7 @@
                     <a:lstStyle/>
                     <a:p>
                       <a:pPr algn="ctr"/>
-                      <a:r>
-                        <a:rPr lang="de-DE" sz="1200" dirty="0"/>
-                        <a:t>14,545</a:t>
-                      </a:r>
+                      <a:endParaRPr lang="de-DE" sz="1200" dirty="0"/>
                     </a:p>
                   </a:txBody>
                   <a:tcPr>
@@ -5408,10 +5378,7 @@
                     <a:lstStyle/>
                     <a:p>
                       <a:pPr algn="ctr"/>
-                      <a:r>
-                        <a:rPr lang="de-DE" sz="1200" dirty="0"/>
-                        <a:t>100,660</a:t>
-                      </a:r>
+                      <a:endParaRPr lang="de-DE" sz="1200" dirty="0"/>
                     </a:p>
                   </a:txBody>
                   <a:tcPr>
@@ -5450,12 +5417,9 @@
                     <a:lstStyle/>
                     <a:p>
                       <a:pPr algn="ctr"/>
-                      <a:r>
-                        <a:rPr lang="de-DE" sz="1100" dirty="0">
-                          <a:latin typeface="DM Sans" pitchFamily="2" charset="77"/>
-                        </a:rPr>
-                        <a:t>-</a:t>
-                      </a:r>
+                      <a:endParaRPr lang="de-DE" sz="1100" dirty="0">
+                        <a:latin typeface="DM Sans" pitchFamily="2" charset="77"/>
+                      </a:endParaRPr>
                     </a:p>
                   </a:txBody>
                   <a:tcPr marL="100481" marR="100481" marT="50240" marB="50240" anchor="ctr">
@@ -5669,10 +5633,7 @@
                     <a:lstStyle/>
                     <a:p>
                       <a:pPr algn="ctr"/>
-                      <a:r>
-                        <a:rPr lang="de-DE" sz="1200" dirty="0"/>
-                        <a:t>239,449</a:t>
-                      </a:r>
+                      <a:endParaRPr lang="de-DE" sz="1200" dirty="0"/>
                     </a:p>
                   </a:txBody>
                   <a:tcPr>
@@ -5711,10 +5672,7 @@
                     <a:lstStyle/>
                     <a:p>
                       <a:pPr algn="ctr"/>
-                      <a:r>
-                        <a:rPr lang="de-DE" sz="1200" dirty="0"/>
-                        <a:t>4300,536</a:t>
-                      </a:r>
+                      <a:endParaRPr lang="de-DE" sz="1200" dirty="0"/>
                     </a:p>
                   </a:txBody>
                   <a:tcPr>
@@ -5762,12 +5720,9 @@
                     <a:lstStyle/>
                     <a:p>
                       <a:pPr algn="ctr"/>
-                      <a:r>
-                        <a:rPr lang="de-DE" sz="1100" dirty="0">
-                          <a:latin typeface="DM Sans" pitchFamily="2" charset="77"/>
-                        </a:rPr>
-                        <a:t>-</a:t>
-                      </a:r>
+                      <a:endParaRPr lang="de-DE" sz="1100" dirty="0">
+                        <a:latin typeface="DM Sans" pitchFamily="2" charset="77"/>
+                      </a:endParaRPr>
                     </a:p>
                   </a:txBody>
                   <a:tcPr marL="100481" marR="100481" marT="50240" marB="50240" anchor="ctr">
@@ -5954,10 +5909,7 @@
                     <a:lstStyle/>
                     <a:p>
                       <a:pPr algn="ctr"/>
-                      <a:r>
-                        <a:rPr lang="de-DE" sz="1200" dirty="0"/>
-                        <a:t>39,678</a:t>
-                      </a:r>
+                      <a:endParaRPr lang="de-DE" sz="1200" dirty="0"/>
                     </a:p>
                   </a:txBody>
                   <a:tcPr>
@@ -5987,10 +5939,7 @@
                     <a:lstStyle/>
                     <a:p>
                       <a:pPr algn="ctr"/>
-                      <a:r>
-                        <a:rPr lang="de-DE" sz="1200" dirty="0"/>
-                        <a:t>408,472</a:t>
-                      </a:r>
+                      <a:endParaRPr lang="de-DE" sz="1200" dirty="0"/>
                     </a:p>
                   </a:txBody>
                   <a:tcPr>
@@ -6029,12 +5978,9 @@
                     <a:lstStyle/>
                     <a:p>
                       <a:pPr algn="ctr"/>
-                      <a:r>
-                        <a:rPr lang="de-DE" sz="1100" dirty="0">
-                          <a:latin typeface="DM Sans" pitchFamily="2" charset="77"/>
-                        </a:rPr>
-                        <a:t>-</a:t>
-                      </a:r>
+                      <a:endParaRPr lang="de-DE" sz="1100" dirty="0">
+                        <a:latin typeface="DM Sans" pitchFamily="2" charset="77"/>
+                      </a:endParaRPr>
                     </a:p>
                   </a:txBody>
                   <a:tcPr marL="100481" marR="100481" marT="50240" marB="50240" anchor="ctr">
@@ -6134,7 +6080,7 @@
                         <a:rPr lang="de-DE" sz="1100" dirty="0">
                           <a:latin typeface="DM Sans" pitchFamily="2" charset="77"/>
                         </a:rPr>
-                        <a:t>1348,462</a:t>
+                        <a:t>1541,494</a:t>
                       </a:r>
                     </a:p>
                   </a:txBody>
@@ -6169,7 +6115,7 @@
                         <a:rPr lang="de-DE" sz="1100" dirty="0">
                           <a:latin typeface="DM Sans" pitchFamily="2" charset="77"/>
                         </a:rPr>
-                        <a:t>1335,002</a:t>
+                        <a:t>24870,224</a:t>
                       </a:r>
                     </a:p>
                   </a:txBody>
@@ -6213,7 +6159,7 @@
                         <a:rPr lang="de-DE" sz="1100" dirty="0">
                           <a:latin typeface="DM Sans" pitchFamily="2" charset="77"/>
                         </a:rPr>
-                        <a:t>1551,396</a:t>
+                        <a:t>344840,536</a:t>
                       </a:r>
                     </a:p>
                   </a:txBody>
@@ -6246,7 +6192,7 @@
                       <a:pPr algn="ctr"/>
                       <a:r>
                         <a:rPr lang="de-DE" sz="1200" dirty="0"/>
-                        <a:t>19,373</a:t>
+                        <a:t>1512,292</a:t>
                       </a:r>
                     </a:p>
                   </a:txBody>
@@ -6279,7 +6225,7 @@
                       <a:pPr algn="ctr"/>
                       <a:r>
                         <a:rPr lang="de-DE" sz="1200" dirty="0"/>
-                        <a:t>157,096</a:t>
+                        <a:t>11897,159</a:t>
                       </a:r>
                     </a:p>
                   </a:txBody>
@@ -6323,7 +6269,7 @@
                         <a:rPr lang="de-DE" sz="1100" dirty="0">
                           <a:latin typeface="DM Sans" pitchFamily="2" charset="77"/>
                         </a:rPr>
-                        <a:t>-</a:t>
+                        <a:t>367432,807</a:t>
                       </a:r>
                     </a:p>
                   </a:txBody>
@@ -6410,7 +6356,7 @@
                         <a:rPr lang="de-DE" sz="1100" dirty="0">
                           <a:latin typeface="DM Sans" pitchFamily="2" charset="77"/>
                         </a:rPr>
-                        <a:t>497,171</a:t>
+                        <a:t>256,288</a:t>
                       </a:r>
                     </a:p>
                   </a:txBody>
@@ -6454,7 +6400,7 @@
                         <a:rPr lang="de-DE" sz="1100" dirty="0">
                           <a:latin typeface="DM Sans" pitchFamily="2" charset="77"/>
                         </a:rPr>
-                        <a:t>7865,291</a:t>
+                        <a:t>4652,951</a:t>
                       </a:r>
                     </a:p>
                   </a:txBody>
@@ -6507,7 +6453,7 @@
                         <a:rPr lang="de-DE" sz="1100" dirty="0">
                           <a:latin typeface="DM Sans" pitchFamily="2" charset="77"/>
                         </a:rPr>
-                        <a:t>140103,686</a:t>
+                        <a:t>40868,557</a:t>
                       </a:r>
                     </a:p>
                   </a:txBody>
@@ -6549,7 +6495,7 @@
                       <a:pPr algn="ctr"/>
                       <a:r>
                         <a:rPr lang="de-DE" sz="1200" dirty="0"/>
-                        <a:t>381,390</a:t>
+                        <a:t>117,957</a:t>
                       </a:r>
                     </a:p>
                   </a:txBody>
@@ -6591,7 +6537,7 @@
                       <a:pPr algn="ctr"/>
                       <a:r>
                         <a:rPr lang="de-DE" sz="1200" dirty="0"/>
-                        <a:t>7510,293</a:t>
+                        <a:t>931,264</a:t>
                       </a:r>
                     </a:p>
                   </a:txBody>
@@ -6644,7 +6590,7 @@
                         <a:rPr lang="de-DE" sz="1100" dirty="0">
                           <a:latin typeface="DM Sans" pitchFamily="2" charset="77"/>
                         </a:rPr>
-                        <a:t>-</a:t>
+                        <a:t>17086,983</a:t>
                       </a:r>
                     </a:p>
                   </a:txBody>
@@ -6731,7 +6677,7 @@
                         <a:rPr lang="de-DE" sz="1100" dirty="0">
                           <a:latin typeface="DM Sans" pitchFamily="2" charset="77"/>
                         </a:rPr>
-                        <a:t>145,6</a:t>
+                        <a:t>439,724</a:t>
                       </a:r>
                     </a:p>
                   </a:txBody>
@@ -6766,7 +6712,7 @@
                         <a:rPr lang="de-DE" sz="1100" dirty="0">
                           <a:latin typeface="DM Sans" pitchFamily="2" charset="77"/>
                         </a:rPr>
-                        <a:t>1580,192</a:t>
+                        <a:t>6713,673</a:t>
                       </a:r>
                     </a:p>
                   </a:txBody>
@@ -6810,7 +6756,7 @@
                         <a:rPr lang="de-DE" sz="1100" dirty="0">
                           <a:latin typeface="DM Sans" pitchFamily="2" charset="77"/>
                         </a:rPr>
-                        <a:t>11016,856</a:t>
+                        <a:t>110113,242</a:t>
                       </a:r>
                     </a:p>
                   </a:txBody>
@@ -6843,7 +6789,7 @@
                       <a:pPr algn="ctr"/>
                       <a:r>
                         <a:rPr lang="de-DE" sz="1200" dirty="0"/>
-                        <a:t>60,939</a:t>
+                        <a:t>361,533</a:t>
                       </a:r>
                     </a:p>
                   </a:txBody>
@@ -6876,7 +6822,7 @@
                       <a:pPr algn="ctr"/>
                       <a:r>
                         <a:rPr lang="de-DE" sz="1200" dirty="0"/>
-                        <a:t>643,172</a:t>
+                        <a:t>3764,436</a:t>
                       </a:r>
                     </a:p>
                   </a:txBody>
@@ -6920,7 +6866,7 @@
                         <a:rPr lang="de-DE" sz="1100" dirty="0">
                           <a:latin typeface="DM Sans" pitchFamily="2" charset="77"/>
                         </a:rPr>
-                        <a:t>-</a:t>
+                        <a:t>114852,139</a:t>
                       </a:r>
                     </a:p>
                   </a:txBody>
@@ -10578,14 +10524,14 @@
           <p:nvPr>
             <p:extLst>
               <p:ext uri="{D42A27DB-BD31-4B8C-83A1-F6EECF244321}">
-                <p14:modId xmlns:p14="http://schemas.microsoft.com/office/powerpoint/2010/main" val="303310212"/>
+                <p14:modId xmlns:p14="http://schemas.microsoft.com/office/powerpoint/2010/main" val="2693118357"/>
               </p:ext>
             </p:extLst>
           </p:nvPr>
         </p:nvGraphicFramePr>
         <p:xfrm>
           <a:off x="1466695" y="1821316"/>
-          <a:ext cx="9350830" cy="4140898"/>
+          <a:ext cx="9437094" cy="4140898"/>
         </p:xfrm>
         <a:graphic>
           <a:graphicData uri="http://schemas.openxmlformats.org/drawingml/2006/table">
@@ -10643,7 +10589,7 @@
                     </a:ext>
                   </a:extLst>
                 </a:gridCol>
-                <a:gridCol w="957533">
+                <a:gridCol w="1043797">
                   <a:extLst>
                     <a:ext uri="{9D8B030D-6E8A-4147-A177-3AD203B41FA5}">
                       <a16:colId xmlns:a16="http://schemas.microsoft.com/office/drawing/2014/main" val="1425166065"/>
@@ -11268,10 +11214,7 @@
                     <a:lstStyle/>
                     <a:p>
                       <a:pPr algn="ctr"/>
-                      <a:r>
-                        <a:rPr lang="de-DE" sz="1200" dirty="0"/>
-                        <a:t>11,949</a:t>
-                      </a:r>
+                      <a:endParaRPr lang="de-DE" sz="1200" dirty="0"/>
                     </a:p>
                   </a:txBody>
                   <a:tcPr>
@@ -11301,10 +11244,7 @@
                     <a:lstStyle/>
                     <a:p>
                       <a:pPr algn="ctr"/>
-                      <a:r>
-                        <a:rPr lang="de-DE" sz="1200" dirty="0"/>
-                        <a:t>98,290</a:t>
-                      </a:r>
+                      <a:endParaRPr lang="de-DE" sz="1200" dirty="0"/>
                     </a:p>
                   </a:txBody>
                   <a:tcPr>
@@ -11343,12 +11283,9 @@
                     <a:lstStyle/>
                     <a:p>
                       <a:pPr algn="ctr"/>
-                      <a:r>
-                        <a:rPr lang="de-DE" sz="1100" dirty="0">
-                          <a:latin typeface="DM Sans" pitchFamily="2" charset="77"/>
-                        </a:rPr>
-                        <a:t>-</a:t>
-                      </a:r>
+                      <a:endParaRPr lang="de-DE" sz="1100" dirty="0">
+                        <a:latin typeface="DM Sans" pitchFamily="2" charset="77"/>
+                      </a:endParaRPr>
                     </a:p>
                   </a:txBody>
                   <a:tcPr marL="100481" marR="100481" marT="50240" marB="50240" anchor="ctr">
@@ -11562,10 +11499,7 @@
                     <a:lstStyle/>
                     <a:p>
                       <a:pPr algn="ctr"/>
-                      <a:r>
-                        <a:rPr lang="de-DE" sz="1200" dirty="0"/>
-                        <a:t>242,703</a:t>
-                      </a:r>
+                      <a:endParaRPr lang="de-DE" sz="1200" dirty="0"/>
                     </a:p>
                   </a:txBody>
                   <a:tcPr>
@@ -11604,10 +11538,7 @@
                     <a:lstStyle/>
                     <a:p>
                       <a:pPr algn="ctr"/>
-                      <a:r>
-                        <a:rPr lang="de-DE" sz="1200" dirty="0"/>
-                        <a:t>4114,663</a:t>
-                      </a:r>
+                      <a:endParaRPr lang="de-DE" sz="1200" dirty="0"/>
                     </a:p>
                   </a:txBody>
                   <a:tcPr>
@@ -11655,12 +11586,9 @@
                     <a:lstStyle/>
                     <a:p>
                       <a:pPr algn="ctr"/>
-                      <a:r>
-                        <a:rPr lang="de-DE" sz="1100" dirty="0">
-                          <a:latin typeface="DM Sans" pitchFamily="2" charset="77"/>
-                        </a:rPr>
-                        <a:t>-</a:t>
-                      </a:r>
+                      <a:endParaRPr lang="de-DE" sz="1100" dirty="0">
+                        <a:latin typeface="DM Sans" pitchFamily="2" charset="77"/>
+                      </a:endParaRPr>
                     </a:p>
                   </a:txBody>
                   <a:tcPr marL="100481" marR="100481" marT="50240" marB="50240" anchor="ctr">
@@ -11847,10 +11775,7 @@
                     <a:lstStyle/>
                     <a:p>
                       <a:pPr algn="ctr"/>
-                      <a:r>
-                        <a:rPr lang="de-DE" sz="1200" dirty="0"/>
-                        <a:t>37,182</a:t>
-                      </a:r>
+                      <a:endParaRPr lang="de-DE" sz="1200" dirty="0"/>
                     </a:p>
                   </a:txBody>
                   <a:tcPr>
@@ -11880,10 +11805,7 @@
                     <a:lstStyle/>
                     <a:p>
                       <a:pPr algn="ctr"/>
-                      <a:r>
-                        <a:rPr lang="de-DE" sz="1200" dirty="0"/>
-                        <a:t>380,406</a:t>
-                      </a:r>
+                      <a:endParaRPr lang="de-DE" sz="1200" dirty="0"/>
                     </a:p>
                   </a:txBody>
                   <a:tcPr>
@@ -11922,12 +11844,9 @@
                     <a:lstStyle/>
                     <a:p>
                       <a:pPr algn="ctr"/>
-                      <a:r>
-                        <a:rPr lang="de-DE" sz="1100" dirty="0">
-                          <a:latin typeface="DM Sans" pitchFamily="2" charset="77"/>
-                        </a:rPr>
-                        <a:t>-</a:t>
-                      </a:r>
+                      <a:endParaRPr lang="de-DE" sz="1100" dirty="0">
+                        <a:latin typeface="DM Sans" pitchFamily="2" charset="77"/>
+                      </a:endParaRPr>
                     </a:p>
                   </a:txBody>
                   <a:tcPr marL="100481" marR="100481" marT="50240" marB="50240" anchor="ctr">
@@ -12128,10 +12047,7 @@
                     <a:lstStyle/>
                     <a:p>
                       <a:pPr algn="ctr"/>
-                      <a:r>
-                        <a:rPr lang="de-DE" sz="1200" dirty="0"/>
-                        <a:t>14,545</a:t>
-                      </a:r>
+                      <a:endParaRPr lang="de-DE" sz="1200" dirty="0"/>
                     </a:p>
                   </a:txBody>
                   <a:tcPr>
@@ -12161,10 +12077,7 @@
                     <a:lstStyle/>
                     <a:p>
                       <a:pPr algn="ctr"/>
-                      <a:r>
-                        <a:rPr lang="de-DE" sz="1200" dirty="0"/>
-                        <a:t>100,660</a:t>
-                      </a:r>
+                      <a:endParaRPr lang="de-DE" sz="1200" dirty="0"/>
                     </a:p>
                   </a:txBody>
                   <a:tcPr>
@@ -12203,12 +12116,9 @@
                     <a:lstStyle/>
                     <a:p>
                       <a:pPr algn="ctr"/>
-                      <a:r>
-                        <a:rPr lang="de-DE" sz="1100" dirty="0">
-                          <a:latin typeface="DM Sans" pitchFamily="2" charset="77"/>
-                        </a:rPr>
-                        <a:t>-</a:t>
-                      </a:r>
+                      <a:endParaRPr lang="de-DE" sz="1100" dirty="0">
+                        <a:latin typeface="DM Sans" pitchFamily="2" charset="77"/>
+                      </a:endParaRPr>
                     </a:p>
                   </a:txBody>
                   <a:tcPr marL="100481" marR="100481" marT="50240" marB="50240" anchor="ctr">
@@ -12422,10 +12332,7 @@
                     <a:lstStyle/>
                     <a:p>
                       <a:pPr algn="ctr"/>
-                      <a:r>
-                        <a:rPr lang="de-DE" sz="1200" dirty="0"/>
-                        <a:t>239,449</a:t>
-                      </a:r>
+                      <a:endParaRPr lang="de-DE" sz="1200" dirty="0"/>
                     </a:p>
                   </a:txBody>
                   <a:tcPr>
@@ -12464,10 +12371,7 @@
                     <a:lstStyle/>
                     <a:p>
                       <a:pPr algn="ctr"/>
-                      <a:r>
-                        <a:rPr lang="de-DE" sz="1200" dirty="0"/>
-                        <a:t>4300,536</a:t>
-                      </a:r>
+                      <a:endParaRPr lang="de-DE" sz="1200" dirty="0"/>
                     </a:p>
                   </a:txBody>
                   <a:tcPr>
@@ -12515,12 +12419,9 @@
                     <a:lstStyle/>
                     <a:p>
                       <a:pPr algn="ctr"/>
-                      <a:r>
-                        <a:rPr lang="de-DE" sz="1100" dirty="0">
-                          <a:latin typeface="DM Sans" pitchFamily="2" charset="77"/>
-                        </a:rPr>
-                        <a:t>-</a:t>
-                      </a:r>
+                      <a:endParaRPr lang="de-DE" sz="1100" dirty="0">
+                        <a:latin typeface="DM Sans" pitchFamily="2" charset="77"/>
+                      </a:endParaRPr>
                     </a:p>
                   </a:txBody>
                   <a:tcPr marL="100481" marR="100481" marT="50240" marB="50240" anchor="ctr">
@@ -12707,10 +12608,7 @@
                     <a:lstStyle/>
                     <a:p>
                       <a:pPr algn="ctr"/>
-                      <a:r>
-                        <a:rPr lang="de-DE" sz="1200" dirty="0"/>
-                        <a:t>39,678</a:t>
-                      </a:r>
+                      <a:endParaRPr lang="de-DE" sz="1200" dirty="0"/>
                     </a:p>
                   </a:txBody>
                   <a:tcPr>
@@ -12740,10 +12638,7 @@
                     <a:lstStyle/>
                     <a:p>
                       <a:pPr algn="ctr"/>
-                      <a:r>
-                        <a:rPr lang="de-DE" sz="1200" dirty="0"/>
-                        <a:t>408,472</a:t>
-                      </a:r>
+                      <a:endParaRPr lang="de-DE" sz="1200" dirty="0"/>
                     </a:p>
                   </a:txBody>
                   <a:tcPr>
@@ -12782,12 +12677,9 @@
                     <a:lstStyle/>
                     <a:p>
                       <a:pPr algn="ctr"/>
-                      <a:r>
-                        <a:rPr lang="de-DE" sz="1100" dirty="0">
-                          <a:latin typeface="DM Sans" pitchFamily="2" charset="77"/>
-                        </a:rPr>
-                        <a:t>-</a:t>
-                      </a:r>
+                      <a:endParaRPr lang="de-DE" sz="1100" dirty="0">
+                        <a:latin typeface="DM Sans" pitchFamily="2" charset="77"/>
+                      </a:endParaRPr>
                     </a:p>
                   </a:txBody>
                   <a:tcPr marL="100481" marR="100481" marT="50240" marB="50240" anchor="ctr">
@@ -12887,7 +12779,7 @@
                         <a:rPr lang="de-DE" sz="1100" dirty="0">
                           <a:latin typeface="DM Sans" pitchFamily="2" charset="77"/>
                         </a:rPr>
-                        <a:t>1093,381</a:t>
+                        <a:t>1602,519</a:t>
                       </a:r>
                     </a:p>
                   </a:txBody>
@@ -12922,7 +12814,7 @@
                         <a:rPr lang="de-DE" sz="1100" dirty="0">
                           <a:latin typeface="DM Sans" pitchFamily="2" charset="77"/>
                         </a:rPr>
-                        <a:t>1974,368</a:t>
+                        <a:t>1591,567</a:t>
                       </a:r>
                     </a:p>
                   </a:txBody>
@@ -12966,7 +12858,7 @@
                         <a:rPr lang="de-DE" sz="1100" dirty="0">
                           <a:latin typeface="DM Sans" pitchFamily="2" charset="77"/>
                         </a:rPr>
-                        <a:t>1920,393</a:t>
+                        <a:t>3758,706</a:t>
                       </a:r>
                     </a:p>
                   </a:txBody>
@@ -12999,7 +12891,7 @@
                       <a:pPr algn="ctr"/>
                       <a:r>
                         <a:rPr lang="de-DE" sz="1200" dirty="0"/>
-                        <a:t>19,373</a:t>
+                        <a:t>1512,292</a:t>
                       </a:r>
                     </a:p>
                   </a:txBody>
@@ -13032,7 +12924,7 @@
                       <a:pPr algn="ctr"/>
                       <a:r>
                         <a:rPr lang="de-DE" sz="1200" dirty="0"/>
-                        <a:t>157,096</a:t>
+                        <a:t>11897,159</a:t>
                       </a:r>
                     </a:p>
                   </a:txBody>
@@ -13076,7 +12968,7 @@
                         <a:rPr lang="de-DE" sz="1100" dirty="0">
                           <a:latin typeface="DM Sans" pitchFamily="2" charset="77"/>
                         </a:rPr>
-                        <a:t>-</a:t>
+                        <a:t>367432,807</a:t>
                       </a:r>
                     </a:p>
                   </a:txBody>
@@ -13163,7 +13055,7 @@
                         <a:rPr lang="de-DE" sz="1100" dirty="0">
                           <a:latin typeface="DM Sans" pitchFamily="2" charset="77"/>
                         </a:rPr>
-                        <a:t>497,551</a:t>
+                        <a:t>136,979</a:t>
                       </a:r>
                     </a:p>
                   </a:txBody>
@@ -13207,7 +13099,7 @@
                         <a:rPr lang="de-DE" sz="1100" dirty="0">
                           <a:latin typeface="DM Sans" pitchFamily="2" charset="77"/>
                         </a:rPr>
-                        <a:t>6094,413</a:t>
+                        <a:t>1736,901</a:t>
                       </a:r>
                     </a:p>
                   </a:txBody>
@@ -13260,7 +13152,7 @@
                         <a:rPr lang="de-DE" sz="1100" dirty="0">
                           <a:latin typeface="DM Sans" pitchFamily="2" charset="77"/>
                         </a:rPr>
-                        <a:t>92899,965</a:t>
+                        <a:t>11329,035</a:t>
                       </a:r>
                     </a:p>
                   </a:txBody>
@@ -13302,7 +13194,7 @@
                       <a:pPr algn="ctr"/>
                       <a:r>
                         <a:rPr lang="de-DE" sz="1200" dirty="0"/>
-                        <a:t>381,390</a:t>
+                        <a:t>117,957</a:t>
                       </a:r>
                     </a:p>
                   </a:txBody>
@@ -13344,7 +13236,7 @@
                       <a:pPr algn="ctr"/>
                       <a:r>
                         <a:rPr lang="de-DE" sz="1200" dirty="0"/>
-                        <a:t>7510,293</a:t>
+                        <a:t>931,264</a:t>
                       </a:r>
                     </a:p>
                   </a:txBody>
@@ -13397,7 +13289,7 @@
                         <a:rPr lang="de-DE" sz="1100" dirty="0">
                           <a:latin typeface="DM Sans" pitchFamily="2" charset="77"/>
                         </a:rPr>
-                        <a:t>-</a:t>
+                        <a:t>17086,983</a:t>
                       </a:r>
                     </a:p>
                   </a:txBody>
@@ -13484,7 +13376,7 @@
                         <a:rPr lang="de-DE" sz="1100" dirty="0">
                           <a:latin typeface="DM Sans" pitchFamily="2" charset="77"/>
                         </a:rPr>
-                        <a:t>180,868</a:t>
+                        <a:t>258,616</a:t>
                       </a:r>
                     </a:p>
                   </a:txBody>
@@ -13519,7 +13411,7 @@
                         <a:rPr lang="de-DE" sz="1100" dirty="0">
                           <a:latin typeface="DM Sans" pitchFamily="2" charset="77"/>
                         </a:rPr>
-                        <a:t>1075,351</a:t>
+                        <a:t>5065,323</a:t>
                       </a:r>
                     </a:p>
                   </a:txBody>
@@ -13563,7 +13455,7 @@
                         <a:rPr lang="de-DE" sz="1100" dirty="0">
                           <a:latin typeface="DM Sans" pitchFamily="2" charset="77"/>
                         </a:rPr>
-                        <a:t>15496,174</a:t>
+                        <a:t>58833,451</a:t>
                       </a:r>
                     </a:p>
                   </a:txBody>
@@ -13596,7 +13488,7 @@
                       <a:pPr algn="ctr"/>
                       <a:r>
                         <a:rPr lang="de-DE" sz="1200" dirty="0"/>
-                        <a:t>60,939</a:t>
+                        <a:t>361,533</a:t>
                       </a:r>
                     </a:p>
                   </a:txBody>
@@ -13629,7 +13521,7 @@
                       <a:pPr algn="ctr"/>
                       <a:r>
                         <a:rPr lang="de-DE" sz="1200" dirty="0"/>
-                        <a:t>643,172</a:t>
+                        <a:t>3764,436</a:t>
                       </a:r>
                     </a:p>
                   </a:txBody>
@@ -13673,7 +13565,7 @@
                         <a:rPr lang="de-DE" sz="1100" dirty="0">
                           <a:latin typeface="DM Sans" pitchFamily="2" charset="77"/>
                         </a:rPr>
-                        <a:t>-</a:t>
+                        <a:t>114852,139</a:t>
                       </a:r>
                     </a:p>
                   </a:txBody>
@@ -15079,14 +14971,14 @@
           <p:nvPr>
             <p:extLst>
               <p:ext uri="{D42A27DB-BD31-4B8C-83A1-F6EECF244321}">
-                <p14:modId xmlns:p14="http://schemas.microsoft.com/office/powerpoint/2010/main" val="2937551974"/>
+                <p14:modId xmlns:p14="http://schemas.microsoft.com/office/powerpoint/2010/main" val="2124898265"/>
               </p:ext>
             </p:extLst>
           </p:nvPr>
         </p:nvGraphicFramePr>
         <p:xfrm>
           <a:off x="1466695" y="1780495"/>
-          <a:ext cx="9324950" cy="4312067"/>
+          <a:ext cx="9428467" cy="4312067"/>
         </p:xfrm>
         <a:graphic>
           <a:graphicData uri="http://schemas.openxmlformats.org/drawingml/2006/table">
@@ -15144,7 +15036,7 @@
                     </a:ext>
                   </a:extLst>
                 </a:gridCol>
-                <a:gridCol w="931653">
+                <a:gridCol w="1035170">
                   <a:extLst>
                     <a:ext uri="{9D8B030D-6E8A-4147-A177-3AD203B41FA5}">
                       <a16:colId xmlns:a16="http://schemas.microsoft.com/office/drawing/2014/main" val="1425166065"/>
@@ -15769,10 +15661,7 @@
                     <a:lstStyle/>
                     <a:p>
                       <a:pPr algn="ctr"/>
-                      <a:r>
-                        <a:rPr lang="de-DE" sz="1200" dirty="0"/>
-                        <a:t>11,949</a:t>
-                      </a:r>
+                      <a:endParaRPr lang="de-DE" sz="1200" dirty="0"/>
                     </a:p>
                   </a:txBody>
                   <a:tcPr>
@@ -15802,10 +15691,7 @@
                     <a:lstStyle/>
                     <a:p>
                       <a:pPr algn="ctr"/>
-                      <a:r>
-                        <a:rPr lang="de-DE" sz="1200" dirty="0"/>
-                        <a:t>98,290</a:t>
-                      </a:r>
+                      <a:endParaRPr lang="de-DE" sz="1200" dirty="0"/>
                     </a:p>
                   </a:txBody>
                   <a:tcPr>
@@ -15844,12 +15730,9 @@
                     <a:lstStyle/>
                     <a:p>
                       <a:pPr algn="ctr"/>
-                      <a:r>
-                        <a:rPr lang="de-DE" sz="1100" dirty="0">
-                          <a:latin typeface="DM Sans" pitchFamily="2" charset="77"/>
-                        </a:rPr>
-                        <a:t>-</a:t>
-                      </a:r>
+                      <a:endParaRPr lang="de-DE" sz="1100" dirty="0">
+                        <a:latin typeface="DM Sans" pitchFamily="2" charset="77"/>
+                      </a:endParaRPr>
                     </a:p>
                   </a:txBody>
                   <a:tcPr marL="100481" marR="100481" marT="50240" marB="50240" anchor="ctr">
@@ -16063,10 +15946,7 @@
                     <a:lstStyle/>
                     <a:p>
                       <a:pPr algn="ctr"/>
-                      <a:r>
-                        <a:rPr lang="de-DE" sz="1200" dirty="0"/>
-                        <a:t>242,703</a:t>
-                      </a:r>
+                      <a:endParaRPr lang="de-DE" sz="1200" dirty="0"/>
                     </a:p>
                   </a:txBody>
                   <a:tcPr>
@@ -16105,10 +15985,7 @@
                     <a:lstStyle/>
                     <a:p>
                       <a:pPr algn="ctr"/>
-                      <a:r>
-                        <a:rPr lang="de-DE" sz="1200" dirty="0"/>
-                        <a:t>4114,663</a:t>
-                      </a:r>
+                      <a:endParaRPr lang="de-DE" sz="1200" dirty="0"/>
                     </a:p>
                   </a:txBody>
                   <a:tcPr>
@@ -16156,12 +16033,9 @@
                     <a:lstStyle/>
                     <a:p>
                       <a:pPr algn="ctr"/>
-                      <a:r>
-                        <a:rPr lang="de-DE" sz="1100" dirty="0">
-                          <a:latin typeface="DM Sans" pitchFamily="2" charset="77"/>
-                        </a:rPr>
-                        <a:t>-</a:t>
-                      </a:r>
+                      <a:endParaRPr lang="de-DE" sz="1100" dirty="0">
+                        <a:latin typeface="DM Sans" pitchFamily="2" charset="77"/>
+                      </a:endParaRPr>
                     </a:p>
                   </a:txBody>
                   <a:tcPr marL="100481" marR="100481" marT="50240" marB="50240" anchor="ctr">
@@ -16348,10 +16222,7 @@
                     <a:lstStyle/>
                     <a:p>
                       <a:pPr algn="ctr"/>
-                      <a:r>
-                        <a:rPr lang="de-DE" sz="1200" dirty="0"/>
-                        <a:t>37,182</a:t>
-                      </a:r>
+                      <a:endParaRPr lang="de-DE" sz="1200" dirty="0"/>
                     </a:p>
                   </a:txBody>
                   <a:tcPr>
@@ -16381,10 +16252,7 @@
                     <a:lstStyle/>
                     <a:p>
                       <a:pPr algn="ctr"/>
-                      <a:r>
-                        <a:rPr lang="de-DE" sz="1200" dirty="0"/>
-                        <a:t>380,406</a:t>
-                      </a:r>
+                      <a:endParaRPr lang="de-DE" sz="1200" dirty="0"/>
                     </a:p>
                   </a:txBody>
                   <a:tcPr>
@@ -16423,12 +16291,9 @@
                     <a:lstStyle/>
                     <a:p>
                       <a:pPr algn="ctr"/>
-                      <a:r>
-                        <a:rPr lang="de-DE" sz="1100" dirty="0">
-                          <a:latin typeface="DM Sans" pitchFamily="2" charset="77"/>
-                        </a:rPr>
-                        <a:t>-</a:t>
-                      </a:r>
+                      <a:endParaRPr lang="de-DE" sz="1100" dirty="0">
+                        <a:latin typeface="DM Sans" pitchFamily="2" charset="77"/>
+                      </a:endParaRPr>
                     </a:p>
                   </a:txBody>
                   <a:tcPr marL="100481" marR="100481" marT="50240" marB="50240" anchor="ctr">
@@ -16629,10 +16494,7 @@
                     <a:lstStyle/>
                     <a:p>
                       <a:pPr algn="ctr"/>
-                      <a:r>
-                        <a:rPr lang="de-DE" sz="1200" dirty="0"/>
-                        <a:t>14,545</a:t>
-                      </a:r>
+                      <a:endParaRPr lang="de-DE" sz="1200" dirty="0"/>
                     </a:p>
                   </a:txBody>
                   <a:tcPr>
@@ -16662,10 +16524,7 @@
                     <a:lstStyle/>
                     <a:p>
                       <a:pPr algn="ctr"/>
-                      <a:r>
-                        <a:rPr lang="de-DE" sz="1200" dirty="0"/>
-                        <a:t>100,660</a:t>
-                      </a:r>
+                      <a:endParaRPr lang="de-DE" sz="1200" dirty="0"/>
                     </a:p>
                   </a:txBody>
                   <a:tcPr>
@@ -16704,12 +16563,9 @@
                     <a:lstStyle/>
                     <a:p>
                       <a:pPr algn="ctr"/>
-                      <a:r>
-                        <a:rPr lang="de-DE" sz="1100" dirty="0">
-                          <a:latin typeface="DM Sans" pitchFamily="2" charset="77"/>
-                        </a:rPr>
-                        <a:t>-</a:t>
-                      </a:r>
+                      <a:endParaRPr lang="de-DE" sz="1100" dirty="0">
+                        <a:latin typeface="DM Sans" pitchFamily="2" charset="77"/>
+                      </a:endParaRPr>
                     </a:p>
                   </a:txBody>
                   <a:tcPr marL="100481" marR="100481" marT="50240" marB="50240" anchor="ctr">
@@ -16923,10 +16779,7 @@
                     <a:lstStyle/>
                     <a:p>
                       <a:pPr algn="ctr"/>
-                      <a:r>
-                        <a:rPr lang="de-DE" sz="1200" dirty="0"/>
-                        <a:t>239,449</a:t>
-                      </a:r>
+                      <a:endParaRPr lang="de-DE" sz="1200" dirty="0"/>
                     </a:p>
                   </a:txBody>
                   <a:tcPr>
@@ -16965,10 +16818,7 @@
                     <a:lstStyle/>
                     <a:p>
                       <a:pPr algn="ctr"/>
-                      <a:r>
-                        <a:rPr lang="de-DE" sz="1200" dirty="0"/>
-                        <a:t>4300,536</a:t>
-                      </a:r>
+                      <a:endParaRPr lang="de-DE" sz="1200" dirty="0"/>
                     </a:p>
                   </a:txBody>
                   <a:tcPr>
@@ -17016,12 +16866,9 @@
                     <a:lstStyle/>
                     <a:p>
                       <a:pPr algn="ctr"/>
-                      <a:r>
-                        <a:rPr lang="de-DE" sz="1100" dirty="0">
-                          <a:latin typeface="DM Sans" pitchFamily="2" charset="77"/>
-                        </a:rPr>
-                        <a:t>-</a:t>
-                      </a:r>
+                      <a:endParaRPr lang="de-DE" sz="1100" dirty="0">
+                        <a:latin typeface="DM Sans" pitchFamily="2" charset="77"/>
+                      </a:endParaRPr>
                     </a:p>
                   </a:txBody>
                   <a:tcPr marL="100481" marR="100481" marT="50240" marB="50240" anchor="ctr">
@@ -17208,10 +17055,7 @@
                     <a:lstStyle/>
                     <a:p>
                       <a:pPr algn="ctr"/>
-                      <a:r>
-                        <a:rPr lang="de-DE" sz="1200" dirty="0"/>
-                        <a:t>39,678</a:t>
-                      </a:r>
+                      <a:endParaRPr lang="de-DE" sz="1200" dirty="0"/>
                     </a:p>
                   </a:txBody>
                   <a:tcPr>
@@ -17241,10 +17085,7 @@
                     <a:lstStyle/>
                     <a:p>
                       <a:pPr algn="ctr"/>
-                      <a:r>
-                        <a:rPr lang="de-DE" sz="1200" dirty="0"/>
-                        <a:t>408,472</a:t>
-                      </a:r>
+                      <a:endParaRPr lang="de-DE" sz="1200" dirty="0"/>
                     </a:p>
                   </a:txBody>
                   <a:tcPr>
@@ -17283,12 +17124,9 @@
                     <a:lstStyle/>
                     <a:p>
                       <a:pPr algn="ctr"/>
-                      <a:r>
-                        <a:rPr lang="de-DE" sz="1100" dirty="0">
-                          <a:latin typeface="DM Sans" pitchFamily="2" charset="77"/>
-                        </a:rPr>
-                        <a:t>-</a:t>
-                      </a:r>
+                      <a:endParaRPr lang="de-DE" sz="1100" dirty="0">
+                        <a:latin typeface="DM Sans" pitchFamily="2" charset="77"/>
+                      </a:endParaRPr>
                     </a:p>
                   </a:txBody>
                   <a:tcPr marL="100481" marR="100481" marT="50240" marB="50240" anchor="ctr">
@@ -17388,7 +17226,7 @@
                         <a:rPr lang="de-DE" sz="1100" dirty="0">
                           <a:latin typeface="DM Sans" pitchFamily="2" charset="77"/>
                         </a:rPr>
-                        <a:t>908,159</a:t>
+                        <a:t>211,249</a:t>
                       </a:r>
                     </a:p>
                   </a:txBody>
@@ -17423,7 +17261,7 @@
                         <a:rPr lang="de-DE" sz="1100" dirty="0">
                           <a:latin typeface="DM Sans" pitchFamily="2" charset="77"/>
                         </a:rPr>
-                        <a:t>1451,361</a:t>
+                        <a:t>1082,206</a:t>
                       </a:r>
                     </a:p>
                   </a:txBody>
@@ -17467,7 +17305,7 @@
                         <a:rPr lang="de-DE" sz="1100" dirty="0">
                           <a:latin typeface="DM Sans" pitchFamily="2" charset="77"/>
                         </a:rPr>
-                        <a:t>1358,203</a:t>
+                        <a:t>3053,975</a:t>
                       </a:r>
                     </a:p>
                   </a:txBody>
@@ -17500,7 +17338,7 @@
                       <a:pPr algn="ctr"/>
                       <a:r>
                         <a:rPr lang="de-DE" sz="1200" dirty="0"/>
-                        <a:t>19,373</a:t>
+                        <a:t>1512,292</a:t>
                       </a:r>
                     </a:p>
                   </a:txBody>
@@ -17533,7 +17371,7 @@
                       <a:pPr algn="ctr"/>
                       <a:r>
                         <a:rPr lang="de-DE" sz="1200" dirty="0"/>
-                        <a:t>157,096</a:t>
+                        <a:t>11897,159</a:t>
                       </a:r>
                     </a:p>
                   </a:txBody>
@@ -17577,7 +17415,7 @@
                         <a:rPr lang="de-DE" sz="1100" dirty="0">
                           <a:latin typeface="DM Sans" pitchFamily="2" charset="77"/>
                         </a:rPr>
-                        <a:t>-</a:t>
+                        <a:t>367432,807</a:t>
                       </a:r>
                     </a:p>
                   </a:txBody>
@@ -17664,7 +17502,7 @@
                         <a:rPr lang="de-DE" sz="1100" dirty="0">
                           <a:latin typeface="DM Sans" pitchFamily="2" charset="77"/>
                         </a:rPr>
-                        <a:t>529,691</a:t>
+                        <a:t>136,099</a:t>
                       </a:r>
                     </a:p>
                   </a:txBody>
@@ -17708,7 +17546,7 @@
                         <a:rPr lang="de-DE" sz="1100" dirty="0">
                           <a:latin typeface="DM Sans" pitchFamily="2" charset="77"/>
                         </a:rPr>
-                        <a:t>3827,836</a:t>
+                        <a:t>1608,340</a:t>
                       </a:r>
                     </a:p>
                   </a:txBody>
@@ -17761,7 +17599,7 @@
                         <a:rPr lang="de-DE" sz="1100" dirty="0">
                           <a:latin typeface="DM Sans" pitchFamily="2" charset="77"/>
                         </a:rPr>
-                        <a:t>64457,805</a:t>
+                        <a:t>8585,376</a:t>
                       </a:r>
                     </a:p>
                   </a:txBody>
@@ -17803,7 +17641,7 @@
                       <a:pPr algn="ctr"/>
                       <a:r>
                         <a:rPr lang="de-DE" sz="1200" dirty="0"/>
-                        <a:t>381,390</a:t>
+                        <a:t>117,957</a:t>
                       </a:r>
                     </a:p>
                   </a:txBody>
@@ -17845,7 +17683,7 @@
                       <a:pPr algn="ctr"/>
                       <a:r>
                         <a:rPr lang="de-DE" sz="1200" dirty="0"/>
-                        <a:t>7510,293</a:t>
+                        <a:t>931,264</a:t>
                       </a:r>
                     </a:p>
                   </a:txBody>
@@ -17898,7 +17736,7 @@
                         <a:rPr lang="de-DE" sz="1100" dirty="0">
                           <a:latin typeface="DM Sans" pitchFamily="2" charset="77"/>
                         </a:rPr>
-                        <a:t>-</a:t>
+                        <a:t>17086,983</a:t>
                       </a:r>
                     </a:p>
                   </a:txBody>
@@ -17985,7 +17823,7 @@
                         <a:rPr lang="de-DE" sz="1100" dirty="0">
                           <a:latin typeface="DM Sans" pitchFamily="2" charset="77"/>
                         </a:rPr>
-                        <a:t>180,526</a:t>
+                        <a:t>270,326</a:t>
                       </a:r>
                     </a:p>
                   </a:txBody>
@@ -18020,7 +17858,7 @@
                         <a:rPr lang="de-DE" sz="1100" dirty="0">
                           <a:latin typeface="DM Sans" pitchFamily="2" charset="77"/>
                         </a:rPr>
-                        <a:t>795,511</a:t>
+                        <a:t>4439,098</a:t>
                       </a:r>
                     </a:p>
                   </a:txBody>
@@ -18064,7 +17902,7 @@
                         <a:rPr lang="de-DE" sz="1100" dirty="0">
                           <a:latin typeface="DM Sans" pitchFamily="2" charset="77"/>
                         </a:rPr>
-                        <a:t>8724,172</a:t>
+                        <a:t>60764,282</a:t>
                       </a:r>
                     </a:p>
                   </a:txBody>
@@ -18097,7 +17935,7 @@
                       <a:pPr algn="ctr"/>
                       <a:r>
                         <a:rPr lang="de-DE" sz="1200" dirty="0"/>
-                        <a:t>60,939</a:t>
+                        <a:t>361,533</a:t>
                       </a:r>
                     </a:p>
                   </a:txBody>
@@ -18130,7 +17968,7 @@
                       <a:pPr algn="ctr"/>
                       <a:r>
                         <a:rPr lang="de-DE" sz="1200" dirty="0"/>
-                        <a:t>643,172</a:t>
+                        <a:t>3764,436</a:t>
                       </a:r>
                     </a:p>
                   </a:txBody>
@@ -18174,7 +18012,7 @@
                         <a:rPr lang="de-DE" sz="1100" dirty="0">
                           <a:latin typeface="DM Sans" pitchFamily="2" charset="77"/>
                         </a:rPr>
-                        <a:t>-</a:t>
+                        <a:t>114852,139</a:t>
                       </a:r>
                     </a:p>
                   </a:txBody>
@@ -21857,19 +21695,13 @@
               <a:rPr lang="de-DE" dirty="0">
                 <a:latin typeface="DM Sans" pitchFamily="2" charset="77"/>
               </a:rPr>
-              <a:t>	2k5/6q1/3P1P2/4N3/8/1K6/8/8 </a:t>
+              <a:t>	</a:t>
             </a:r>
             <a:r>
-              <a:rPr lang="de-DE" dirty="0" err="1">
+              <a:rPr lang="pt-BR" dirty="0">
                 <a:latin typeface="DM Sans" pitchFamily="2" charset="77"/>
               </a:rPr>
-              <a:t>w</a:t>
-            </a:r>
-            <a:r>
-              <a:rPr lang="de-DE" dirty="0">
-                <a:latin typeface="DM Sans" pitchFamily="2" charset="77"/>
-              </a:rPr>
-              <a:t> - - 0 1</a:t>
+              <a:t>r2qk2r/p1p1p1P1/1pn4b/1N1Pb3/1PB1N1nP/8/1B1PQPp1/R3K2R b Qkq - 0 1</a:t>
             </a:r>
           </a:p>
           <a:p>
@@ -21888,31 +21720,7 @@
               <a:rPr lang="de-DE" dirty="0">
                 <a:latin typeface="DM Sans" pitchFamily="2" charset="77"/>
               </a:rPr>
-              <a:t>	4r1k1/1bqr1pbp/p2p2p1/4p1B1/2p1P3/PnP2N1P/BP2QPP1/3RR1K1 </a:t>
-            </a:r>
-            <a:r>
-              <a:rPr lang="de-DE" dirty="0" err="1">
-                <a:latin typeface="DM Sans" pitchFamily="2" charset="77"/>
-              </a:rPr>
-              <a:t>w</a:t>
-            </a:r>
-            <a:r>
-              <a:rPr lang="de-DE" dirty="0">
-                <a:latin typeface="DM Sans" pitchFamily="2" charset="77"/>
-              </a:rPr>
-              <a:t> </a:t>
-            </a:r>
-            <a:r>
-              <a:rPr lang="de-DE" dirty="0" err="1">
-                <a:latin typeface="DM Sans" pitchFamily="2" charset="77"/>
-              </a:rPr>
-              <a:t>Qq</a:t>
-            </a:r>
-            <a:r>
-              <a:rPr lang="de-DE" dirty="0">
-                <a:latin typeface="DM Sans" pitchFamily="2" charset="77"/>
-              </a:rPr>
-              <a:t> - 0 1</a:t>
+              <a:t>	r1bq4/pp1p1k1p/2p2p1p/2b5/3Nr1Q1/2N1P3/PPPK1PPP/3R1B1R w - - 0 1</a:t>
             </a:r>
           </a:p>
           <a:p>
@@ -21931,19 +21739,7 @@
               <a:rPr lang="de-DE" dirty="0">
                 <a:latin typeface="DM Sans" pitchFamily="2" charset="77"/>
               </a:rPr>
-              <a:t>	6k1/r4ppp/r7/1b6/8/8/4QPPP/4R1K1 </a:t>
-            </a:r>
-            <a:r>
-              <a:rPr lang="de-DE" dirty="0" err="1">
-                <a:latin typeface="DM Sans" pitchFamily="2" charset="77"/>
-              </a:rPr>
-              <a:t>w</a:t>
-            </a:r>
-            <a:r>
-              <a:rPr lang="de-DE" dirty="0">
-                <a:latin typeface="DM Sans" pitchFamily="2" charset="77"/>
-              </a:rPr>
-              <a:t> - - 0 1</a:t>
+              <a:t>	3r1rk1/p1p1qp1p/1p2b1p1/6n1/R1PNp3/2QP2P1/3B1P1P/5RK1 w - - 0 1</a:t>
             </a:r>
           </a:p>
         </p:txBody>

--- a/presentations/PJ_KI_MST3.pptx
+++ b/presentations/PJ_KI_MST3.pptx
@@ -284,7 +284,7 @@
           <a:p>
             <a:fld id="{17468778-AD1E-48E6-A1B1-00A628170ED2}" type="datetimeFigureOut">
               <a:rPr lang="de-DE" smtClean="0"/>
-              <a:t>19.06.2023</a:t>
+              <a:t>19.06.23</a:t>
             </a:fld>
             <a:endParaRPr lang="de-DE"/>
           </a:p>
@@ -482,7 +482,7 @@
           <a:p>
             <a:fld id="{17468778-AD1E-48E6-A1B1-00A628170ED2}" type="datetimeFigureOut">
               <a:rPr lang="de-DE" smtClean="0"/>
-              <a:t>19.06.2023</a:t>
+              <a:t>19.06.23</a:t>
             </a:fld>
             <a:endParaRPr lang="de-DE"/>
           </a:p>
@@ -690,7 +690,7 @@
           <a:p>
             <a:fld id="{17468778-AD1E-48E6-A1B1-00A628170ED2}" type="datetimeFigureOut">
               <a:rPr lang="de-DE" smtClean="0"/>
-              <a:t>19.06.2023</a:t>
+              <a:t>19.06.23</a:t>
             </a:fld>
             <a:endParaRPr lang="de-DE"/>
           </a:p>
@@ -888,7 +888,7 @@
           <a:p>
             <a:fld id="{17468778-AD1E-48E6-A1B1-00A628170ED2}" type="datetimeFigureOut">
               <a:rPr lang="de-DE" smtClean="0"/>
-              <a:t>19.06.2023</a:t>
+              <a:t>19.06.23</a:t>
             </a:fld>
             <a:endParaRPr lang="de-DE"/>
           </a:p>
@@ -1163,7 +1163,7 @@
           <a:p>
             <a:fld id="{17468778-AD1E-48E6-A1B1-00A628170ED2}" type="datetimeFigureOut">
               <a:rPr lang="de-DE" smtClean="0"/>
-              <a:t>19.06.2023</a:t>
+              <a:t>19.06.23</a:t>
             </a:fld>
             <a:endParaRPr lang="de-DE"/>
           </a:p>
@@ -1428,7 +1428,7 @@
           <a:p>
             <a:fld id="{17468778-AD1E-48E6-A1B1-00A628170ED2}" type="datetimeFigureOut">
               <a:rPr lang="de-DE" smtClean="0"/>
-              <a:t>19.06.2023</a:t>
+              <a:t>19.06.23</a:t>
             </a:fld>
             <a:endParaRPr lang="de-DE"/>
           </a:p>
@@ -1840,7 +1840,7 @@
           <a:p>
             <a:fld id="{17468778-AD1E-48E6-A1B1-00A628170ED2}" type="datetimeFigureOut">
               <a:rPr lang="de-DE" smtClean="0"/>
-              <a:t>19.06.2023</a:t>
+              <a:t>19.06.23</a:t>
             </a:fld>
             <a:endParaRPr lang="de-DE"/>
           </a:p>
@@ -1981,7 +1981,7 @@
           <a:p>
             <a:fld id="{17468778-AD1E-48E6-A1B1-00A628170ED2}" type="datetimeFigureOut">
               <a:rPr lang="de-DE" smtClean="0"/>
-              <a:t>19.06.2023</a:t>
+              <a:t>19.06.23</a:t>
             </a:fld>
             <a:endParaRPr lang="de-DE"/>
           </a:p>
@@ -2094,7 +2094,7 @@
           <a:p>
             <a:fld id="{17468778-AD1E-48E6-A1B1-00A628170ED2}" type="datetimeFigureOut">
               <a:rPr lang="de-DE" smtClean="0"/>
-              <a:t>19.06.2023</a:t>
+              <a:t>19.06.23</a:t>
             </a:fld>
             <a:endParaRPr lang="de-DE"/>
           </a:p>
@@ -2405,7 +2405,7 @@
           <a:p>
             <a:fld id="{17468778-AD1E-48E6-A1B1-00A628170ED2}" type="datetimeFigureOut">
               <a:rPr lang="de-DE" smtClean="0"/>
-              <a:t>19.06.2023</a:t>
+              <a:t>19.06.23</a:t>
             </a:fld>
             <a:endParaRPr lang="de-DE"/>
           </a:p>
@@ -2693,7 +2693,7 @@
           <a:p>
             <a:fld id="{17468778-AD1E-48E6-A1B1-00A628170ED2}" type="datetimeFigureOut">
               <a:rPr lang="de-DE" smtClean="0"/>
-              <a:t>19.06.2023</a:t>
+              <a:t>19.06.23</a:t>
             </a:fld>
             <a:endParaRPr lang="de-DE"/>
           </a:p>
@@ -2934,7 +2934,7 @@
           <a:p>
             <a:fld id="{17468778-AD1E-48E6-A1B1-00A628170ED2}" type="datetimeFigureOut">
               <a:rPr lang="de-DE" smtClean="0"/>
-              <a:t>19.06.2023</a:t>
+              <a:t>19.06.23</a:t>
             </a:fld>
             <a:endParaRPr lang="de-DE"/>
           </a:p>
@@ -14971,7 +14971,7 @@
           <p:nvPr>
             <p:extLst>
               <p:ext uri="{D42A27DB-BD31-4B8C-83A1-F6EECF244321}">
-                <p14:modId xmlns:p14="http://schemas.microsoft.com/office/powerpoint/2010/main" val="2124898265"/>
+                <p14:modId xmlns:p14="http://schemas.microsoft.com/office/powerpoint/2010/main" val="3295205285"/>
               </p:ext>
             </p:extLst>
           </p:nvPr>
@@ -15556,9 +15556,12 @@
                     <a:lstStyle/>
                     <a:p>
                       <a:pPr algn="ctr"/>
-                      <a:endParaRPr lang="de-DE" sz="1100" dirty="0">
-                        <a:latin typeface="DM Sans" pitchFamily="2" charset="77"/>
-                      </a:endParaRPr>
+                      <a:r>
+                        <a:rPr lang="de-DE" sz="1100" dirty="0">
+                          <a:latin typeface="DM Sans" pitchFamily="2" charset="77"/>
+                        </a:rPr>
+                        <a:t>21,69</a:t>
+                      </a:r>
                     </a:p>
                   </a:txBody>
                   <a:tcPr marL="100481" marR="100481" marT="50240" marB="50240" anchor="ctr">
@@ -15588,9 +15591,12 @@
                     <a:lstStyle/>
                     <a:p>
                       <a:pPr algn="ctr"/>
-                      <a:endParaRPr lang="de-DE" sz="1100" dirty="0">
-                        <a:latin typeface="DM Sans" pitchFamily="2" charset="77"/>
-                      </a:endParaRPr>
+                      <a:r>
+                        <a:rPr lang="de-DE" sz="1100" dirty="0">
+                          <a:latin typeface="DM Sans" pitchFamily="2" charset="77"/>
+                        </a:rPr>
+                        <a:t>33,17</a:t>
+                      </a:r>
                     </a:p>
                   </a:txBody>
                   <a:tcPr marL="100481" marR="100481" marT="50240" marB="50240" anchor="ctr">
@@ -15629,9 +15635,12 @@
                     <a:lstStyle/>
                     <a:p>
                       <a:pPr algn="ctr"/>
-                      <a:endParaRPr lang="de-DE" sz="1100" dirty="0">
-                        <a:latin typeface="DM Sans" pitchFamily="2" charset="77"/>
-                      </a:endParaRPr>
+                      <a:r>
+                        <a:rPr lang="de-DE" sz="1100" dirty="0">
+                          <a:latin typeface="DM Sans" pitchFamily="2" charset="77"/>
+                        </a:rPr>
+                        <a:t>71,46</a:t>
+                      </a:r>
                     </a:p>
                   </a:txBody>
                   <a:tcPr marL="100481" marR="100481" marT="50240" marB="50240" anchor="ctr">
@@ -15661,10 +15670,15 @@
                     <a:lstStyle/>
                     <a:p>
                       <a:pPr algn="ctr"/>
-                      <a:endParaRPr lang="de-DE" sz="1200" dirty="0"/>
-                    </a:p>
-                  </a:txBody>
-                  <a:tcPr>
+                      <a:r>
+                        <a:rPr lang="de-DE" sz="1200" dirty="0">
+                          <a:latin typeface="DM Sans" pitchFamily="2" charset="77"/>
+                        </a:rPr>
+                        <a:t>12,90</a:t>
+                      </a:r>
+                    </a:p>
+                  </a:txBody>
+                  <a:tcPr anchor="ctr">
                     <a:lnR w="12700" cap="flat" cmpd="sng" algn="ctr">
                       <a:solidFill>
                         <a:schemeClr val="tx1"/>
@@ -15691,10 +15705,15 @@
                     <a:lstStyle/>
                     <a:p>
                       <a:pPr algn="ctr"/>
-                      <a:endParaRPr lang="de-DE" sz="1200" dirty="0"/>
-                    </a:p>
-                  </a:txBody>
-                  <a:tcPr>
+                      <a:r>
+                        <a:rPr lang="de-DE" sz="1200" dirty="0">
+                          <a:latin typeface="DM Sans" pitchFamily="2" charset="77"/>
+                        </a:rPr>
+                        <a:t>69,71</a:t>
+                      </a:r>
+                    </a:p>
+                  </a:txBody>
+                  <a:tcPr anchor="ctr">
                     <a:lnL w="12700" cap="flat" cmpd="sng" algn="ctr">
                       <a:solidFill>
                         <a:schemeClr val="tx1"/>
@@ -15730,9 +15749,12 @@
                     <a:lstStyle/>
                     <a:p>
                       <a:pPr algn="ctr"/>
-                      <a:endParaRPr lang="de-DE" sz="1100" dirty="0">
-                        <a:latin typeface="DM Sans" pitchFamily="2" charset="77"/>
-                      </a:endParaRPr>
+                      <a:r>
+                        <a:rPr lang="de-DE" sz="1100" dirty="0">
+                          <a:latin typeface="DM Sans" pitchFamily="2" charset="77"/>
+                        </a:rPr>
+                        <a:t>129,15</a:t>
+                      </a:r>
                     </a:p>
                   </a:txBody>
                   <a:tcPr marL="100481" marR="100481" marT="50240" marB="50240" anchor="ctr">
@@ -15814,9 +15836,12 @@
                     <a:lstStyle/>
                     <a:p>
                       <a:pPr algn="ctr"/>
-                      <a:endParaRPr lang="de-DE" sz="1100" dirty="0">
-                        <a:latin typeface="DM Sans" pitchFamily="2" charset="77"/>
-                      </a:endParaRPr>
+                      <a:r>
+                        <a:rPr lang="de-DE" sz="1100" dirty="0">
+                          <a:latin typeface="DM Sans" pitchFamily="2" charset="77"/>
+                        </a:rPr>
+                        <a:t>314,42</a:t>
+                      </a:r>
                     </a:p>
                   </a:txBody>
                   <a:tcPr marL="100481" marR="100481" marT="50240" marB="50240" anchor="ctr">
@@ -15855,9 +15880,12 @@
                     <a:lstStyle/>
                     <a:p>
                       <a:pPr algn="ctr"/>
-                      <a:endParaRPr lang="de-DE" sz="1100" dirty="0">
-                        <a:latin typeface="DM Sans" pitchFamily="2" charset="77"/>
-                      </a:endParaRPr>
+                      <a:r>
+                        <a:rPr lang="de-DE" sz="1100" dirty="0">
+                          <a:latin typeface="DM Sans" pitchFamily="2" charset="77"/>
+                        </a:rPr>
+                        <a:t>579,22</a:t>
+                      </a:r>
                     </a:p>
                   </a:txBody>
                   <a:tcPr marL="100481" marR="100481" marT="50240" marB="50240" anchor="ctr">
@@ -15905,9 +15933,12 @@
                     <a:lstStyle/>
                     <a:p>
                       <a:pPr algn="ctr"/>
-                      <a:endParaRPr lang="de-DE" sz="1100" dirty="0">
-                        <a:latin typeface="DM Sans" pitchFamily="2" charset="77"/>
-                      </a:endParaRPr>
+                      <a:r>
+                        <a:rPr lang="de-DE" sz="1100" dirty="0">
+                          <a:latin typeface="DM Sans" pitchFamily="2" charset="77"/>
+                        </a:rPr>
+                        <a:t>26043,56</a:t>
+                      </a:r>
                     </a:p>
                   </a:txBody>
                   <a:tcPr marL="100481" marR="100481" marT="50240" marB="50240" anchor="ctr">
@@ -15946,10 +15977,15 @@
                     <a:lstStyle/>
                     <a:p>
                       <a:pPr algn="ctr"/>
-                      <a:endParaRPr lang="de-DE" sz="1200" dirty="0"/>
-                    </a:p>
-                  </a:txBody>
-                  <a:tcPr>
+                      <a:r>
+                        <a:rPr lang="de-DE" sz="1200" dirty="0">
+                          <a:latin typeface="DM Sans" pitchFamily="2" charset="77"/>
+                        </a:rPr>
+                        <a:t>261,25</a:t>
+                      </a:r>
+                    </a:p>
+                  </a:txBody>
+                  <a:tcPr anchor="ctr">
                     <a:lnR w="12700" cap="flat" cmpd="sng" algn="ctr">
                       <a:solidFill>
                         <a:schemeClr val="tx1"/>
@@ -15985,10 +16021,15 @@
                     <a:lstStyle/>
                     <a:p>
                       <a:pPr algn="ctr"/>
-                      <a:endParaRPr lang="de-DE" sz="1200" dirty="0"/>
-                    </a:p>
-                  </a:txBody>
-                  <a:tcPr>
+                      <a:r>
+                        <a:rPr lang="de-DE" sz="1200" dirty="0">
+                          <a:latin typeface="DM Sans" pitchFamily="2" charset="77"/>
+                        </a:rPr>
+                        <a:t>1117,79</a:t>
+                      </a:r>
+                    </a:p>
+                  </a:txBody>
+                  <a:tcPr anchor="ctr">
                     <a:lnL w="12700" cap="flat" cmpd="sng" algn="ctr">
                       <a:solidFill>
                         <a:schemeClr val="tx1"/>
@@ -16033,9 +16074,12 @@
                     <a:lstStyle/>
                     <a:p>
                       <a:pPr algn="ctr"/>
-                      <a:endParaRPr lang="de-DE" sz="1100" dirty="0">
-                        <a:latin typeface="DM Sans" pitchFamily="2" charset="77"/>
-                      </a:endParaRPr>
+                      <a:r>
+                        <a:rPr lang="de-DE" sz="1100" dirty="0">
+                          <a:latin typeface="DM Sans" pitchFamily="2" charset="77"/>
+                        </a:rPr>
+                        <a:t>66706,03</a:t>
+                      </a:r>
                     </a:p>
                   </a:txBody>
                   <a:tcPr marL="100481" marR="100481" marT="50240" marB="50240" anchor="ctr">
@@ -16117,9 +16161,12 @@
                     <a:lstStyle/>
                     <a:p>
                       <a:pPr algn="ctr"/>
-                      <a:endParaRPr lang="de-DE" sz="1100" dirty="0">
-                        <a:latin typeface="DM Sans" pitchFamily="2" charset="77"/>
-                      </a:endParaRPr>
+                      <a:r>
+                        <a:rPr lang="de-DE" sz="1100" dirty="0">
+                          <a:latin typeface="DM Sans" pitchFamily="2" charset="77"/>
+                        </a:rPr>
+                        <a:t>39,35</a:t>
+                      </a:r>
                     </a:p>
                   </a:txBody>
                   <a:tcPr marL="100481" marR="100481" marT="50240" marB="50240" anchor="ctr">
@@ -16149,9 +16196,12 @@
                     <a:lstStyle/>
                     <a:p>
                       <a:pPr algn="ctr"/>
-                      <a:endParaRPr lang="de-DE" sz="1100" dirty="0">
-                        <a:latin typeface="DM Sans" pitchFamily="2" charset="77"/>
-                      </a:endParaRPr>
+                      <a:r>
+                        <a:rPr lang="de-DE" sz="1100" dirty="0">
+                          <a:latin typeface="DM Sans" pitchFamily="2" charset="77"/>
+                        </a:rPr>
+                        <a:t>144,62</a:t>
+                      </a:r>
                     </a:p>
                   </a:txBody>
                   <a:tcPr marL="100481" marR="100481" marT="50240" marB="50240" anchor="ctr">
@@ -16190,9 +16240,12 @@
                     <a:lstStyle/>
                     <a:p>
                       <a:pPr algn="ctr"/>
-                      <a:endParaRPr lang="de-DE" sz="1100" dirty="0">
-                        <a:latin typeface="DM Sans" pitchFamily="2" charset="77"/>
-                      </a:endParaRPr>
+                      <a:r>
+                        <a:rPr lang="de-DE" sz="1100" dirty="0">
+                          <a:latin typeface="DM Sans" pitchFamily="2" charset="77"/>
+                        </a:rPr>
+                        <a:t>2048,64</a:t>
+                      </a:r>
                     </a:p>
                   </a:txBody>
                   <a:tcPr marL="100481" marR="100481" marT="50240" marB="50240" anchor="ctr">
@@ -16222,10 +16275,15 @@
                     <a:lstStyle/>
                     <a:p>
                       <a:pPr algn="ctr"/>
-                      <a:endParaRPr lang="de-DE" sz="1200" dirty="0"/>
-                    </a:p>
-                  </a:txBody>
-                  <a:tcPr>
+                      <a:r>
+                        <a:rPr lang="de-DE" sz="1200" dirty="0">
+                          <a:latin typeface="DM Sans" pitchFamily="2" charset="77"/>
+                        </a:rPr>
+                        <a:t>36,54</a:t>
+                      </a:r>
+                    </a:p>
+                  </a:txBody>
+                  <a:tcPr anchor="ctr">
                     <a:lnR w="12700" cap="flat" cmpd="sng" algn="ctr">
                       <a:solidFill>
                         <a:schemeClr val="tx1"/>
@@ -16252,10 +16310,15 @@
                     <a:lstStyle/>
                     <a:p>
                       <a:pPr algn="ctr"/>
-                      <a:endParaRPr lang="de-DE" sz="1200" dirty="0"/>
-                    </a:p>
-                  </a:txBody>
-                  <a:tcPr>
+                      <a:r>
+                        <a:rPr lang="de-DE" sz="1200" dirty="0">
+                          <a:latin typeface="DM Sans" pitchFamily="2" charset="77"/>
+                        </a:rPr>
+                        <a:t>360,62</a:t>
+                      </a:r>
+                    </a:p>
+                  </a:txBody>
+                  <a:tcPr anchor="ctr">
                     <a:lnL w="12700" cap="flat" cmpd="sng" algn="ctr">
                       <a:solidFill>
                         <a:schemeClr val="tx1"/>
@@ -16291,9 +16354,12 @@
                     <a:lstStyle/>
                     <a:p>
                       <a:pPr algn="ctr"/>
-                      <a:endParaRPr lang="de-DE" sz="1100" dirty="0">
-                        <a:latin typeface="DM Sans" pitchFamily="2" charset="77"/>
-                      </a:endParaRPr>
+                      <a:r>
+                        <a:rPr lang="de-DE" sz="1100" dirty="0">
+                          <a:latin typeface="DM Sans" pitchFamily="2" charset="77"/>
+                        </a:rPr>
+                        <a:t>7711,11</a:t>
+                      </a:r>
                     </a:p>
                   </a:txBody>
                   <a:tcPr marL="100481" marR="100481" marT="50240" marB="50240" anchor="ctr">
@@ -17226,7 +17292,7 @@
                         <a:rPr lang="de-DE" sz="1100" dirty="0">
                           <a:latin typeface="DM Sans" pitchFamily="2" charset="77"/>
                         </a:rPr>
-                        <a:t>211,249</a:t>
+                        <a:t>211,24</a:t>
                       </a:r>
                     </a:p>
                   </a:txBody>
@@ -17261,7 +17327,7 @@
                         <a:rPr lang="de-DE" sz="1100" dirty="0">
                           <a:latin typeface="DM Sans" pitchFamily="2" charset="77"/>
                         </a:rPr>
-                        <a:t>1082,206</a:t>
+                        <a:t>1082,20</a:t>
                       </a:r>
                     </a:p>
                   </a:txBody>
@@ -17305,7 +17371,7 @@
                         <a:rPr lang="de-DE" sz="1100" dirty="0">
                           <a:latin typeface="DM Sans" pitchFamily="2" charset="77"/>
                         </a:rPr>
-                        <a:t>3053,975</a:t>
+                        <a:t>3053,97</a:t>
                       </a:r>
                     </a:p>
                   </a:txBody>
@@ -17338,11 +17404,11 @@
                       <a:pPr algn="ctr"/>
                       <a:r>
                         <a:rPr lang="de-DE" sz="1200" dirty="0"/>
-                        <a:t>1512,292</a:t>
-                      </a:r>
-                    </a:p>
-                  </a:txBody>
-                  <a:tcPr>
+                        <a:t>1512,29</a:t>
+                      </a:r>
+                    </a:p>
+                  </a:txBody>
+                  <a:tcPr anchor="ctr">
                     <a:lnR w="12700" cap="flat" cmpd="sng" algn="ctr">
                       <a:solidFill>
                         <a:schemeClr val="tx1"/>
@@ -17371,11 +17437,11 @@
                       <a:pPr algn="ctr"/>
                       <a:r>
                         <a:rPr lang="de-DE" sz="1200" dirty="0"/>
-                        <a:t>11897,159</a:t>
-                      </a:r>
-                    </a:p>
-                  </a:txBody>
-                  <a:tcPr>
+                        <a:t>11897,15</a:t>
+                      </a:r>
+                    </a:p>
+                  </a:txBody>
+                  <a:tcPr anchor="ctr">
                     <a:lnL w="12700" cap="flat" cmpd="sng" algn="ctr">
                       <a:solidFill>
                         <a:schemeClr val="tx1"/>
@@ -17415,7 +17481,7 @@
                         <a:rPr lang="de-DE" sz="1100" dirty="0">
                           <a:latin typeface="DM Sans" pitchFamily="2" charset="77"/>
                         </a:rPr>
-                        <a:t>367432,807</a:t>
+                        <a:t>367432,80</a:t>
                       </a:r>
                     </a:p>
                   </a:txBody>
@@ -17502,7 +17568,7 @@
                         <a:rPr lang="de-DE" sz="1100" dirty="0">
                           <a:latin typeface="DM Sans" pitchFamily="2" charset="77"/>
                         </a:rPr>
-                        <a:t>136,099</a:t>
+                        <a:t>136,09</a:t>
                       </a:r>
                     </a:p>
                   </a:txBody>
@@ -17546,7 +17612,7 @@
                         <a:rPr lang="de-DE" sz="1100" dirty="0">
                           <a:latin typeface="DM Sans" pitchFamily="2" charset="77"/>
                         </a:rPr>
-                        <a:t>1608,340</a:t>
+                        <a:t>1608,34</a:t>
                       </a:r>
                     </a:p>
                   </a:txBody>
@@ -17599,7 +17665,7 @@
                         <a:rPr lang="de-DE" sz="1100" dirty="0">
                           <a:latin typeface="DM Sans" pitchFamily="2" charset="77"/>
                         </a:rPr>
-                        <a:t>8585,376</a:t>
+                        <a:t>8585,37</a:t>
                       </a:r>
                     </a:p>
                   </a:txBody>
@@ -17641,11 +17707,11 @@
                       <a:pPr algn="ctr"/>
                       <a:r>
                         <a:rPr lang="de-DE" sz="1200" dirty="0"/>
-                        <a:t>117,957</a:t>
-                      </a:r>
-                    </a:p>
-                  </a:txBody>
-                  <a:tcPr>
+                        <a:t>117,95</a:t>
+                      </a:r>
+                    </a:p>
+                  </a:txBody>
+                  <a:tcPr anchor="ctr">
                     <a:lnR w="12700" cap="flat" cmpd="sng" algn="ctr">
                       <a:solidFill>
                         <a:schemeClr val="tx1"/>
@@ -17683,11 +17749,11 @@
                       <a:pPr algn="ctr"/>
                       <a:r>
                         <a:rPr lang="de-DE" sz="1200" dirty="0"/>
-                        <a:t>931,264</a:t>
-                      </a:r>
-                    </a:p>
-                  </a:txBody>
-                  <a:tcPr>
+                        <a:t>931,26</a:t>
+                      </a:r>
+                    </a:p>
+                  </a:txBody>
+                  <a:tcPr anchor="ctr">
                     <a:lnL w="12700" cap="flat" cmpd="sng" algn="ctr">
                       <a:solidFill>
                         <a:schemeClr val="tx1"/>
@@ -17736,7 +17802,7 @@
                         <a:rPr lang="de-DE" sz="1100" dirty="0">
                           <a:latin typeface="DM Sans" pitchFamily="2" charset="77"/>
                         </a:rPr>
-                        <a:t>17086,983</a:t>
+                        <a:t>17086,98</a:t>
                       </a:r>
                     </a:p>
                   </a:txBody>
@@ -17823,7 +17889,7 @@
                         <a:rPr lang="de-DE" sz="1100" dirty="0">
                           <a:latin typeface="DM Sans" pitchFamily="2" charset="77"/>
                         </a:rPr>
-                        <a:t>270,326</a:t>
+                        <a:t>270,32</a:t>
                       </a:r>
                     </a:p>
                   </a:txBody>
@@ -17858,7 +17924,7 @@
                         <a:rPr lang="de-DE" sz="1100" dirty="0">
                           <a:latin typeface="DM Sans" pitchFamily="2" charset="77"/>
                         </a:rPr>
-                        <a:t>4439,098</a:t>
+                        <a:t>4439,09</a:t>
                       </a:r>
                     </a:p>
                   </a:txBody>
@@ -17902,7 +17968,7 @@
                         <a:rPr lang="de-DE" sz="1100" dirty="0">
                           <a:latin typeface="DM Sans" pitchFamily="2" charset="77"/>
                         </a:rPr>
-                        <a:t>60764,282</a:t>
+                        <a:t>60764,28</a:t>
                       </a:r>
                     </a:p>
                   </a:txBody>
@@ -17935,11 +18001,11 @@
                       <a:pPr algn="ctr"/>
                       <a:r>
                         <a:rPr lang="de-DE" sz="1200" dirty="0"/>
-                        <a:t>361,533</a:t>
-                      </a:r>
-                    </a:p>
-                  </a:txBody>
-                  <a:tcPr>
+                        <a:t>361,53</a:t>
+                      </a:r>
+                    </a:p>
+                  </a:txBody>
+                  <a:tcPr anchor="ctr">
                     <a:lnR w="12700" cap="flat" cmpd="sng" algn="ctr">
                       <a:solidFill>
                         <a:schemeClr val="tx1"/>
@@ -17968,11 +18034,11 @@
                       <a:pPr algn="ctr"/>
                       <a:r>
                         <a:rPr lang="de-DE" sz="1200" dirty="0"/>
-                        <a:t>3764,436</a:t>
-                      </a:r>
-                    </a:p>
-                  </a:txBody>
-                  <a:tcPr>
+                        <a:t>3764,43</a:t>
+                      </a:r>
+                    </a:p>
+                  </a:txBody>
+                  <a:tcPr anchor="ctr">
                     <a:lnL w="12700" cap="flat" cmpd="sng" algn="ctr">
                       <a:solidFill>
                         <a:schemeClr val="tx1"/>
@@ -18012,7 +18078,7 @@
                         <a:rPr lang="de-DE" sz="1100" dirty="0">
                           <a:latin typeface="DM Sans" pitchFamily="2" charset="77"/>
                         </a:rPr>
-                        <a:t>114852,139</a:t>
+                        <a:t>114852,13</a:t>
                       </a:r>
                     </a:p>
                   </a:txBody>
@@ -21701,7 +21767,19 @@
               <a:rPr lang="pt-BR" dirty="0">
                 <a:latin typeface="DM Sans" pitchFamily="2" charset="77"/>
               </a:rPr>
-              <a:t>r2qk2r/p1p1p1P1/1pn4b/1N1Pb3/1PB1N1nP/8/1B1PQPp1/R3K2R b Qkq - 0 1</a:t>
+              <a:t>2k5/6q1/3P1P2/4N3/8/1K6/8/8 </a:t>
+            </a:r>
+            <a:r>
+              <a:rPr lang="pt-BR" dirty="0" err="1">
+                <a:latin typeface="DM Sans" pitchFamily="2" charset="77"/>
+              </a:rPr>
+              <a:t>w</a:t>
+            </a:r>
+            <a:r>
+              <a:rPr lang="pt-BR" dirty="0">
+                <a:latin typeface="DM Sans" pitchFamily="2" charset="77"/>
+              </a:rPr>
+              <a:t> - - 0 1</a:t>
             </a:r>
           </a:p>
           <a:p>
@@ -21720,7 +21798,31 @@
               <a:rPr lang="de-DE" dirty="0">
                 <a:latin typeface="DM Sans" pitchFamily="2" charset="77"/>
               </a:rPr>
-              <a:t>	r1bq4/pp1p1k1p/2p2p1p/2b5/3Nr1Q1/2N1P3/PPPK1PPP/3R1B1R w - - 0 1</a:t>
+              <a:t>	4r1k1/1bqr1pbp/p2p2p1/4p1B1/2p1P3/PnP2N1P/BP2QPP1/3RR1K1 </a:t>
+            </a:r>
+            <a:r>
+              <a:rPr lang="de-DE" dirty="0" err="1">
+                <a:latin typeface="DM Sans" pitchFamily="2" charset="77"/>
+              </a:rPr>
+              <a:t>w</a:t>
+            </a:r>
+            <a:r>
+              <a:rPr lang="de-DE" dirty="0">
+                <a:latin typeface="DM Sans" pitchFamily="2" charset="77"/>
+              </a:rPr>
+              <a:t> </a:t>
+            </a:r>
+            <a:r>
+              <a:rPr lang="de-DE" dirty="0" err="1">
+                <a:latin typeface="DM Sans" pitchFamily="2" charset="77"/>
+              </a:rPr>
+              <a:t>Qq</a:t>
+            </a:r>
+            <a:r>
+              <a:rPr lang="de-DE" dirty="0">
+                <a:latin typeface="DM Sans" pitchFamily="2" charset="77"/>
+              </a:rPr>
+              <a:t> - 0 1</a:t>
             </a:r>
           </a:p>
           <a:p>
@@ -21739,7 +21841,19 @@
               <a:rPr lang="de-DE" dirty="0">
                 <a:latin typeface="DM Sans" pitchFamily="2" charset="77"/>
               </a:rPr>
-              <a:t>	3r1rk1/p1p1qp1p/1p2b1p1/6n1/R1PNp3/2QP2P1/3B1P1P/5RK1 w - - 0 1</a:t>
+              <a:t>	6k1/r4ppp/r7/1b6/8/8/4QPPP/4R1K1 </a:t>
+            </a:r>
+            <a:r>
+              <a:rPr lang="de-DE" dirty="0" err="1">
+                <a:latin typeface="DM Sans" pitchFamily="2" charset="77"/>
+              </a:rPr>
+              <a:t>w</a:t>
+            </a:r>
+            <a:r>
+              <a:rPr lang="de-DE" dirty="0">
+                <a:latin typeface="DM Sans" pitchFamily="2" charset="77"/>
+              </a:rPr>
+              <a:t> - - 0 1</a:t>
             </a:r>
           </a:p>
         </p:txBody>

--- a/presentations/PJ_KI_MST3.pptx
+++ b/presentations/PJ_KI_MST3.pptx
@@ -284,7 +284,7 @@
           <a:p>
             <a:fld id="{17468778-AD1E-48E6-A1B1-00A628170ED2}" type="datetimeFigureOut">
               <a:rPr lang="de-DE" smtClean="0"/>
-              <a:t>19.06.23</a:t>
+              <a:t>19.06.2023</a:t>
             </a:fld>
             <a:endParaRPr lang="de-DE"/>
           </a:p>
@@ -482,7 +482,7 @@
           <a:p>
             <a:fld id="{17468778-AD1E-48E6-A1B1-00A628170ED2}" type="datetimeFigureOut">
               <a:rPr lang="de-DE" smtClean="0"/>
-              <a:t>19.06.23</a:t>
+              <a:t>19.06.2023</a:t>
             </a:fld>
             <a:endParaRPr lang="de-DE"/>
           </a:p>
@@ -690,7 +690,7 @@
           <a:p>
             <a:fld id="{17468778-AD1E-48E6-A1B1-00A628170ED2}" type="datetimeFigureOut">
               <a:rPr lang="de-DE" smtClean="0"/>
-              <a:t>19.06.23</a:t>
+              <a:t>19.06.2023</a:t>
             </a:fld>
             <a:endParaRPr lang="de-DE"/>
           </a:p>
@@ -888,7 +888,7 @@
           <a:p>
             <a:fld id="{17468778-AD1E-48E6-A1B1-00A628170ED2}" type="datetimeFigureOut">
               <a:rPr lang="de-DE" smtClean="0"/>
-              <a:t>19.06.23</a:t>
+              <a:t>19.06.2023</a:t>
             </a:fld>
             <a:endParaRPr lang="de-DE"/>
           </a:p>
@@ -1163,7 +1163,7 @@
           <a:p>
             <a:fld id="{17468778-AD1E-48E6-A1B1-00A628170ED2}" type="datetimeFigureOut">
               <a:rPr lang="de-DE" smtClean="0"/>
-              <a:t>19.06.23</a:t>
+              <a:t>19.06.2023</a:t>
             </a:fld>
             <a:endParaRPr lang="de-DE"/>
           </a:p>
@@ -1428,7 +1428,7 @@
           <a:p>
             <a:fld id="{17468778-AD1E-48E6-A1B1-00A628170ED2}" type="datetimeFigureOut">
               <a:rPr lang="de-DE" smtClean="0"/>
-              <a:t>19.06.23</a:t>
+              <a:t>19.06.2023</a:t>
             </a:fld>
             <a:endParaRPr lang="de-DE"/>
           </a:p>
@@ -1840,7 +1840,7 @@
           <a:p>
             <a:fld id="{17468778-AD1E-48E6-A1B1-00A628170ED2}" type="datetimeFigureOut">
               <a:rPr lang="de-DE" smtClean="0"/>
-              <a:t>19.06.23</a:t>
+              <a:t>19.06.2023</a:t>
             </a:fld>
             <a:endParaRPr lang="de-DE"/>
           </a:p>
@@ -1981,7 +1981,7 @@
           <a:p>
             <a:fld id="{17468778-AD1E-48E6-A1B1-00A628170ED2}" type="datetimeFigureOut">
               <a:rPr lang="de-DE" smtClean="0"/>
-              <a:t>19.06.23</a:t>
+              <a:t>19.06.2023</a:t>
             </a:fld>
             <a:endParaRPr lang="de-DE"/>
           </a:p>
@@ -2094,7 +2094,7 @@
           <a:p>
             <a:fld id="{17468778-AD1E-48E6-A1B1-00A628170ED2}" type="datetimeFigureOut">
               <a:rPr lang="de-DE" smtClean="0"/>
-              <a:t>19.06.23</a:t>
+              <a:t>19.06.2023</a:t>
             </a:fld>
             <a:endParaRPr lang="de-DE"/>
           </a:p>
@@ -2405,7 +2405,7 @@
           <a:p>
             <a:fld id="{17468778-AD1E-48E6-A1B1-00A628170ED2}" type="datetimeFigureOut">
               <a:rPr lang="de-DE" smtClean="0"/>
-              <a:t>19.06.23</a:t>
+              <a:t>19.06.2023</a:t>
             </a:fld>
             <a:endParaRPr lang="de-DE"/>
           </a:p>
@@ -2693,7 +2693,7 @@
           <a:p>
             <a:fld id="{17468778-AD1E-48E6-A1B1-00A628170ED2}" type="datetimeFigureOut">
               <a:rPr lang="de-DE" smtClean="0"/>
-              <a:t>19.06.23</a:t>
+              <a:t>19.06.2023</a:t>
             </a:fld>
             <a:endParaRPr lang="de-DE"/>
           </a:p>
@@ -2934,7 +2934,7 @@
           <a:p>
             <a:fld id="{17468778-AD1E-48E6-A1B1-00A628170ED2}" type="datetimeFigureOut">
               <a:rPr lang="de-DE" smtClean="0"/>
-              <a:t>19.06.23</a:t>
+              <a:t>19.06.2023</a:t>
             </a:fld>
             <a:endParaRPr lang="de-DE"/>
           </a:p>
@@ -14971,7 +14971,7 @@
           <p:nvPr>
             <p:extLst>
               <p:ext uri="{D42A27DB-BD31-4B8C-83A1-F6EECF244321}">
-                <p14:modId xmlns:p14="http://schemas.microsoft.com/office/powerpoint/2010/main" val="3295205285"/>
+                <p14:modId xmlns:p14="http://schemas.microsoft.com/office/powerpoint/2010/main" val="402688911"/>
               </p:ext>
             </p:extLst>
           </p:nvPr>
@@ -16455,9 +16455,12 @@
                     <a:lstStyle/>
                     <a:p>
                       <a:pPr algn="ctr"/>
-                      <a:endParaRPr lang="de-DE" sz="1100" dirty="0">
-                        <a:latin typeface="DM Sans" pitchFamily="2" charset="77"/>
-                      </a:endParaRPr>
+                      <a:r>
+                        <a:rPr lang="de-DE" sz="1100" dirty="0">
+                          <a:latin typeface="DM Sans" pitchFamily="2" charset="77"/>
+                        </a:rPr>
+                        <a:t>4,74</a:t>
+                      </a:r>
                     </a:p>
                   </a:txBody>
                   <a:tcPr marL="100481" marR="100481" marT="50240" marB="50240" anchor="ctr">
@@ -16487,9 +16490,12 @@
                     <a:lstStyle/>
                     <a:p>
                       <a:pPr algn="ctr"/>
-                      <a:endParaRPr lang="de-DE" sz="1100" dirty="0">
-                        <a:latin typeface="DM Sans" pitchFamily="2" charset="77"/>
-                      </a:endParaRPr>
+                      <a:r>
+                        <a:rPr lang="de-DE" sz="1100" dirty="0">
+                          <a:latin typeface="DM Sans" pitchFamily="2" charset="77"/>
+                        </a:rPr>
+                        <a:t>11,21</a:t>
+                      </a:r>
                     </a:p>
                   </a:txBody>
                   <a:tcPr marL="100481" marR="100481" marT="50240" marB="50240" anchor="ctr">
@@ -16528,9 +16534,12 @@
                     <a:lstStyle/>
                     <a:p>
                       <a:pPr algn="ctr"/>
-                      <a:endParaRPr lang="de-DE" sz="1100" dirty="0">
-                        <a:latin typeface="DM Sans" pitchFamily="2" charset="77"/>
-                      </a:endParaRPr>
+                      <a:r>
+                        <a:rPr lang="de-DE" sz="1100" dirty="0">
+                          <a:latin typeface="DM Sans" pitchFamily="2" charset="77"/>
+                        </a:rPr>
+                        <a:t>30,44</a:t>
+                      </a:r>
                     </a:p>
                   </a:txBody>
                   <a:tcPr marL="100481" marR="100481" marT="50240" marB="50240" anchor="ctr">
@@ -16560,7 +16569,10 @@
                     <a:lstStyle/>
                     <a:p>
                       <a:pPr algn="ctr"/>
-                      <a:endParaRPr lang="de-DE" sz="1200" dirty="0"/>
+                      <a:r>
+                        <a:rPr lang="de-DE" sz="1200" dirty="0"/>
+                        <a:t>14,73</a:t>
+                      </a:r>
                     </a:p>
                   </a:txBody>
                   <a:tcPr>
@@ -16590,7 +16602,10 @@
                     <a:lstStyle/>
                     <a:p>
                       <a:pPr algn="ctr"/>
-                      <a:endParaRPr lang="de-DE" sz="1200" dirty="0"/>
+                      <a:r>
+                        <a:rPr lang="de-DE" sz="1200" dirty="0"/>
+                        <a:t>49,67</a:t>
+                      </a:r>
                     </a:p>
                   </a:txBody>
                   <a:tcPr>
@@ -16629,9 +16644,12 @@
                     <a:lstStyle/>
                     <a:p>
                       <a:pPr algn="ctr"/>
-                      <a:endParaRPr lang="de-DE" sz="1100" dirty="0">
-                        <a:latin typeface="DM Sans" pitchFamily="2" charset="77"/>
-                      </a:endParaRPr>
+                      <a:r>
+                        <a:rPr lang="de-DE" sz="1100" dirty="0">
+                          <a:latin typeface="DM Sans" pitchFamily="2" charset="77"/>
+                        </a:rPr>
+                        <a:t>104,87</a:t>
+                      </a:r>
                     </a:p>
                   </a:txBody>
                   <a:tcPr marL="100481" marR="100481" marT="50240" marB="50240" anchor="ctr">
@@ -16713,9 +16731,12 @@
                     <a:lstStyle/>
                     <a:p>
                       <a:pPr algn="ctr"/>
-                      <a:endParaRPr lang="de-DE" sz="1100" dirty="0">
-                        <a:latin typeface="DM Sans" pitchFamily="2" charset="77"/>
-                      </a:endParaRPr>
+                      <a:r>
+                        <a:rPr lang="de-DE" sz="1100" dirty="0">
+                          <a:latin typeface="DM Sans" pitchFamily="2" charset="77"/>
+                        </a:rPr>
+                        <a:t>203,16</a:t>
+                      </a:r>
                     </a:p>
                   </a:txBody>
                   <a:tcPr marL="100481" marR="100481" marT="50240" marB="50240" anchor="ctr">
@@ -16754,9 +16775,12 @@
                     <a:lstStyle/>
                     <a:p>
                       <a:pPr algn="ctr"/>
-                      <a:endParaRPr lang="de-DE" sz="1100" dirty="0">
-                        <a:latin typeface="DM Sans" pitchFamily="2" charset="77"/>
-                      </a:endParaRPr>
+                      <a:r>
+                        <a:rPr lang="de-DE" sz="1100" dirty="0">
+                          <a:latin typeface="DM Sans" pitchFamily="2" charset="77"/>
+                        </a:rPr>
+                        <a:t>571,24</a:t>
+                      </a:r>
                     </a:p>
                   </a:txBody>
                   <a:tcPr marL="100481" marR="100481" marT="50240" marB="50240" anchor="ctr">
@@ -16804,9 +16828,12 @@
                     <a:lstStyle/>
                     <a:p>
                       <a:pPr algn="ctr"/>
-                      <a:endParaRPr lang="de-DE" sz="1100" dirty="0">
-                        <a:latin typeface="DM Sans" pitchFamily="2" charset="77"/>
-                      </a:endParaRPr>
+                      <a:r>
+                        <a:rPr lang="de-DE" sz="1100" dirty="0">
+                          <a:latin typeface="DM Sans" pitchFamily="2" charset="77"/>
+                        </a:rPr>
+                        <a:t>37139,49</a:t>
+                      </a:r>
                     </a:p>
                   </a:txBody>
                   <a:tcPr marL="100481" marR="100481" marT="50240" marB="50240" anchor="ctr">
@@ -16845,7 +16872,10 @@
                     <a:lstStyle/>
                     <a:p>
                       <a:pPr algn="ctr"/>
-                      <a:endParaRPr lang="de-DE" sz="1200" dirty="0"/>
+                      <a:r>
+                        <a:rPr lang="de-DE" sz="1200" dirty="0"/>
+                        <a:t>278,74</a:t>
+                      </a:r>
                     </a:p>
                   </a:txBody>
                   <a:tcPr>
@@ -16884,7 +16914,10 @@
                     <a:lstStyle/>
                     <a:p>
                       <a:pPr algn="ctr"/>
-                      <a:endParaRPr lang="de-DE" sz="1200" dirty="0"/>
+                      <a:r>
+                        <a:rPr lang="de-DE" sz="1200" dirty="0"/>
+                        <a:t>1248,97</a:t>
+                      </a:r>
                     </a:p>
                   </a:txBody>
                   <a:tcPr>
@@ -16932,9 +16965,12 @@
                     <a:lstStyle/>
                     <a:p>
                       <a:pPr algn="ctr"/>
-                      <a:endParaRPr lang="de-DE" sz="1100" dirty="0">
-                        <a:latin typeface="DM Sans" pitchFamily="2" charset="77"/>
-                      </a:endParaRPr>
+                      <a:r>
+                        <a:rPr lang="de-DE" sz="1100" dirty="0">
+                          <a:latin typeface="DM Sans" pitchFamily="2" charset="77"/>
+                        </a:rPr>
+                        <a:t>73962,15</a:t>
+                      </a:r>
                     </a:p>
                   </a:txBody>
                   <a:tcPr marL="100481" marR="100481" marT="50240" marB="50240" anchor="ctr">
@@ -17016,9 +17052,12 @@
                     <a:lstStyle/>
                     <a:p>
                       <a:pPr algn="ctr"/>
-                      <a:endParaRPr lang="de-DE" sz="1100" dirty="0">
-                        <a:latin typeface="DM Sans" pitchFamily="2" charset="77"/>
-                      </a:endParaRPr>
+                      <a:r>
+                        <a:rPr lang="de-DE" sz="1100" dirty="0">
+                          <a:latin typeface="DM Sans" pitchFamily="2" charset="77"/>
+                        </a:rPr>
+                        <a:t>66,06</a:t>
+                      </a:r>
                     </a:p>
                   </a:txBody>
                   <a:tcPr marL="100481" marR="100481" marT="50240" marB="50240" anchor="ctr">
@@ -17048,9 +17087,12 @@
                     <a:lstStyle/>
                     <a:p>
                       <a:pPr algn="ctr"/>
-                      <a:endParaRPr lang="de-DE" sz="1100" dirty="0">
-                        <a:latin typeface="DM Sans" pitchFamily="2" charset="77"/>
-                      </a:endParaRPr>
+                      <a:r>
+                        <a:rPr lang="de-DE" sz="1100" dirty="0">
+                          <a:latin typeface="DM Sans" pitchFamily="2" charset="77"/>
+                        </a:rPr>
+                        <a:t>231,68</a:t>
+                      </a:r>
                     </a:p>
                   </a:txBody>
                   <a:tcPr marL="100481" marR="100481" marT="50240" marB="50240" anchor="ctr">
@@ -17089,9 +17131,12 @@
                     <a:lstStyle/>
                     <a:p>
                       <a:pPr algn="ctr"/>
-                      <a:endParaRPr lang="de-DE" sz="1100" dirty="0">
-                        <a:latin typeface="DM Sans" pitchFamily="2" charset="77"/>
-                      </a:endParaRPr>
+                      <a:r>
+                        <a:rPr lang="de-DE" sz="1100" dirty="0">
+                          <a:latin typeface="DM Sans" pitchFamily="2" charset="77"/>
+                        </a:rPr>
+                        <a:t>3279,88</a:t>
+                      </a:r>
                     </a:p>
                   </a:txBody>
                   <a:tcPr marL="100481" marR="100481" marT="50240" marB="50240" anchor="ctr">
@@ -17121,7 +17166,10 @@
                     <a:lstStyle/>
                     <a:p>
                       <a:pPr algn="ctr"/>
-                      <a:endParaRPr lang="de-DE" sz="1200" dirty="0"/>
+                      <a:r>
+                        <a:rPr lang="de-DE" sz="1200" dirty="0"/>
+                        <a:t>40,71</a:t>
+                      </a:r>
                     </a:p>
                   </a:txBody>
                   <a:tcPr>
@@ -17151,7 +17199,10 @@
                     <a:lstStyle/>
                     <a:p>
                       <a:pPr algn="ctr"/>
-                      <a:endParaRPr lang="de-DE" sz="1200" dirty="0"/>
+                      <a:r>
+                        <a:rPr lang="de-DE" sz="1200" dirty="0"/>
+                        <a:t>394,19</a:t>
+                      </a:r>
                     </a:p>
                   </a:txBody>
                   <a:tcPr>
@@ -17190,9 +17241,12 @@
                     <a:lstStyle/>
                     <a:p>
                       <a:pPr algn="ctr"/>
-                      <a:endParaRPr lang="de-DE" sz="1100" dirty="0">
-                        <a:latin typeface="DM Sans" pitchFamily="2" charset="77"/>
-                      </a:endParaRPr>
+                      <a:r>
+                        <a:rPr lang="de-DE" sz="1100" dirty="0">
+                          <a:latin typeface="DM Sans" pitchFamily="2" charset="77"/>
+                        </a:rPr>
+                        <a:t>9052,81</a:t>
+                      </a:r>
                     </a:p>
                   </a:txBody>
                   <a:tcPr marL="100481" marR="100481" marT="50240" marB="50240" anchor="ctr">

--- a/presentations/PJ_KI_MST3.pptx
+++ b/presentations/PJ_KI_MST3.pptx
@@ -284,7 +284,7 @@
           <a:p>
             <a:fld id="{17468778-AD1E-48E6-A1B1-00A628170ED2}" type="datetimeFigureOut">
               <a:rPr lang="de-DE" smtClean="0"/>
-              <a:t>19.06.2023</a:t>
+              <a:t>19.06.23</a:t>
             </a:fld>
             <a:endParaRPr lang="de-DE"/>
           </a:p>
@@ -482,7 +482,7 @@
           <a:p>
             <a:fld id="{17468778-AD1E-48E6-A1B1-00A628170ED2}" type="datetimeFigureOut">
               <a:rPr lang="de-DE" smtClean="0"/>
-              <a:t>19.06.2023</a:t>
+              <a:t>19.06.23</a:t>
             </a:fld>
             <a:endParaRPr lang="de-DE"/>
           </a:p>
@@ -690,7 +690,7 @@
           <a:p>
             <a:fld id="{17468778-AD1E-48E6-A1B1-00A628170ED2}" type="datetimeFigureOut">
               <a:rPr lang="de-DE" smtClean="0"/>
-              <a:t>19.06.2023</a:t>
+              <a:t>19.06.23</a:t>
             </a:fld>
             <a:endParaRPr lang="de-DE"/>
           </a:p>
@@ -888,7 +888,7 @@
           <a:p>
             <a:fld id="{17468778-AD1E-48E6-A1B1-00A628170ED2}" type="datetimeFigureOut">
               <a:rPr lang="de-DE" smtClean="0"/>
-              <a:t>19.06.2023</a:t>
+              <a:t>19.06.23</a:t>
             </a:fld>
             <a:endParaRPr lang="de-DE"/>
           </a:p>
@@ -1163,7 +1163,7 @@
           <a:p>
             <a:fld id="{17468778-AD1E-48E6-A1B1-00A628170ED2}" type="datetimeFigureOut">
               <a:rPr lang="de-DE" smtClean="0"/>
-              <a:t>19.06.2023</a:t>
+              <a:t>19.06.23</a:t>
             </a:fld>
             <a:endParaRPr lang="de-DE"/>
           </a:p>
@@ -1428,7 +1428,7 @@
           <a:p>
             <a:fld id="{17468778-AD1E-48E6-A1B1-00A628170ED2}" type="datetimeFigureOut">
               <a:rPr lang="de-DE" smtClean="0"/>
-              <a:t>19.06.2023</a:t>
+              <a:t>19.06.23</a:t>
             </a:fld>
             <a:endParaRPr lang="de-DE"/>
           </a:p>
@@ -1840,7 +1840,7 @@
           <a:p>
             <a:fld id="{17468778-AD1E-48E6-A1B1-00A628170ED2}" type="datetimeFigureOut">
               <a:rPr lang="de-DE" smtClean="0"/>
-              <a:t>19.06.2023</a:t>
+              <a:t>19.06.23</a:t>
             </a:fld>
             <a:endParaRPr lang="de-DE"/>
           </a:p>
@@ -1981,7 +1981,7 @@
           <a:p>
             <a:fld id="{17468778-AD1E-48E6-A1B1-00A628170ED2}" type="datetimeFigureOut">
               <a:rPr lang="de-DE" smtClean="0"/>
-              <a:t>19.06.2023</a:t>
+              <a:t>19.06.23</a:t>
             </a:fld>
             <a:endParaRPr lang="de-DE"/>
           </a:p>
@@ -2094,7 +2094,7 @@
           <a:p>
             <a:fld id="{17468778-AD1E-48E6-A1B1-00A628170ED2}" type="datetimeFigureOut">
               <a:rPr lang="de-DE" smtClean="0"/>
-              <a:t>19.06.2023</a:t>
+              <a:t>19.06.23</a:t>
             </a:fld>
             <a:endParaRPr lang="de-DE"/>
           </a:p>
@@ -2405,7 +2405,7 @@
           <a:p>
             <a:fld id="{17468778-AD1E-48E6-A1B1-00A628170ED2}" type="datetimeFigureOut">
               <a:rPr lang="de-DE" smtClean="0"/>
-              <a:t>19.06.2023</a:t>
+              <a:t>19.06.23</a:t>
             </a:fld>
             <a:endParaRPr lang="de-DE"/>
           </a:p>
@@ -2693,7 +2693,7 @@
           <a:p>
             <a:fld id="{17468778-AD1E-48E6-A1B1-00A628170ED2}" type="datetimeFigureOut">
               <a:rPr lang="de-DE" smtClean="0"/>
-              <a:t>19.06.2023</a:t>
+              <a:t>19.06.23</a:t>
             </a:fld>
             <a:endParaRPr lang="de-DE"/>
           </a:p>
@@ -2934,7 +2934,7 @@
           <a:p>
             <a:fld id="{17468778-AD1E-48E6-A1B1-00A628170ED2}" type="datetimeFigureOut">
               <a:rPr lang="de-DE" smtClean="0"/>
-              <a:t>19.06.2023</a:t>
+              <a:t>19.06.23</a:t>
             </a:fld>
             <a:endParaRPr lang="de-DE"/>
           </a:p>
@@ -3825,7 +3825,7 @@
           <p:nvPr>
             <p:extLst>
               <p:ext uri="{D42A27DB-BD31-4B8C-83A1-F6EECF244321}">
-                <p14:modId xmlns:p14="http://schemas.microsoft.com/office/powerpoint/2010/main" val="1651489736"/>
+                <p14:modId xmlns:p14="http://schemas.microsoft.com/office/powerpoint/2010/main" val="648856297"/>
               </p:ext>
             </p:extLst>
           </p:nvPr>
@@ -4515,10 +4515,15 @@
                     <a:lstStyle/>
                     <a:p>
                       <a:pPr algn="ctr"/>
-                      <a:endParaRPr lang="de-DE" sz="1200" dirty="0"/>
-                    </a:p>
-                  </a:txBody>
-                  <a:tcPr>
+                      <a:r>
+                        <a:rPr lang="de-DE" sz="1200" dirty="0">
+                          <a:latin typeface="DM Sans" pitchFamily="2" charset="77"/>
+                        </a:rPr>
+                        <a:t>12,90</a:t>
+                      </a:r>
+                    </a:p>
+                  </a:txBody>
+                  <a:tcPr anchor="ctr">
                     <a:lnR w="12700" cap="flat" cmpd="sng" algn="ctr">
                       <a:solidFill>
                         <a:schemeClr val="tx1"/>
@@ -4545,10 +4550,15 @@
                     <a:lstStyle/>
                     <a:p>
                       <a:pPr algn="ctr"/>
-                      <a:endParaRPr lang="de-DE" sz="1200" dirty="0"/>
-                    </a:p>
-                  </a:txBody>
-                  <a:tcPr>
+                      <a:r>
+                        <a:rPr lang="de-DE" sz="1200" dirty="0">
+                          <a:latin typeface="DM Sans" pitchFamily="2" charset="77"/>
+                        </a:rPr>
+                        <a:t>69,71</a:t>
+                      </a:r>
+                    </a:p>
+                  </a:txBody>
+                  <a:tcPr anchor="ctr">
                     <a:lnL w="12700" cap="flat" cmpd="sng" algn="ctr">
                       <a:solidFill>
                         <a:schemeClr val="tx1"/>
@@ -4584,9 +4594,12 @@
                     <a:lstStyle/>
                     <a:p>
                       <a:pPr algn="ctr"/>
-                      <a:endParaRPr lang="de-DE" sz="1100" dirty="0">
-                        <a:latin typeface="DM Sans" pitchFamily="2" charset="77"/>
-                      </a:endParaRPr>
+                      <a:r>
+                        <a:rPr lang="de-DE" sz="1100" dirty="0">
+                          <a:latin typeface="DM Sans" pitchFamily="2" charset="77"/>
+                        </a:rPr>
+                        <a:t>129,15</a:t>
+                      </a:r>
                     </a:p>
                   </a:txBody>
                   <a:tcPr marL="100481" marR="100481" marT="50240" marB="50240" anchor="ctr">
@@ -4800,10 +4813,15 @@
                     <a:lstStyle/>
                     <a:p>
                       <a:pPr algn="ctr"/>
-                      <a:endParaRPr lang="de-DE" sz="1200" dirty="0"/>
-                    </a:p>
-                  </a:txBody>
-                  <a:tcPr>
+                      <a:r>
+                        <a:rPr lang="de-DE" sz="1200" dirty="0">
+                          <a:latin typeface="DM Sans" pitchFamily="2" charset="77"/>
+                        </a:rPr>
+                        <a:t>261,25</a:t>
+                      </a:r>
+                    </a:p>
+                  </a:txBody>
+                  <a:tcPr anchor="ctr">
                     <a:lnR w="12700" cap="flat" cmpd="sng" algn="ctr">
                       <a:solidFill>
                         <a:schemeClr val="tx1"/>
@@ -4839,10 +4857,15 @@
                     <a:lstStyle/>
                     <a:p>
                       <a:pPr algn="ctr"/>
-                      <a:endParaRPr lang="de-DE" sz="1200" dirty="0"/>
-                    </a:p>
-                  </a:txBody>
-                  <a:tcPr>
+                      <a:r>
+                        <a:rPr lang="de-DE" sz="1200" dirty="0">
+                          <a:latin typeface="DM Sans" pitchFamily="2" charset="77"/>
+                        </a:rPr>
+                        <a:t>1117,79</a:t>
+                      </a:r>
+                    </a:p>
+                  </a:txBody>
+                  <a:tcPr anchor="ctr">
                     <a:lnL w="12700" cap="flat" cmpd="sng" algn="ctr">
                       <a:solidFill>
                         <a:schemeClr val="tx1"/>
@@ -4887,9 +4910,12 @@
                     <a:lstStyle/>
                     <a:p>
                       <a:pPr algn="ctr"/>
-                      <a:endParaRPr lang="de-DE" sz="1100" dirty="0">
-                        <a:latin typeface="DM Sans" pitchFamily="2" charset="77"/>
-                      </a:endParaRPr>
+                      <a:r>
+                        <a:rPr lang="de-DE" sz="1100" dirty="0">
+                          <a:latin typeface="DM Sans" pitchFamily="2" charset="77"/>
+                        </a:rPr>
+                        <a:t>66706,03</a:t>
+                      </a:r>
                     </a:p>
                   </a:txBody>
                   <a:tcPr marL="100481" marR="100481" marT="50240" marB="50240" anchor="ctr">
@@ -5076,10 +5102,15 @@
                     <a:lstStyle/>
                     <a:p>
                       <a:pPr algn="ctr"/>
-                      <a:endParaRPr lang="de-DE" sz="1200" dirty="0"/>
-                    </a:p>
-                  </a:txBody>
-                  <a:tcPr>
+                      <a:r>
+                        <a:rPr lang="de-DE" sz="1200" dirty="0">
+                          <a:latin typeface="DM Sans" pitchFamily="2" charset="77"/>
+                        </a:rPr>
+                        <a:t>36,54</a:t>
+                      </a:r>
+                    </a:p>
+                  </a:txBody>
+                  <a:tcPr anchor="ctr">
                     <a:lnR w="12700" cap="flat" cmpd="sng" algn="ctr">
                       <a:solidFill>
                         <a:schemeClr val="tx1"/>
@@ -5106,10 +5137,15 @@
                     <a:lstStyle/>
                     <a:p>
                       <a:pPr algn="ctr"/>
-                      <a:endParaRPr lang="de-DE" sz="1200" dirty="0"/>
-                    </a:p>
-                  </a:txBody>
-                  <a:tcPr>
+                      <a:r>
+                        <a:rPr lang="de-DE" sz="1200" dirty="0">
+                          <a:latin typeface="DM Sans" pitchFamily="2" charset="77"/>
+                        </a:rPr>
+                        <a:t>360,62</a:t>
+                      </a:r>
+                    </a:p>
+                  </a:txBody>
+                  <a:tcPr anchor="ctr">
                     <a:lnL w="12700" cap="flat" cmpd="sng" algn="ctr">
                       <a:solidFill>
                         <a:schemeClr val="tx1"/>
@@ -5145,9 +5181,12 @@
                     <a:lstStyle/>
                     <a:p>
                       <a:pPr algn="ctr"/>
-                      <a:endParaRPr lang="de-DE" sz="1100" dirty="0">
-                        <a:latin typeface="DM Sans" pitchFamily="2" charset="77"/>
-                      </a:endParaRPr>
+                      <a:r>
+                        <a:rPr lang="de-DE" sz="1100" dirty="0">
+                          <a:latin typeface="DM Sans" pitchFamily="2" charset="77"/>
+                        </a:rPr>
+                        <a:t>7711,11</a:t>
+                      </a:r>
                     </a:p>
                   </a:txBody>
                   <a:tcPr marL="100481" marR="100481" marT="50240" marB="50240" anchor="ctr">
@@ -5348,7 +5387,10 @@
                     <a:lstStyle/>
                     <a:p>
                       <a:pPr algn="ctr"/>
-                      <a:endParaRPr lang="de-DE" sz="1200" dirty="0"/>
+                      <a:r>
+                        <a:rPr lang="de-DE" sz="1200" dirty="0"/>
+                        <a:t>14,73</a:t>
+                      </a:r>
                     </a:p>
                   </a:txBody>
                   <a:tcPr>
@@ -5378,7 +5420,10 @@
                     <a:lstStyle/>
                     <a:p>
                       <a:pPr algn="ctr"/>
-                      <a:endParaRPr lang="de-DE" sz="1200" dirty="0"/>
+                      <a:r>
+                        <a:rPr lang="de-DE" sz="1200" dirty="0"/>
+                        <a:t>49,67</a:t>
+                      </a:r>
                     </a:p>
                   </a:txBody>
                   <a:tcPr>
@@ -5417,9 +5462,12 @@
                     <a:lstStyle/>
                     <a:p>
                       <a:pPr algn="ctr"/>
-                      <a:endParaRPr lang="de-DE" sz="1100" dirty="0">
-                        <a:latin typeface="DM Sans" pitchFamily="2" charset="77"/>
-                      </a:endParaRPr>
+                      <a:r>
+                        <a:rPr lang="de-DE" sz="1100" dirty="0">
+                          <a:latin typeface="DM Sans" pitchFamily="2" charset="77"/>
+                        </a:rPr>
+                        <a:t>104,87</a:t>
+                      </a:r>
                     </a:p>
                   </a:txBody>
                   <a:tcPr marL="100481" marR="100481" marT="50240" marB="50240" anchor="ctr">
@@ -5633,7 +5681,10 @@
                     <a:lstStyle/>
                     <a:p>
                       <a:pPr algn="ctr"/>
-                      <a:endParaRPr lang="de-DE" sz="1200" dirty="0"/>
+                      <a:r>
+                        <a:rPr lang="de-DE" sz="1200" dirty="0"/>
+                        <a:t>278,74</a:t>
+                      </a:r>
                     </a:p>
                   </a:txBody>
                   <a:tcPr>
@@ -5672,7 +5723,10 @@
                     <a:lstStyle/>
                     <a:p>
                       <a:pPr algn="ctr"/>
-                      <a:endParaRPr lang="de-DE" sz="1200" dirty="0"/>
+                      <a:r>
+                        <a:rPr lang="de-DE" sz="1200" dirty="0"/>
+                        <a:t>1248,97</a:t>
+                      </a:r>
                     </a:p>
                   </a:txBody>
                   <a:tcPr>
@@ -5720,9 +5774,12 @@
                     <a:lstStyle/>
                     <a:p>
                       <a:pPr algn="ctr"/>
-                      <a:endParaRPr lang="de-DE" sz="1100" dirty="0">
-                        <a:latin typeface="DM Sans" pitchFamily="2" charset="77"/>
-                      </a:endParaRPr>
+                      <a:r>
+                        <a:rPr lang="de-DE" sz="1100" dirty="0">
+                          <a:latin typeface="DM Sans" pitchFamily="2" charset="77"/>
+                        </a:rPr>
+                        <a:t>73962,15</a:t>
+                      </a:r>
                     </a:p>
                   </a:txBody>
                   <a:tcPr marL="100481" marR="100481" marT="50240" marB="50240" anchor="ctr">
@@ -5909,7 +5966,10 @@
                     <a:lstStyle/>
                     <a:p>
                       <a:pPr algn="ctr"/>
-                      <a:endParaRPr lang="de-DE" sz="1200" dirty="0"/>
+                      <a:r>
+                        <a:rPr lang="de-DE" sz="1200" dirty="0"/>
+                        <a:t>40,71</a:t>
+                      </a:r>
                     </a:p>
                   </a:txBody>
                   <a:tcPr>
@@ -5939,7 +5999,10 @@
                     <a:lstStyle/>
                     <a:p>
                       <a:pPr algn="ctr"/>
-                      <a:endParaRPr lang="de-DE" sz="1200" dirty="0"/>
+                      <a:r>
+                        <a:rPr lang="de-DE" sz="1200" dirty="0"/>
+                        <a:t>394,19</a:t>
+                      </a:r>
                     </a:p>
                   </a:txBody>
                   <a:tcPr>
@@ -5978,9 +6041,12 @@
                     <a:lstStyle/>
                     <a:p>
                       <a:pPr algn="ctr"/>
-                      <a:endParaRPr lang="de-DE" sz="1100" dirty="0">
-                        <a:latin typeface="DM Sans" pitchFamily="2" charset="77"/>
-                      </a:endParaRPr>
+                      <a:r>
+                        <a:rPr lang="de-DE" sz="1100" dirty="0">
+                          <a:latin typeface="DM Sans" pitchFamily="2" charset="77"/>
+                        </a:rPr>
+                        <a:t>9052,81</a:t>
+                      </a:r>
                     </a:p>
                   </a:txBody>
                   <a:tcPr marL="100481" marR="100481" marT="50240" marB="50240" anchor="ctr">
@@ -10524,7 +10590,7 @@
           <p:nvPr>
             <p:extLst>
               <p:ext uri="{D42A27DB-BD31-4B8C-83A1-F6EECF244321}">
-                <p14:modId xmlns:p14="http://schemas.microsoft.com/office/powerpoint/2010/main" val="2693118357"/>
+                <p14:modId xmlns:p14="http://schemas.microsoft.com/office/powerpoint/2010/main" val="2130824268"/>
               </p:ext>
             </p:extLst>
           </p:nvPr>
@@ -11109,9 +11175,12 @@
                     <a:lstStyle/>
                     <a:p>
                       <a:pPr algn="ctr"/>
-                      <a:endParaRPr lang="de-DE" sz="1100" dirty="0">
-                        <a:latin typeface="DM Sans" pitchFamily="2" charset="77"/>
-                      </a:endParaRPr>
+                      <a:r>
+                        <a:rPr lang="de-DE" sz="1100" dirty="0">
+                          <a:latin typeface="DM Sans" pitchFamily="2" charset="77"/>
+                        </a:rPr>
+                        <a:t>16,97</a:t>
+                      </a:r>
                     </a:p>
                   </a:txBody>
                   <a:tcPr marL="100481" marR="100481" marT="50240" marB="50240" anchor="ctr">
@@ -11141,9 +11210,12 @@
                     <a:lstStyle/>
                     <a:p>
                       <a:pPr algn="ctr"/>
-                      <a:endParaRPr lang="de-DE" sz="1100" dirty="0">
-                        <a:latin typeface="DM Sans" pitchFamily="2" charset="77"/>
-                      </a:endParaRPr>
+                      <a:r>
+                        <a:rPr lang="de-DE" sz="1100" dirty="0">
+                          <a:latin typeface="DM Sans" pitchFamily="2" charset="77"/>
+                        </a:rPr>
+                        <a:t>55,21</a:t>
+                      </a:r>
                     </a:p>
                   </a:txBody>
                   <a:tcPr marL="100481" marR="100481" marT="50240" marB="50240" anchor="ctr">
@@ -11182,9 +11254,12 @@
                     <a:lstStyle/>
                     <a:p>
                       <a:pPr algn="ctr"/>
-                      <a:endParaRPr lang="de-DE" sz="1100" dirty="0">
-                        <a:latin typeface="DM Sans" pitchFamily="2" charset="77"/>
-                      </a:endParaRPr>
+                      <a:r>
+                        <a:rPr lang="de-DE" sz="1100" dirty="0">
+                          <a:latin typeface="DM Sans" pitchFamily="2" charset="77"/>
+                        </a:rPr>
+                        <a:t>64,51</a:t>
+                      </a:r>
                     </a:p>
                   </a:txBody>
                   <a:tcPr marL="100481" marR="100481" marT="50240" marB="50240" anchor="ctr">
@@ -11214,10 +11289,15 @@
                     <a:lstStyle/>
                     <a:p>
                       <a:pPr algn="ctr"/>
-                      <a:endParaRPr lang="de-DE" sz="1200" dirty="0"/>
-                    </a:p>
-                  </a:txBody>
-                  <a:tcPr>
+                      <a:r>
+                        <a:rPr lang="de-DE" sz="1200" dirty="0">
+                          <a:latin typeface="DM Sans" pitchFamily="2" charset="77"/>
+                        </a:rPr>
+                        <a:t>12,90</a:t>
+                      </a:r>
+                    </a:p>
+                  </a:txBody>
+                  <a:tcPr anchor="ctr">
                     <a:lnR w="12700" cap="flat" cmpd="sng" algn="ctr">
                       <a:solidFill>
                         <a:schemeClr val="tx1"/>
@@ -11244,10 +11324,15 @@
                     <a:lstStyle/>
                     <a:p>
                       <a:pPr algn="ctr"/>
-                      <a:endParaRPr lang="de-DE" sz="1200" dirty="0"/>
-                    </a:p>
-                  </a:txBody>
-                  <a:tcPr>
+                      <a:r>
+                        <a:rPr lang="de-DE" sz="1200" dirty="0">
+                          <a:latin typeface="DM Sans" pitchFamily="2" charset="77"/>
+                        </a:rPr>
+                        <a:t>69,71</a:t>
+                      </a:r>
+                    </a:p>
+                  </a:txBody>
+                  <a:tcPr anchor="ctr">
                     <a:lnL w="12700" cap="flat" cmpd="sng" algn="ctr">
                       <a:solidFill>
                         <a:schemeClr val="tx1"/>
@@ -11283,9 +11368,12 @@
                     <a:lstStyle/>
                     <a:p>
                       <a:pPr algn="ctr"/>
-                      <a:endParaRPr lang="de-DE" sz="1100" dirty="0">
-                        <a:latin typeface="DM Sans" pitchFamily="2" charset="77"/>
-                      </a:endParaRPr>
+                      <a:r>
+                        <a:rPr lang="de-DE" sz="1100" dirty="0">
+                          <a:latin typeface="DM Sans" pitchFamily="2" charset="77"/>
+                        </a:rPr>
+                        <a:t>129,15</a:t>
+                      </a:r>
                     </a:p>
                   </a:txBody>
                   <a:tcPr marL="100481" marR="100481" marT="50240" marB="50240" anchor="ctr">
@@ -11367,9 +11455,12 @@
                     <a:lstStyle/>
                     <a:p>
                       <a:pPr algn="ctr"/>
-                      <a:endParaRPr lang="de-DE" sz="1100" dirty="0">
-                        <a:latin typeface="DM Sans" pitchFamily="2" charset="77"/>
-                      </a:endParaRPr>
+                      <a:r>
+                        <a:rPr lang="de-DE" sz="1100" dirty="0">
+                          <a:latin typeface="DM Sans" pitchFamily="2" charset="77"/>
+                        </a:rPr>
+                        <a:t>289,23</a:t>
+                      </a:r>
                     </a:p>
                   </a:txBody>
                   <a:tcPr marL="100481" marR="100481" marT="50240" marB="50240" anchor="ctr">
@@ -11408,9 +11499,12 @@
                     <a:lstStyle/>
                     <a:p>
                       <a:pPr algn="ctr"/>
-                      <a:endParaRPr lang="de-DE" sz="1100" dirty="0">
-                        <a:latin typeface="DM Sans" pitchFamily="2" charset="77"/>
-                      </a:endParaRPr>
+                      <a:r>
+                        <a:rPr lang="de-DE" sz="1100" dirty="0">
+                          <a:latin typeface="DM Sans" pitchFamily="2" charset="77"/>
+                        </a:rPr>
+                        <a:t>744,70</a:t>
+                      </a:r>
                     </a:p>
                   </a:txBody>
                   <a:tcPr marL="100481" marR="100481" marT="50240" marB="50240" anchor="ctr">
@@ -11458,9 +11552,12 @@
                     <a:lstStyle/>
                     <a:p>
                       <a:pPr algn="ctr"/>
-                      <a:endParaRPr lang="de-DE" sz="1100" dirty="0">
-                        <a:latin typeface="DM Sans" pitchFamily="2" charset="77"/>
-                      </a:endParaRPr>
+                      <a:r>
+                        <a:rPr lang="de-DE" sz="1100" dirty="0">
+                          <a:latin typeface="DM Sans" pitchFamily="2" charset="77"/>
+                        </a:rPr>
+                        <a:t>29119,68</a:t>
+                      </a:r>
                     </a:p>
                   </a:txBody>
                   <a:tcPr marL="100481" marR="100481" marT="50240" marB="50240" anchor="ctr">
@@ -11499,10 +11596,15 @@
                     <a:lstStyle/>
                     <a:p>
                       <a:pPr algn="ctr"/>
-                      <a:endParaRPr lang="de-DE" sz="1200" dirty="0"/>
-                    </a:p>
-                  </a:txBody>
-                  <a:tcPr>
+                      <a:r>
+                        <a:rPr lang="de-DE" sz="1200" dirty="0">
+                          <a:latin typeface="DM Sans" pitchFamily="2" charset="77"/>
+                        </a:rPr>
+                        <a:t>261,25</a:t>
+                      </a:r>
+                    </a:p>
+                  </a:txBody>
+                  <a:tcPr anchor="ctr">
                     <a:lnR w="12700" cap="flat" cmpd="sng" algn="ctr">
                       <a:solidFill>
                         <a:schemeClr val="tx1"/>
@@ -11538,10 +11640,15 @@
                     <a:lstStyle/>
                     <a:p>
                       <a:pPr algn="ctr"/>
-                      <a:endParaRPr lang="de-DE" sz="1200" dirty="0"/>
-                    </a:p>
-                  </a:txBody>
-                  <a:tcPr>
+                      <a:r>
+                        <a:rPr lang="de-DE" sz="1200" dirty="0">
+                          <a:latin typeface="DM Sans" pitchFamily="2" charset="77"/>
+                        </a:rPr>
+                        <a:t>1117,79</a:t>
+                      </a:r>
+                    </a:p>
+                  </a:txBody>
+                  <a:tcPr anchor="ctr">
                     <a:lnL w="12700" cap="flat" cmpd="sng" algn="ctr">
                       <a:solidFill>
                         <a:schemeClr val="tx1"/>
@@ -11586,9 +11693,12 @@
                     <a:lstStyle/>
                     <a:p>
                       <a:pPr algn="ctr"/>
-                      <a:endParaRPr lang="de-DE" sz="1100" dirty="0">
-                        <a:latin typeface="DM Sans" pitchFamily="2" charset="77"/>
-                      </a:endParaRPr>
+                      <a:r>
+                        <a:rPr lang="de-DE" sz="1100" dirty="0">
+                          <a:latin typeface="DM Sans" pitchFamily="2" charset="77"/>
+                        </a:rPr>
+                        <a:t>66706,03</a:t>
+                      </a:r>
                     </a:p>
                   </a:txBody>
                   <a:tcPr marL="100481" marR="100481" marT="50240" marB="50240" anchor="ctr">
@@ -11670,9 +11780,12 @@
                     <a:lstStyle/>
                     <a:p>
                       <a:pPr algn="ctr"/>
-                      <a:endParaRPr lang="de-DE" sz="1100" dirty="0">
-                        <a:latin typeface="DM Sans" pitchFamily="2" charset="77"/>
-                      </a:endParaRPr>
+                      <a:r>
+                        <a:rPr lang="de-DE" sz="1100" dirty="0">
+                          <a:latin typeface="DM Sans" pitchFamily="2" charset="77"/>
+                        </a:rPr>
+                        <a:t>45,69</a:t>
+                      </a:r>
                     </a:p>
                   </a:txBody>
                   <a:tcPr marL="100481" marR="100481" marT="50240" marB="50240" anchor="ctr">
@@ -11702,9 +11815,12 @@
                     <a:lstStyle/>
                     <a:p>
                       <a:pPr algn="ctr"/>
-                      <a:endParaRPr lang="de-DE" sz="1100" dirty="0">
-                        <a:latin typeface="DM Sans" pitchFamily="2" charset="77"/>
-                      </a:endParaRPr>
+                      <a:r>
+                        <a:rPr lang="de-DE" sz="1100" dirty="0">
+                          <a:latin typeface="DM Sans" pitchFamily="2" charset="77"/>
+                        </a:rPr>
+                        <a:t>215,82</a:t>
+                      </a:r>
                     </a:p>
                   </a:txBody>
                   <a:tcPr marL="100481" marR="100481" marT="50240" marB="50240" anchor="ctr">
@@ -11743,9 +11859,12 @@
                     <a:lstStyle/>
                     <a:p>
                       <a:pPr algn="ctr"/>
-                      <a:endParaRPr lang="de-DE" sz="1100" dirty="0">
-                        <a:latin typeface="DM Sans" pitchFamily="2" charset="77"/>
-                      </a:endParaRPr>
+                      <a:r>
+                        <a:rPr lang="de-DE" sz="1100" dirty="0">
+                          <a:latin typeface="DM Sans" pitchFamily="2" charset="77"/>
+                        </a:rPr>
+                        <a:t>3867,48</a:t>
+                      </a:r>
                     </a:p>
                   </a:txBody>
                   <a:tcPr marL="100481" marR="100481" marT="50240" marB="50240" anchor="ctr">
@@ -11775,10 +11894,15 @@
                     <a:lstStyle/>
                     <a:p>
                       <a:pPr algn="ctr"/>
-                      <a:endParaRPr lang="de-DE" sz="1200" dirty="0"/>
-                    </a:p>
-                  </a:txBody>
-                  <a:tcPr>
+                      <a:r>
+                        <a:rPr lang="de-DE" sz="1200" dirty="0">
+                          <a:latin typeface="DM Sans" pitchFamily="2" charset="77"/>
+                        </a:rPr>
+                        <a:t>36,54</a:t>
+                      </a:r>
+                    </a:p>
+                  </a:txBody>
+                  <a:tcPr anchor="ctr">
                     <a:lnR w="12700" cap="flat" cmpd="sng" algn="ctr">
                       <a:solidFill>
                         <a:schemeClr val="tx1"/>
@@ -11805,10 +11929,15 @@
                     <a:lstStyle/>
                     <a:p>
                       <a:pPr algn="ctr"/>
-                      <a:endParaRPr lang="de-DE" sz="1200" dirty="0"/>
-                    </a:p>
-                  </a:txBody>
-                  <a:tcPr>
+                      <a:r>
+                        <a:rPr lang="de-DE" sz="1200" dirty="0">
+                          <a:latin typeface="DM Sans" pitchFamily="2" charset="77"/>
+                        </a:rPr>
+                        <a:t>360,62</a:t>
+                      </a:r>
+                    </a:p>
+                  </a:txBody>
+                  <a:tcPr anchor="ctr">
                     <a:lnL w="12700" cap="flat" cmpd="sng" algn="ctr">
                       <a:solidFill>
                         <a:schemeClr val="tx1"/>
@@ -11844,9 +11973,12 @@
                     <a:lstStyle/>
                     <a:p>
                       <a:pPr algn="ctr"/>
-                      <a:endParaRPr lang="de-DE" sz="1100" dirty="0">
-                        <a:latin typeface="DM Sans" pitchFamily="2" charset="77"/>
-                      </a:endParaRPr>
+                      <a:r>
+                        <a:rPr lang="de-DE" sz="1100" dirty="0">
+                          <a:latin typeface="DM Sans" pitchFamily="2" charset="77"/>
+                        </a:rPr>
+                        <a:t>7711,11</a:t>
+                      </a:r>
                     </a:p>
                   </a:txBody>
                   <a:tcPr marL="100481" marR="100481" marT="50240" marB="50240" anchor="ctr">
@@ -12047,7 +12179,10 @@
                     <a:lstStyle/>
                     <a:p>
                       <a:pPr algn="ctr"/>
-                      <a:endParaRPr lang="de-DE" sz="1200" dirty="0"/>
+                      <a:r>
+                        <a:rPr lang="de-DE" sz="1200" dirty="0"/>
+                        <a:t>14,73</a:t>
+                      </a:r>
                     </a:p>
                   </a:txBody>
                   <a:tcPr>
@@ -12077,7 +12212,10 @@
                     <a:lstStyle/>
                     <a:p>
                       <a:pPr algn="ctr"/>
-                      <a:endParaRPr lang="de-DE" sz="1200" dirty="0"/>
+                      <a:r>
+                        <a:rPr lang="de-DE" sz="1200" dirty="0"/>
+                        <a:t>49,67</a:t>
+                      </a:r>
                     </a:p>
                   </a:txBody>
                   <a:tcPr>
@@ -12116,9 +12254,12 @@
                     <a:lstStyle/>
                     <a:p>
                       <a:pPr algn="ctr"/>
-                      <a:endParaRPr lang="de-DE" sz="1100" dirty="0">
-                        <a:latin typeface="DM Sans" pitchFamily="2" charset="77"/>
-                      </a:endParaRPr>
+                      <a:r>
+                        <a:rPr lang="de-DE" sz="1100" dirty="0">
+                          <a:latin typeface="DM Sans" pitchFamily="2" charset="77"/>
+                        </a:rPr>
+                        <a:t>104,87</a:t>
+                      </a:r>
                     </a:p>
                   </a:txBody>
                   <a:tcPr marL="100481" marR="100481" marT="50240" marB="50240" anchor="ctr">
@@ -12332,7 +12473,10 @@
                     <a:lstStyle/>
                     <a:p>
                       <a:pPr algn="ctr"/>
-                      <a:endParaRPr lang="de-DE" sz="1200" dirty="0"/>
+                      <a:r>
+                        <a:rPr lang="de-DE" sz="1200" dirty="0"/>
+                        <a:t>278,74</a:t>
+                      </a:r>
                     </a:p>
                   </a:txBody>
                   <a:tcPr>
@@ -12371,7 +12515,10 @@
                     <a:lstStyle/>
                     <a:p>
                       <a:pPr algn="ctr"/>
-                      <a:endParaRPr lang="de-DE" sz="1200" dirty="0"/>
+                      <a:r>
+                        <a:rPr lang="de-DE" sz="1200" dirty="0"/>
+                        <a:t>1248,97</a:t>
+                      </a:r>
                     </a:p>
                   </a:txBody>
                   <a:tcPr>
@@ -12419,9 +12566,12 @@
                     <a:lstStyle/>
                     <a:p>
                       <a:pPr algn="ctr"/>
-                      <a:endParaRPr lang="de-DE" sz="1100" dirty="0">
-                        <a:latin typeface="DM Sans" pitchFamily="2" charset="77"/>
-                      </a:endParaRPr>
+                      <a:r>
+                        <a:rPr lang="de-DE" sz="1100" dirty="0">
+                          <a:latin typeface="DM Sans" pitchFamily="2" charset="77"/>
+                        </a:rPr>
+                        <a:t>73962,15</a:t>
+                      </a:r>
                     </a:p>
                   </a:txBody>
                   <a:tcPr marL="100481" marR="100481" marT="50240" marB="50240" anchor="ctr">
@@ -12608,7 +12758,10 @@
                     <a:lstStyle/>
                     <a:p>
                       <a:pPr algn="ctr"/>
-                      <a:endParaRPr lang="de-DE" sz="1200" dirty="0"/>
+                      <a:r>
+                        <a:rPr lang="de-DE" sz="1200" dirty="0"/>
+                        <a:t>40,71</a:t>
+                      </a:r>
                     </a:p>
                   </a:txBody>
                   <a:tcPr>
@@ -12638,7 +12791,10 @@
                     <a:lstStyle/>
                     <a:p>
                       <a:pPr algn="ctr"/>
-                      <a:endParaRPr lang="de-DE" sz="1200" dirty="0"/>
+                      <a:r>
+                        <a:rPr lang="de-DE" sz="1200" dirty="0"/>
+                        <a:t>394,19</a:t>
+                      </a:r>
                     </a:p>
                   </a:txBody>
                   <a:tcPr>
@@ -12677,9 +12833,12 @@
                     <a:lstStyle/>
                     <a:p>
                       <a:pPr algn="ctr"/>
-                      <a:endParaRPr lang="de-DE" sz="1100" dirty="0">
-                        <a:latin typeface="DM Sans" pitchFamily="2" charset="77"/>
-                      </a:endParaRPr>
+                      <a:r>
+                        <a:rPr lang="de-DE" sz="1100" dirty="0">
+                          <a:latin typeface="DM Sans" pitchFamily="2" charset="77"/>
+                        </a:rPr>
+                        <a:t>9052,81</a:t>
+                      </a:r>
                     </a:p>
                   </a:txBody>
                   <a:tcPr marL="100481" marR="100481" marT="50240" marB="50240" anchor="ctr">

--- a/presentations/PJ_KI_MST3.pptx
+++ b/presentations/PJ_KI_MST3.pptx
@@ -284,7 +284,7 @@
           <a:p>
             <a:fld id="{17468778-AD1E-48E6-A1B1-00A628170ED2}" type="datetimeFigureOut">
               <a:rPr lang="de-DE" smtClean="0"/>
-              <a:t>19.06.23</a:t>
+              <a:t>19.06.2023</a:t>
             </a:fld>
             <a:endParaRPr lang="de-DE"/>
           </a:p>
@@ -482,7 +482,7 @@
           <a:p>
             <a:fld id="{17468778-AD1E-48E6-A1B1-00A628170ED2}" type="datetimeFigureOut">
               <a:rPr lang="de-DE" smtClean="0"/>
-              <a:t>19.06.23</a:t>
+              <a:t>19.06.2023</a:t>
             </a:fld>
             <a:endParaRPr lang="de-DE"/>
           </a:p>
@@ -690,7 +690,7 @@
           <a:p>
             <a:fld id="{17468778-AD1E-48E6-A1B1-00A628170ED2}" type="datetimeFigureOut">
               <a:rPr lang="de-DE" smtClean="0"/>
-              <a:t>19.06.23</a:t>
+              <a:t>19.06.2023</a:t>
             </a:fld>
             <a:endParaRPr lang="de-DE"/>
           </a:p>
@@ -888,7 +888,7 @@
           <a:p>
             <a:fld id="{17468778-AD1E-48E6-A1B1-00A628170ED2}" type="datetimeFigureOut">
               <a:rPr lang="de-DE" smtClean="0"/>
-              <a:t>19.06.23</a:t>
+              <a:t>19.06.2023</a:t>
             </a:fld>
             <a:endParaRPr lang="de-DE"/>
           </a:p>
@@ -1163,7 +1163,7 @@
           <a:p>
             <a:fld id="{17468778-AD1E-48E6-A1B1-00A628170ED2}" type="datetimeFigureOut">
               <a:rPr lang="de-DE" smtClean="0"/>
-              <a:t>19.06.23</a:t>
+              <a:t>19.06.2023</a:t>
             </a:fld>
             <a:endParaRPr lang="de-DE"/>
           </a:p>
@@ -1428,7 +1428,7 @@
           <a:p>
             <a:fld id="{17468778-AD1E-48E6-A1B1-00A628170ED2}" type="datetimeFigureOut">
               <a:rPr lang="de-DE" smtClean="0"/>
-              <a:t>19.06.23</a:t>
+              <a:t>19.06.2023</a:t>
             </a:fld>
             <a:endParaRPr lang="de-DE"/>
           </a:p>
@@ -1840,7 +1840,7 @@
           <a:p>
             <a:fld id="{17468778-AD1E-48E6-A1B1-00A628170ED2}" type="datetimeFigureOut">
               <a:rPr lang="de-DE" smtClean="0"/>
-              <a:t>19.06.23</a:t>
+              <a:t>19.06.2023</a:t>
             </a:fld>
             <a:endParaRPr lang="de-DE"/>
           </a:p>
@@ -1981,7 +1981,7 @@
           <a:p>
             <a:fld id="{17468778-AD1E-48E6-A1B1-00A628170ED2}" type="datetimeFigureOut">
               <a:rPr lang="de-DE" smtClean="0"/>
-              <a:t>19.06.23</a:t>
+              <a:t>19.06.2023</a:t>
             </a:fld>
             <a:endParaRPr lang="de-DE"/>
           </a:p>
@@ -2094,7 +2094,7 @@
           <a:p>
             <a:fld id="{17468778-AD1E-48E6-A1B1-00A628170ED2}" type="datetimeFigureOut">
               <a:rPr lang="de-DE" smtClean="0"/>
-              <a:t>19.06.23</a:t>
+              <a:t>19.06.2023</a:t>
             </a:fld>
             <a:endParaRPr lang="de-DE"/>
           </a:p>
@@ -2405,7 +2405,7 @@
           <a:p>
             <a:fld id="{17468778-AD1E-48E6-A1B1-00A628170ED2}" type="datetimeFigureOut">
               <a:rPr lang="de-DE" smtClean="0"/>
-              <a:t>19.06.23</a:t>
+              <a:t>19.06.2023</a:t>
             </a:fld>
             <a:endParaRPr lang="de-DE"/>
           </a:p>
@@ -2693,7 +2693,7 @@
           <a:p>
             <a:fld id="{17468778-AD1E-48E6-A1B1-00A628170ED2}" type="datetimeFigureOut">
               <a:rPr lang="de-DE" smtClean="0"/>
-              <a:t>19.06.23</a:t>
+              <a:t>19.06.2023</a:t>
             </a:fld>
             <a:endParaRPr lang="de-DE"/>
           </a:p>
@@ -2934,7 +2934,7 @@
           <a:p>
             <a:fld id="{17468778-AD1E-48E6-A1B1-00A628170ED2}" type="datetimeFigureOut">
               <a:rPr lang="de-DE" smtClean="0"/>
-              <a:t>19.06.23</a:t>
+              <a:t>19.06.2023</a:t>
             </a:fld>
             <a:endParaRPr lang="de-DE"/>
           </a:p>
@@ -10590,7 +10590,7 @@
           <p:nvPr>
             <p:extLst>
               <p:ext uri="{D42A27DB-BD31-4B8C-83A1-F6EECF244321}">
-                <p14:modId xmlns:p14="http://schemas.microsoft.com/office/powerpoint/2010/main" val="2130824268"/>
+                <p14:modId xmlns:p14="http://schemas.microsoft.com/office/powerpoint/2010/main" val="2329239963"/>
               </p:ext>
             </p:extLst>
           </p:nvPr>
@@ -12074,9 +12074,12 @@
                     <a:lstStyle/>
                     <a:p>
                       <a:pPr algn="ctr"/>
-                      <a:endParaRPr lang="de-DE" sz="1100" dirty="0">
-                        <a:latin typeface="DM Sans" pitchFamily="2" charset="77"/>
-                      </a:endParaRPr>
+                      <a:r>
+                        <a:rPr lang="de-DE" sz="1100" dirty="0">
+                          <a:latin typeface="DM Sans" pitchFamily="2" charset="77"/>
+                        </a:rPr>
+                        <a:t>15,11</a:t>
+                      </a:r>
                     </a:p>
                   </a:txBody>
                   <a:tcPr marL="100481" marR="100481" marT="50240" marB="50240" anchor="ctr">
@@ -12106,9 +12109,12 @@
                     <a:lstStyle/>
                     <a:p>
                       <a:pPr algn="ctr"/>
-                      <a:endParaRPr lang="de-DE" sz="1100" dirty="0">
-                        <a:latin typeface="DM Sans" pitchFamily="2" charset="77"/>
-                      </a:endParaRPr>
+                      <a:r>
+                        <a:rPr lang="de-DE" sz="1100" dirty="0">
+                          <a:latin typeface="DM Sans" pitchFamily="2" charset="77"/>
+                        </a:rPr>
+                        <a:t>45,77</a:t>
+                      </a:r>
                     </a:p>
                   </a:txBody>
                   <a:tcPr marL="100481" marR="100481" marT="50240" marB="50240" anchor="ctr">
@@ -12147,9 +12153,12 @@
                     <a:lstStyle/>
                     <a:p>
                       <a:pPr algn="ctr"/>
-                      <a:endParaRPr lang="de-DE" sz="1100" dirty="0">
-                        <a:latin typeface="DM Sans" pitchFamily="2" charset="77"/>
-                      </a:endParaRPr>
+                      <a:r>
+                        <a:rPr lang="de-DE" sz="1100" dirty="0">
+                          <a:latin typeface="DM Sans" pitchFamily="2" charset="77"/>
+                        </a:rPr>
+                        <a:t>99,23</a:t>
+                      </a:r>
                     </a:p>
                   </a:txBody>
                   <a:tcPr marL="100481" marR="100481" marT="50240" marB="50240" anchor="ctr">
@@ -12341,9 +12350,12 @@
                     <a:lstStyle/>
                     <a:p>
                       <a:pPr algn="ctr"/>
-                      <a:endParaRPr lang="de-DE" sz="1100" dirty="0">
-                        <a:latin typeface="DM Sans" pitchFamily="2" charset="77"/>
-                      </a:endParaRPr>
+                      <a:r>
+                        <a:rPr lang="de-DE" sz="1100" dirty="0">
+                          <a:latin typeface="DM Sans" pitchFamily="2" charset="77"/>
+                        </a:rPr>
+                        <a:t>261,84</a:t>
+                      </a:r>
                     </a:p>
                   </a:txBody>
                   <a:tcPr marL="100481" marR="100481" marT="50240" marB="50240" anchor="ctr">
@@ -12382,9 +12394,12 @@
                     <a:lstStyle/>
                     <a:p>
                       <a:pPr algn="ctr"/>
-                      <a:endParaRPr lang="de-DE" sz="1100" dirty="0">
-                        <a:latin typeface="DM Sans" pitchFamily="2" charset="77"/>
-                      </a:endParaRPr>
+                      <a:r>
+                        <a:rPr lang="de-DE" sz="1100" dirty="0">
+                          <a:latin typeface="DM Sans" pitchFamily="2" charset="77"/>
+                        </a:rPr>
+                        <a:t>702,69</a:t>
+                      </a:r>
                     </a:p>
                   </a:txBody>
                   <a:tcPr marL="100481" marR="100481" marT="50240" marB="50240" anchor="ctr">
@@ -12432,9 +12447,12 @@
                     <a:lstStyle/>
                     <a:p>
                       <a:pPr algn="ctr"/>
-                      <a:endParaRPr lang="de-DE" sz="1100" dirty="0">
-                        <a:latin typeface="DM Sans" pitchFamily="2" charset="77"/>
-                      </a:endParaRPr>
+                      <a:r>
+                        <a:rPr lang="de-DE" sz="1100" dirty="0">
+                          <a:latin typeface="DM Sans" pitchFamily="2" charset="77"/>
+                        </a:rPr>
+                        <a:t>36926,1395</a:t>
+                      </a:r>
                     </a:p>
                   </a:txBody>
                   <a:tcPr marL="100481" marR="100481" marT="50240" marB="50240" anchor="ctr">
@@ -12653,9 +12671,12 @@
                     <a:lstStyle/>
                     <a:p>
                       <a:pPr algn="ctr"/>
-                      <a:endParaRPr lang="de-DE" sz="1100" dirty="0">
-                        <a:latin typeface="DM Sans" pitchFamily="2" charset="77"/>
-                      </a:endParaRPr>
+                      <a:r>
+                        <a:rPr lang="de-DE" sz="1100" dirty="0">
+                          <a:latin typeface="DM Sans" pitchFamily="2" charset="77"/>
+                        </a:rPr>
+                        <a:t>68,62</a:t>
+                      </a:r>
                     </a:p>
                   </a:txBody>
                   <a:tcPr marL="100481" marR="100481" marT="50240" marB="50240" anchor="ctr">
@@ -12685,9 +12706,12 @@
                     <a:lstStyle/>
                     <a:p>
                       <a:pPr algn="ctr"/>
-                      <a:endParaRPr lang="de-DE" sz="1100" dirty="0">
-                        <a:latin typeface="DM Sans" pitchFamily="2" charset="77"/>
-                      </a:endParaRPr>
+                      <a:r>
+                        <a:rPr lang="de-DE" sz="1100" dirty="0">
+                          <a:latin typeface="DM Sans" pitchFamily="2" charset="77"/>
+                        </a:rPr>
+                        <a:t>339,03</a:t>
+                      </a:r>
                     </a:p>
                   </a:txBody>
                   <a:tcPr marL="100481" marR="100481" marT="50240" marB="50240" anchor="ctr">
@@ -12726,6 +12750,12 @@
                     <a:lstStyle/>
                     <a:p>
                       <a:pPr algn="ctr"/>
+                      <a:r>
+                        <a:rPr lang="de-DE" sz="1100">
+                          <a:latin typeface="DM Sans" pitchFamily="2" charset="77"/>
+                        </a:rPr>
+                        <a:t>4988,63</a:t>
+                      </a:r>
                       <a:endParaRPr lang="de-DE" sz="1100" dirty="0">
                         <a:latin typeface="DM Sans" pitchFamily="2" charset="77"/>
                       </a:endParaRPr>

--- a/presentations/PJ_KI_MST3.pptx
+++ b/presentations/PJ_KI_MST3.pptx
@@ -284,7 +284,7 @@
           <a:p>
             <a:fld id="{17468778-AD1E-48E6-A1B1-00A628170ED2}" type="datetimeFigureOut">
               <a:rPr lang="de-DE" smtClean="0"/>
-              <a:t>19.06.2023</a:t>
+              <a:t>19.06.23</a:t>
             </a:fld>
             <a:endParaRPr lang="de-DE"/>
           </a:p>
@@ -482,7 +482,7 @@
           <a:p>
             <a:fld id="{17468778-AD1E-48E6-A1B1-00A628170ED2}" type="datetimeFigureOut">
               <a:rPr lang="de-DE" smtClean="0"/>
-              <a:t>19.06.2023</a:t>
+              <a:t>19.06.23</a:t>
             </a:fld>
             <a:endParaRPr lang="de-DE"/>
           </a:p>
@@ -690,7 +690,7 @@
           <a:p>
             <a:fld id="{17468778-AD1E-48E6-A1B1-00A628170ED2}" type="datetimeFigureOut">
               <a:rPr lang="de-DE" smtClean="0"/>
-              <a:t>19.06.2023</a:t>
+              <a:t>19.06.23</a:t>
             </a:fld>
             <a:endParaRPr lang="de-DE"/>
           </a:p>
@@ -888,7 +888,7 @@
           <a:p>
             <a:fld id="{17468778-AD1E-48E6-A1B1-00A628170ED2}" type="datetimeFigureOut">
               <a:rPr lang="de-DE" smtClean="0"/>
-              <a:t>19.06.2023</a:t>
+              <a:t>19.06.23</a:t>
             </a:fld>
             <a:endParaRPr lang="de-DE"/>
           </a:p>
@@ -1163,7 +1163,7 @@
           <a:p>
             <a:fld id="{17468778-AD1E-48E6-A1B1-00A628170ED2}" type="datetimeFigureOut">
               <a:rPr lang="de-DE" smtClean="0"/>
-              <a:t>19.06.2023</a:t>
+              <a:t>19.06.23</a:t>
             </a:fld>
             <a:endParaRPr lang="de-DE"/>
           </a:p>
@@ -1428,7 +1428,7 @@
           <a:p>
             <a:fld id="{17468778-AD1E-48E6-A1B1-00A628170ED2}" type="datetimeFigureOut">
               <a:rPr lang="de-DE" smtClean="0"/>
-              <a:t>19.06.2023</a:t>
+              <a:t>19.06.23</a:t>
             </a:fld>
             <a:endParaRPr lang="de-DE"/>
           </a:p>
@@ -1840,7 +1840,7 @@
           <a:p>
             <a:fld id="{17468778-AD1E-48E6-A1B1-00A628170ED2}" type="datetimeFigureOut">
               <a:rPr lang="de-DE" smtClean="0"/>
-              <a:t>19.06.2023</a:t>
+              <a:t>19.06.23</a:t>
             </a:fld>
             <a:endParaRPr lang="de-DE"/>
           </a:p>
@@ -1981,7 +1981,7 @@
           <a:p>
             <a:fld id="{17468778-AD1E-48E6-A1B1-00A628170ED2}" type="datetimeFigureOut">
               <a:rPr lang="de-DE" smtClean="0"/>
-              <a:t>19.06.2023</a:t>
+              <a:t>19.06.23</a:t>
             </a:fld>
             <a:endParaRPr lang="de-DE"/>
           </a:p>
@@ -2094,7 +2094,7 @@
           <a:p>
             <a:fld id="{17468778-AD1E-48E6-A1B1-00A628170ED2}" type="datetimeFigureOut">
               <a:rPr lang="de-DE" smtClean="0"/>
-              <a:t>19.06.2023</a:t>
+              <a:t>19.06.23</a:t>
             </a:fld>
             <a:endParaRPr lang="de-DE"/>
           </a:p>
@@ -2405,7 +2405,7 @@
           <a:p>
             <a:fld id="{17468778-AD1E-48E6-A1B1-00A628170ED2}" type="datetimeFigureOut">
               <a:rPr lang="de-DE" smtClean="0"/>
-              <a:t>19.06.2023</a:t>
+              <a:t>19.06.23</a:t>
             </a:fld>
             <a:endParaRPr lang="de-DE"/>
           </a:p>
@@ -2693,7 +2693,7 @@
           <a:p>
             <a:fld id="{17468778-AD1E-48E6-A1B1-00A628170ED2}" type="datetimeFigureOut">
               <a:rPr lang="de-DE" smtClean="0"/>
-              <a:t>19.06.2023</a:t>
+              <a:t>19.06.23</a:t>
             </a:fld>
             <a:endParaRPr lang="de-DE"/>
           </a:p>
@@ -2934,7 +2934,7 @@
           <a:p>
             <a:fld id="{17468778-AD1E-48E6-A1B1-00A628170ED2}" type="datetimeFigureOut">
               <a:rPr lang="de-DE" smtClean="0"/>
-              <a:t>19.06.2023</a:t>
+              <a:t>19.06.23</a:t>
             </a:fld>
             <a:endParaRPr lang="de-DE"/>
           </a:p>
@@ -3825,7 +3825,7 @@
           <p:nvPr>
             <p:extLst>
               <p:ext uri="{D42A27DB-BD31-4B8C-83A1-F6EECF244321}">
-                <p14:modId xmlns:p14="http://schemas.microsoft.com/office/powerpoint/2010/main" val="648856297"/>
+                <p14:modId xmlns:p14="http://schemas.microsoft.com/office/powerpoint/2010/main" val="3467110473"/>
               </p:ext>
             </p:extLst>
           </p:nvPr>
@@ -4410,9 +4410,12 @@
                     <a:lstStyle/>
                     <a:p>
                       <a:pPr algn="ctr"/>
-                      <a:endParaRPr lang="de-DE" sz="1100" dirty="0">
-                        <a:latin typeface="DM Sans" pitchFamily="2" charset="77"/>
-                      </a:endParaRPr>
+                      <a:r>
+                        <a:rPr lang="de-DE" sz="1100" dirty="0">
+                          <a:latin typeface="DM Sans" pitchFamily="2" charset="77"/>
+                        </a:rPr>
+                        <a:t>14,12</a:t>
+                      </a:r>
                     </a:p>
                   </a:txBody>
                   <a:tcPr marL="100481" marR="100481" marT="50240" marB="50240" anchor="ctr">
@@ -4442,9 +4445,12 @@
                     <a:lstStyle/>
                     <a:p>
                       <a:pPr algn="ctr"/>
-                      <a:endParaRPr lang="de-DE" sz="1100" dirty="0">
-                        <a:latin typeface="DM Sans" pitchFamily="2" charset="77"/>
-                      </a:endParaRPr>
+                      <a:r>
+                        <a:rPr lang="de-DE" sz="1100" dirty="0">
+                          <a:latin typeface="DM Sans" pitchFamily="2" charset="77"/>
+                        </a:rPr>
+                        <a:t>44,82</a:t>
+                      </a:r>
                     </a:p>
                   </a:txBody>
                   <a:tcPr marL="100481" marR="100481" marT="50240" marB="50240" anchor="ctr">
@@ -4483,9 +4489,12 @@
                     <a:lstStyle/>
                     <a:p>
                       <a:pPr algn="ctr"/>
-                      <a:endParaRPr lang="de-DE" sz="1100" dirty="0">
-                        <a:latin typeface="DM Sans" pitchFamily="2" charset="77"/>
-                      </a:endParaRPr>
+                      <a:r>
+                        <a:rPr lang="de-DE" sz="1100" dirty="0">
+                          <a:latin typeface="DM Sans" pitchFamily="2" charset="77"/>
+                        </a:rPr>
+                        <a:t>107,50</a:t>
+                      </a:r>
                     </a:p>
                   </a:txBody>
                   <a:tcPr marL="100481" marR="100481" marT="50240" marB="50240" anchor="ctr">
@@ -4681,9 +4690,12 @@
                     <a:lstStyle/>
                     <a:p>
                       <a:pPr algn="ctr"/>
-                      <a:endParaRPr lang="de-DE" sz="1100" dirty="0">
-                        <a:latin typeface="DM Sans" pitchFamily="2" charset="77"/>
-                      </a:endParaRPr>
+                      <a:r>
+                        <a:rPr lang="de-DE" sz="1100" dirty="0">
+                          <a:latin typeface="DM Sans" pitchFamily="2" charset="77"/>
+                        </a:rPr>
+                        <a:t>287,77</a:t>
+                      </a:r>
                     </a:p>
                   </a:txBody>
                   <a:tcPr marL="100481" marR="100481" marT="50240" marB="50240" anchor="ctr">
@@ -4722,9 +4734,12 @@
                     <a:lstStyle/>
                     <a:p>
                       <a:pPr algn="ctr"/>
-                      <a:endParaRPr lang="de-DE" sz="1100" dirty="0">
-                        <a:latin typeface="DM Sans" pitchFamily="2" charset="77"/>
-                      </a:endParaRPr>
+                      <a:r>
+                        <a:rPr lang="de-DE" sz="1100" dirty="0">
+                          <a:latin typeface="DM Sans" pitchFamily="2" charset="77"/>
+                        </a:rPr>
+                        <a:t>941,71</a:t>
+                      </a:r>
                     </a:p>
                   </a:txBody>
                   <a:tcPr marL="100481" marR="100481" marT="50240" marB="50240" anchor="ctr">
@@ -4772,9 +4787,12 @@
                     <a:lstStyle/>
                     <a:p>
                       <a:pPr algn="ctr"/>
-                      <a:endParaRPr lang="de-DE" sz="1100" dirty="0">
-                        <a:latin typeface="DM Sans" pitchFamily="2" charset="77"/>
-                      </a:endParaRPr>
+                      <a:r>
+                        <a:rPr lang="de-DE" sz="1100" dirty="0">
+                          <a:latin typeface="DM Sans" pitchFamily="2" charset="77"/>
+                        </a:rPr>
+                        <a:t>38178,36</a:t>
+                      </a:r>
                     </a:p>
                   </a:txBody>
                   <a:tcPr marL="100481" marR="100481" marT="50240" marB="50240" anchor="ctr">
@@ -4997,9 +5015,12 @@
                     <a:lstStyle/>
                     <a:p>
                       <a:pPr algn="ctr"/>
-                      <a:endParaRPr lang="de-DE" sz="1100" dirty="0">
-                        <a:latin typeface="DM Sans" pitchFamily="2" charset="77"/>
-                      </a:endParaRPr>
+                      <a:r>
+                        <a:rPr lang="de-DE" sz="1100" dirty="0">
+                          <a:latin typeface="DM Sans" pitchFamily="2" charset="77"/>
+                        </a:rPr>
+                        <a:t>25,57</a:t>
+                      </a:r>
                     </a:p>
                   </a:txBody>
                   <a:tcPr marL="100481" marR="100481" marT="50240" marB="50240" anchor="ctr">
@@ -5029,9 +5050,12 @@
                     <a:lstStyle/>
                     <a:p>
                       <a:pPr algn="ctr"/>
-                      <a:endParaRPr lang="de-DE" sz="1100" dirty="0">
-                        <a:latin typeface="DM Sans" pitchFamily="2" charset="77"/>
-                      </a:endParaRPr>
+                      <a:r>
+                        <a:rPr lang="de-DE" sz="1100" dirty="0">
+                          <a:latin typeface="DM Sans" pitchFamily="2" charset="77"/>
+                        </a:rPr>
+                        <a:t>227,82</a:t>
+                      </a:r>
                     </a:p>
                   </a:txBody>
                   <a:tcPr marL="100481" marR="100481" marT="50240" marB="50240" anchor="ctr">
@@ -5070,9 +5094,12 @@
                     <a:lstStyle/>
                     <a:p>
                       <a:pPr algn="ctr"/>
-                      <a:endParaRPr lang="de-DE" sz="1100" dirty="0">
-                        <a:latin typeface="DM Sans" pitchFamily="2" charset="77"/>
-                      </a:endParaRPr>
+                      <a:r>
+                        <a:rPr lang="de-DE" sz="1100" dirty="0">
+                          <a:latin typeface="DM Sans" pitchFamily="2" charset="77"/>
+                        </a:rPr>
+                        <a:t>2390,14</a:t>
+                      </a:r>
                     </a:p>
                   </a:txBody>
                   <a:tcPr marL="100481" marR="100481" marT="50240" marB="50240" anchor="ctr">

--- a/presentations/PJ_KI_MST3.pptx
+++ b/presentations/PJ_KI_MST3.pptx
@@ -284,7 +284,7 @@
           <a:p>
             <a:fld id="{17468778-AD1E-48E6-A1B1-00A628170ED2}" type="datetimeFigureOut">
               <a:rPr lang="de-DE" smtClean="0"/>
-              <a:t>19.06.23</a:t>
+              <a:t>19.06.2023</a:t>
             </a:fld>
             <a:endParaRPr lang="de-DE"/>
           </a:p>
@@ -482,7 +482,7 @@
           <a:p>
             <a:fld id="{17468778-AD1E-48E6-A1B1-00A628170ED2}" type="datetimeFigureOut">
               <a:rPr lang="de-DE" smtClean="0"/>
-              <a:t>19.06.23</a:t>
+              <a:t>19.06.2023</a:t>
             </a:fld>
             <a:endParaRPr lang="de-DE"/>
           </a:p>
@@ -690,7 +690,7 @@
           <a:p>
             <a:fld id="{17468778-AD1E-48E6-A1B1-00A628170ED2}" type="datetimeFigureOut">
               <a:rPr lang="de-DE" smtClean="0"/>
-              <a:t>19.06.23</a:t>
+              <a:t>19.06.2023</a:t>
             </a:fld>
             <a:endParaRPr lang="de-DE"/>
           </a:p>
@@ -888,7 +888,7 @@
           <a:p>
             <a:fld id="{17468778-AD1E-48E6-A1B1-00A628170ED2}" type="datetimeFigureOut">
               <a:rPr lang="de-DE" smtClean="0"/>
-              <a:t>19.06.23</a:t>
+              <a:t>19.06.2023</a:t>
             </a:fld>
             <a:endParaRPr lang="de-DE"/>
           </a:p>
@@ -1163,7 +1163,7 @@
           <a:p>
             <a:fld id="{17468778-AD1E-48E6-A1B1-00A628170ED2}" type="datetimeFigureOut">
               <a:rPr lang="de-DE" smtClean="0"/>
-              <a:t>19.06.23</a:t>
+              <a:t>19.06.2023</a:t>
             </a:fld>
             <a:endParaRPr lang="de-DE"/>
           </a:p>
@@ -1428,7 +1428,7 @@
           <a:p>
             <a:fld id="{17468778-AD1E-48E6-A1B1-00A628170ED2}" type="datetimeFigureOut">
               <a:rPr lang="de-DE" smtClean="0"/>
-              <a:t>19.06.23</a:t>
+              <a:t>19.06.2023</a:t>
             </a:fld>
             <a:endParaRPr lang="de-DE"/>
           </a:p>
@@ -1840,7 +1840,7 @@
           <a:p>
             <a:fld id="{17468778-AD1E-48E6-A1B1-00A628170ED2}" type="datetimeFigureOut">
               <a:rPr lang="de-DE" smtClean="0"/>
-              <a:t>19.06.23</a:t>
+              <a:t>19.06.2023</a:t>
             </a:fld>
             <a:endParaRPr lang="de-DE"/>
           </a:p>
@@ -1981,7 +1981,7 @@
           <a:p>
             <a:fld id="{17468778-AD1E-48E6-A1B1-00A628170ED2}" type="datetimeFigureOut">
               <a:rPr lang="de-DE" smtClean="0"/>
-              <a:t>19.06.23</a:t>
+              <a:t>19.06.2023</a:t>
             </a:fld>
             <a:endParaRPr lang="de-DE"/>
           </a:p>
@@ -2094,7 +2094,7 @@
           <a:p>
             <a:fld id="{17468778-AD1E-48E6-A1B1-00A628170ED2}" type="datetimeFigureOut">
               <a:rPr lang="de-DE" smtClean="0"/>
-              <a:t>19.06.23</a:t>
+              <a:t>19.06.2023</a:t>
             </a:fld>
             <a:endParaRPr lang="de-DE"/>
           </a:p>
@@ -2405,7 +2405,7 @@
           <a:p>
             <a:fld id="{17468778-AD1E-48E6-A1B1-00A628170ED2}" type="datetimeFigureOut">
               <a:rPr lang="de-DE" smtClean="0"/>
-              <a:t>19.06.23</a:t>
+              <a:t>19.06.2023</a:t>
             </a:fld>
             <a:endParaRPr lang="de-DE"/>
           </a:p>
@@ -2693,7 +2693,7 @@
           <a:p>
             <a:fld id="{17468778-AD1E-48E6-A1B1-00A628170ED2}" type="datetimeFigureOut">
               <a:rPr lang="de-DE" smtClean="0"/>
-              <a:t>19.06.23</a:t>
+              <a:t>19.06.2023</a:t>
             </a:fld>
             <a:endParaRPr lang="de-DE"/>
           </a:p>
@@ -2934,7 +2934,7 @@
           <a:p>
             <a:fld id="{17468778-AD1E-48E6-A1B1-00A628170ED2}" type="datetimeFigureOut">
               <a:rPr lang="de-DE" smtClean="0"/>
-              <a:t>19.06.23</a:t>
+              <a:t>19.06.2023</a:t>
             </a:fld>
             <a:endParaRPr lang="de-DE"/>
           </a:p>
@@ -3825,7 +3825,7 @@
           <p:nvPr>
             <p:extLst>
               <p:ext uri="{D42A27DB-BD31-4B8C-83A1-F6EECF244321}">
-                <p14:modId xmlns:p14="http://schemas.microsoft.com/office/powerpoint/2010/main" val="3467110473"/>
+                <p14:modId xmlns:p14="http://schemas.microsoft.com/office/powerpoint/2010/main" val="32039220"/>
               </p:ext>
             </p:extLst>
           </p:nvPr>
@@ -5309,9 +5309,12 @@
                     <a:lstStyle/>
                     <a:p>
                       <a:pPr algn="ctr"/>
-                      <a:endParaRPr lang="de-DE" sz="1100" dirty="0">
-                        <a:latin typeface="DM Sans" pitchFamily="2" charset="77"/>
-                      </a:endParaRPr>
+                      <a:r>
+                        <a:rPr lang="de-DE" sz="1100" dirty="0">
+                          <a:latin typeface="DM Sans" pitchFamily="2" charset="77"/>
+                        </a:rPr>
+                        <a:t>16,48</a:t>
+                      </a:r>
                     </a:p>
                   </a:txBody>
                   <a:tcPr marL="100481" marR="100481" marT="50240" marB="50240" anchor="ctr">
@@ -5341,9 +5344,12 @@
                     <a:lstStyle/>
                     <a:p>
                       <a:pPr algn="ctr"/>
-                      <a:endParaRPr lang="de-DE" sz="1100" dirty="0">
-                        <a:latin typeface="DM Sans" pitchFamily="2" charset="77"/>
-                      </a:endParaRPr>
+                      <a:r>
+                        <a:rPr lang="de-DE" sz="1100" dirty="0">
+                          <a:latin typeface="DM Sans" pitchFamily="2" charset="77"/>
+                        </a:rPr>
+                        <a:t>47,63</a:t>
+                      </a:r>
                     </a:p>
                   </a:txBody>
                   <a:tcPr marL="100481" marR="100481" marT="50240" marB="50240" anchor="ctr">
@@ -5382,9 +5388,12 @@
                     <a:lstStyle/>
                     <a:p>
                       <a:pPr algn="ctr"/>
-                      <a:endParaRPr lang="de-DE" sz="1100" dirty="0">
-                        <a:latin typeface="DM Sans" pitchFamily="2" charset="77"/>
-                      </a:endParaRPr>
+                      <a:r>
+                        <a:rPr lang="de-DE" sz="1100" dirty="0">
+                          <a:latin typeface="DM Sans" pitchFamily="2" charset="77"/>
+                        </a:rPr>
+                        <a:t>102,28</a:t>
+                      </a:r>
                     </a:p>
                   </a:txBody>
                   <a:tcPr marL="100481" marR="100481" marT="50240" marB="50240" anchor="ctr">
@@ -5576,9 +5585,12 @@
                     <a:lstStyle/>
                     <a:p>
                       <a:pPr algn="ctr"/>
-                      <a:endParaRPr lang="de-DE" sz="1100" dirty="0">
-                        <a:latin typeface="DM Sans" pitchFamily="2" charset="77"/>
-                      </a:endParaRPr>
+                      <a:r>
+                        <a:rPr lang="de-DE" sz="1100" dirty="0">
+                          <a:latin typeface="DM Sans" pitchFamily="2" charset="77"/>
+                        </a:rPr>
+                        <a:t>229,18</a:t>
+                      </a:r>
                     </a:p>
                   </a:txBody>
                   <a:tcPr marL="100481" marR="100481" marT="50240" marB="50240" anchor="ctr">
@@ -5617,9 +5629,12 @@
                     <a:lstStyle/>
                     <a:p>
                       <a:pPr algn="ctr"/>
-                      <a:endParaRPr lang="de-DE" sz="1100" dirty="0">
-                        <a:latin typeface="DM Sans" pitchFamily="2" charset="77"/>
-                      </a:endParaRPr>
+                      <a:r>
+                        <a:rPr lang="de-DE" sz="1100" dirty="0">
+                          <a:latin typeface="DM Sans" pitchFamily="2" charset="77"/>
+                        </a:rPr>
+                        <a:t>945,73</a:t>
+                      </a:r>
                     </a:p>
                   </a:txBody>
                   <a:tcPr marL="100481" marR="100481" marT="50240" marB="50240" anchor="ctr">
@@ -5667,9 +5682,12 @@
                     <a:lstStyle/>
                     <a:p>
                       <a:pPr algn="ctr"/>
-                      <a:endParaRPr lang="de-DE" sz="1100" dirty="0">
-                        <a:latin typeface="DM Sans" pitchFamily="2" charset="77"/>
-                      </a:endParaRPr>
+                      <a:r>
+                        <a:rPr lang="de-DE" sz="1100" dirty="0">
+                          <a:latin typeface="DM Sans" pitchFamily="2" charset="77"/>
+                        </a:rPr>
+                        <a:t>46483,03</a:t>
+                      </a:r>
                     </a:p>
                   </a:txBody>
                   <a:tcPr marL="100481" marR="100481" marT="50240" marB="50240" anchor="ctr">
@@ -5888,9 +5906,12 @@
                     <a:lstStyle/>
                     <a:p>
                       <a:pPr algn="ctr"/>
-                      <a:endParaRPr lang="de-DE" sz="1100" dirty="0">
-                        <a:latin typeface="DM Sans" pitchFamily="2" charset="77"/>
-                      </a:endParaRPr>
+                      <a:r>
+                        <a:rPr lang="de-DE" sz="1100" dirty="0">
+                          <a:latin typeface="DM Sans" pitchFamily="2" charset="77"/>
+                        </a:rPr>
+                        <a:t>33,51</a:t>
+                      </a:r>
                     </a:p>
                   </a:txBody>
                   <a:tcPr marL="100481" marR="100481" marT="50240" marB="50240" anchor="ctr">
@@ -5920,9 +5941,12 @@
                     <a:lstStyle/>
                     <a:p>
                       <a:pPr algn="ctr"/>
-                      <a:endParaRPr lang="de-DE" sz="1100" dirty="0">
-                        <a:latin typeface="DM Sans" pitchFamily="2" charset="77"/>
-                      </a:endParaRPr>
+                      <a:r>
+                        <a:rPr lang="de-DE" sz="1100" dirty="0">
+                          <a:latin typeface="DM Sans" pitchFamily="2" charset="77"/>
+                        </a:rPr>
+                        <a:t>266,25</a:t>
+                      </a:r>
                     </a:p>
                   </a:txBody>
                   <a:tcPr marL="100481" marR="100481" marT="50240" marB="50240" anchor="ctr">
@@ -5961,6 +5985,12 @@
                     <a:lstStyle/>
                     <a:p>
                       <a:pPr algn="ctr"/>
+                      <a:r>
+                        <a:rPr lang="de-DE" sz="1100">
+                          <a:latin typeface="DM Sans" pitchFamily="2" charset="77"/>
+                        </a:rPr>
+                        <a:t>2774,51</a:t>
+                      </a:r>
                       <a:endParaRPr lang="de-DE" sz="1100" dirty="0">
                         <a:latin typeface="DM Sans" pitchFamily="2" charset="77"/>
                       </a:endParaRPr>

--- a/presentations/PJ_KI_MST3.pptx
+++ b/presentations/PJ_KI_MST3.pptx
@@ -6,31 +6,30 @@
   </p:sldMasterIdLst>
   <p:sldIdLst>
     <p:sldId id="260" r:id="rId2"/>
-    <p:sldId id="271" r:id="rId3"/>
-    <p:sldId id="281" r:id="rId4"/>
-    <p:sldId id="286" r:id="rId5"/>
-    <p:sldId id="287" r:id="rId6"/>
-    <p:sldId id="283" r:id="rId7"/>
-    <p:sldId id="284" r:id="rId8"/>
-    <p:sldId id="285" r:id="rId9"/>
-    <p:sldId id="293" r:id="rId10"/>
-    <p:sldId id="288" r:id="rId11"/>
-    <p:sldId id="289" r:id="rId12"/>
-    <p:sldId id="290" r:id="rId13"/>
-    <p:sldId id="291" r:id="rId14"/>
-    <p:sldId id="292" r:id="rId15"/>
-    <p:sldId id="300" r:id="rId16"/>
-    <p:sldId id="294" r:id="rId17"/>
-    <p:sldId id="295" r:id="rId18"/>
-    <p:sldId id="296" r:id="rId19"/>
-    <p:sldId id="297" r:id="rId20"/>
-    <p:sldId id="302" r:id="rId21"/>
-    <p:sldId id="298" r:id="rId22"/>
-    <p:sldId id="299" r:id="rId23"/>
-    <p:sldId id="301" r:id="rId24"/>
-    <p:sldId id="279" r:id="rId25"/>
-    <p:sldId id="303" r:id="rId26"/>
-    <p:sldId id="259" r:id="rId27"/>
+    <p:sldId id="281" r:id="rId3"/>
+    <p:sldId id="286" r:id="rId4"/>
+    <p:sldId id="287" r:id="rId5"/>
+    <p:sldId id="283" r:id="rId6"/>
+    <p:sldId id="284" r:id="rId7"/>
+    <p:sldId id="285" r:id="rId8"/>
+    <p:sldId id="293" r:id="rId9"/>
+    <p:sldId id="288" r:id="rId10"/>
+    <p:sldId id="289" r:id="rId11"/>
+    <p:sldId id="290" r:id="rId12"/>
+    <p:sldId id="291" r:id="rId13"/>
+    <p:sldId id="292" r:id="rId14"/>
+    <p:sldId id="300" r:id="rId15"/>
+    <p:sldId id="294" r:id="rId16"/>
+    <p:sldId id="295" r:id="rId17"/>
+    <p:sldId id="296" r:id="rId18"/>
+    <p:sldId id="297" r:id="rId19"/>
+    <p:sldId id="302" r:id="rId20"/>
+    <p:sldId id="298" r:id="rId21"/>
+    <p:sldId id="299" r:id="rId22"/>
+    <p:sldId id="301" r:id="rId23"/>
+    <p:sldId id="279" r:id="rId24"/>
+    <p:sldId id="303" r:id="rId25"/>
+    <p:sldId id="259" r:id="rId26"/>
   </p:sldIdLst>
   <p:sldSz cx="12192000" cy="6858000"/>
   <p:notesSz cx="6858000" cy="9144000"/>
@@ -3695,116 +3694,6 @@
               <a:rPr lang="de-DE" dirty="0">
                 <a:latin typeface="DM Sans" pitchFamily="2" charset="77"/>
               </a:rPr>
-              <a:t>Transposition Table - Optimierungen</a:t>
-            </a:r>
-          </a:p>
-        </p:txBody>
-      </p:sp>
-      <p:sp>
-        <p:nvSpPr>
-          <p:cNvPr id="5" name="Textfeld 4">
-            <a:extLst>
-              <a:ext uri="{FF2B5EF4-FFF2-40B4-BE49-F238E27FC236}">
-                <a16:creationId xmlns:a16="http://schemas.microsoft.com/office/drawing/2014/main" id="{466BACEB-CEFF-1E20-C248-C7D1731E6F8C}"/>
-              </a:ext>
-            </a:extLst>
-          </p:cNvPr>
-          <p:cNvSpPr txBox="1"/>
-          <p:nvPr/>
-        </p:nvSpPr>
-        <p:spPr>
-          <a:xfrm>
-            <a:off x="713014" y="3429000"/>
-            <a:ext cx="10765972" cy="646331"/>
-          </a:xfrm>
-          <a:prstGeom prst="rect">
-            <a:avLst/>
-          </a:prstGeom>
-          <a:noFill/>
-        </p:spPr>
-        <p:txBody>
-          <a:bodyPr wrap="square" rtlCol="0">
-            <a:spAutoFit/>
-          </a:bodyPr>
-          <a:lstStyle/>
-          <a:p>
-            <a:pPr algn="ctr"/>
-            <a:r>
-              <a:rPr lang="de-DE" dirty="0">
-                <a:latin typeface="DM Sans" pitchFamily="2" charset="77"/>
-              </a:rPr>
-              <a:t>Auf Basis dieser Daten haben wir uns für die Kombination aus </a:t>
-            </a:r>
-            <a:r>
-              <a:rPr lang="de-DE" dirty="0" err="1">
-                <a:latin typeface="DM Sans" pitchFamily="2" charset="77"/>
-              </a:rPr>
-              <a:t>Replace</a:t>
-            </a:r>
-            <a:r>
-              <a:rPr lang="de-DE" dirty="0">
-                <a:latin typeface="DM Sans" pitchFamily="2" charset="77"/>
-              </a:rPr>
-              <a:t>-By-Depth und Replays-Always entschieden</a:t>
-            </a:r>
-          </a:p>
-        </p:txBody>
-      </p:sp>
-    </p:spTree>
-    <p:extLst>
-      <p:ext uri="{BB962C8B-B14F-4D97-AF65-F5344CB8AC3E}">
-        <p14:creationId xmlns:p14="http://schemas.microsoft.com/office/powerpoint/2010/main" val="3489001470"/>
-      </p:ext>
-    </p:extLst>
-  </p:cSld>
-  <p:clrMapOvr>
-    <a:masterClrMapping/>
-  </p:clrMapOvr>
-</p:sld>
-</file>
-
-<file path=ppt/slides/slide11.xml><?xml version="1.0" encoding="utf-8"?>
-<p:sld xmlns:a="http://schemas.openxmlformats.org/drawingml/2006/main" xmlns:r="http://schemas.openxmlformats.org/officeDocument/2006/relationships" xmlns:p="http://schemas.openxmlformats.org/presentationml/2006/main">
-  <p:cSld>
-    <p:spTree>
-      <p:nvGrpSpPr>
-        <p:cNvPr id="1" name=""/>
-        <p:cNvGrpSpPr/>
-        <p:nvPr/>
-      </p:nvGrpSpPr>
-      <p:grpSpPr>
-        <a:xfrm>
-          <a:off x="0" y="0"/>
-          <a:ext cx="0" cy="0"/>
-          <a:chOff x="0" y="0"/>
-          <a:chExt cx="0" cy="0"/>
-        </a:xfrm>
-      </p:grpSpPr>
-      <p:sp>
-        <p:nvSpPr>
-          <p:cNvPr id="2" name="Titel 1">
-            <a:extLst>
-              <a:ext uri="{FF2B5EF4-FFF2-40B4-BE49-F238E27FC236}">
-                <a16:creationId xmlns:a16="http://schemas.microsoft.com/office/drawing/2014/main" id="{5AA772EB-2F85-D641-B1ED-2B43FA1C49BA}"/>
-              </a:ext>
-            </a:extLst>
-          </p:cNvPr>
-          <p:cNvSpPr>
-            <a:spLocks noGrp="1"/>
-          </p:cNvSpPr>
-          <p:nvPr>
-            <p:ph type="title"/>
-          </p:nvPr>
-        </p:nvSpPr>
-        <p:spPr/>
-        <p:txBody>
-          <a:bodyPr/>
-          <a:lstStyle/>
-          <a:p>
-            <a:r>
-              <a:rPr lang="de-DE" dirty="0">
-                <a:latin typeface="DM Sans" pitchFamily="2" charset="77"/>
-              </a:rPr>
               <a:t>Transposition Table - Benchmarks</a:t>
             </a:r>
           </a:p>
@@ -3825,7 +3714,7 @@
           <p:nvPr>
             <p:extLst>
               <p:ext uri="{D42A27DB-BD31-4B8C-83A1-F6EECF244321}">
-                <p14:modId xmlns:p14="http://schemas.microsoft.com/office/powerpoint/2010/main" val="32039220"/>
+                <p14:modId xmlns:p14="http://schemas.microsoft.com/office/powerpoint/2010/main" val="1070261475"/>
               </p:ext>
             </p:extLst>
           </p:nvPr>
@@ -6203,7 +6092,7 @@
                         <a:rPr lang="de-DE" sz="1100" dirty="0">
                           <a:latin typeface="DM Sans" pitchFamily="2" charset="77"/>
                         </a:rPr>
-                        <a:t>1541,494</a:t>
+                        <a:t>6,72</a:t>
                       </a:r>
                     </a:p>
                   </a:txBody>
@@ -6238,7 +6127,7 @@
                         <a:rPr lang="de-DE" sz="1100" dirty="0">
                           <a:latin typeface="DM Sans" pitchFamily="2" charset="77"/>
                         </a:rPr>
-                        <a:t>24870,224</a:t>
+                        <a:t>19,41</a:t>
                       </a:r>
                     </a:p>
                   </a:txBody>
@@ -6282,7 +6171,7 @@
                         <a:rPr lang="de-DE" sz="1100" dirty="0">
                           <a:latin typeface="DM Sans" pitchFamily="2" charset="77"/>
                         </a:rPr>
-                        <a:t>344840,536</a:t>
+                        <a:t>65,65</a:t>
                       </a:r>
                     </a:p>
                   </a:txBody>
@@ -6315,7 +6204,7 @@
                       <a:pPr algn="ctr"/>
                       <a:r>
                         <a:rPr lang="de-DE" sz="1200" dirty="0"/>
-                        <a:t>1512,292</a:t>
+                        <a:t>35,34</a:t>
                       </a:r>
                     </a:p>
                   </a:txBody>
@@ -6348,7 +6237,7 @@
                       <a:pPr algn="ctr"/>
                       <a:r>
                         <a:rPr lang="de-DE" sz="1200" dirty="0"/>
-                        <a:t>11897,159</a:t>
+                        <a:t>145,24</a:t>
                       </a:r>
                     </a:p>
                   </a:txBody>
@@ -6392,7 +6281,7 @@
                         <a:rPr lang="de-DE" sz="1100" dirty="0">
                           <a:latin typeface="DM Sans" pitchFamily="2" charset="77"/>
                         </a:rPr>
-                        <a:t>367432,807</a:t>
+                        <a:t>291,75</a:t>
                       </a:r>
                     </a:p>
                   </a:txBody>
@@ -6479,7 +6368,7 @@
                         <a:rPr lang="de-DE" sz="1100" dirty="0">
                           <a:latin typeface="DM Sans" pitchFamily="2" charset="77"/>
                         </a:rPr>
-                        <a:t>256,288</a:t>
+                        <a:t>325,89</a:t>
                       </a:r>
                     </a:p>
                   </a:txBody>
@@ -6523,7 +6412,7 @@
                         <a:rPr lang="de-DE" sz="1100" dirty="0">
                           <a:latin typeface="DM Sans" pitchFamily="2" charset="77"/>
                         </a:rPr>
-                        <a:t>4652,951</a:t>
+                        <a:t>1305,29</a:t>
                       </a:r>
                     </a:p>
                   </a:txBody>
@@ -6576,7 +6465,7 @@
                         <a:rPr lang="de-DE" sz="1100" dirty="0">
                           <a:latin typeface="DM Sans" pitchFamily="2" charset="77"/>
                         </a:rPr>
-                        <a:t>40868,557</a:t>
+                        <a:t>65748,68</a:t>
                       </a:r>
                     </a:p>
                   </a:txBody>
@@ -6618,7 +6507,7 @@
                       <a:pPr algn="ctr"/>
                       <a:r>
                         <a:rPr lang="de-DE" sz="1200" dirty="0"/>
-                        <a:t>117,957</a:t>
+                        <a:t>369,20</a:t>
                       </a:r>
                     </a:p>
                   </a:txBody>
@@ -6660,7 +6549,7 @@
                       <a:pPr algn="ctr"/>
                       <a:r>
                         <a:rPr lang="de-DE" sz="1200" dirty="0"/>
-                        <a:t>931,264</a:t>
+                        <a:t>1840,66</a:t>
                       </a:r>
                     </a:p>
                   </a:txBody>
@@ -6713,7 +6602,7 @@
                         <a:rPr lang="de-DE" sz="1100" dirty="0">
                           <a:latin typeface="DM Sans" pitchFamily="2" charset="77"/>
                         </a:rPr>
-                        <a:t>17086,983</a:t>
+                        <a:t>112493,44</a:t>
                       </a:r>
                     </a:p>
                   </a:txBody>
@@ -6800,7 +6689,7 @@
                         <a:rPr lang="de-DE" sz="1100" dirty="0">
                           <a:latin typeface="DM Sans" pitchFamily="2" charset="77"/>
                         </a:rPr>
-                        <a:t>439,724</a:t>
+                        <a:t>40,91</a:t>
                       </a:r>
                     </a:p>
                   </a:txBody>
@@ -6835,7 +6724,7 @@
                         <a:rPr lang="de-DE" sz="1100" dirty="0">
                           <a:latin typeface="DM Sans" pitchFamily="2" charset="77"/>
                         </a:rPr>
-                        <a:t>6713,673</a:t>
+                        <a:t>344,71</a:t>
                       </a:r>
                     </a:p>
                   </a:txBody>
@@ -6879,7 +6768,7 @@
                         <a:rPr lang="de-DE" sz="1100" dirty="0">
                           <a:latin typeface="DM Sans" pitchFamily="2" charset="77"/>
                         </a:rPr>
-                        <a:t>110113,242</a:t>
+                        <a:t>3820,94</a:t>
                       </a:r>
                     </a:p>
                   </a:txBody>
@@ -6912,7 +6801,7 @@
                       <a:pPr algn="ctr"/>
                       <a:r>
                         <a:rPr lang="de-DE" sz="1200" dirty="0"/>
-                        <a:t>361,533</a:t>
+                        <a:t>57,43</a:t>
                       </a:r>
                     </a:p>
                   </a:txBody>
@@ -6945,7 +6834,7 @@
                       <a:pPr algn="ctr"/>
                       <a:r>
                         <a:rPr lang="de-DE" sz="1200" dirty="0"/>
-                        <a:t>3764,436</a:t>
+                        <a:t>564,76</a:t>
                       </a:r>
                     </a:p>
                   </a:txBody>
@@ -6989,7 +6878,7 @@
                         <a:rPr lang="de-DE" sz="1100" dirty="0">
                           <a:latin typeface="DM Sans" pitchFamily="2" charset="77"/>
                         </a:rPr>
-                        <a:t>114852,139</a:t>
+                        <a:t>13194,19</a:t>
                       </a:r>
                     </a:p>
                   </a:txBody>
@@ -7037,7 +6926,7 @@
 </p:sld>
 </file>
 
-<file path=ppt/slides/slide12.xml><?xml version="1.0" encoding="utf-8"?>
+<file path=ppt/slides/slide11.xml><?xml version="1.0" encoding="utf-8"?>
 <p:sld xmlns:a="http://schemas.openxmlformats.org/drawingml/2006/main" xmlns:r="http://schemas.openxmlformats.org/officeDocument/2006/relationships" xmlns:p="http://schemas.openxmlformats.org/presentationml/2006/main">
   <p:cSld>
     <p:spTree>
@@ -7228,7 +7117,7 @@
 </p:sld>
 </file>
 
-<file path=ppt/slides/slide13.xml><?xml version="1.0" encoding="utf-8"?>
+<file path=ppt/slides/slide12.xml><?xml version="1.0" encoding="utf-8"?>
 <p:sld xmlns:a="http://schemas.openxmlformats.org/drawingml/2006/main" xmlns:r="http://schemas.openxmlformats.org/officeDocument/2006/relationships" xmlns:p="http://schemas.openxmlformats.org/presentationml/2006/main">
   <p:cSld>
     <p:spTree>
@@ -7949,7 +7838,7 @@
 </p:sld>
 </file>
 
-<file path=ppt/slides/slide14.xml><?xml version="1.0" encoding="utf-8"?>
+<file path=ppt/slides/slide13.xml><?xml version="1.0" encoding="utf-8"?>
 <p:sld xmlns:a="http://schemas.openxmlformats.org/drawingml/2006/main" xmlns:r="http://schemas.openxmlformats.org/officeDocument/2006/relationships" xmlns:p="http://schemas.openxmlformats.org/presentationml/2006/main">
   <p:cSld>
     <p:spTree>
@@ -10487,7 +10376,7 @@
 </p:sld>
 </file>
 
-<file path=ppt/slides/slide15.xml><?xml version="1.0" encoding="utf-8"?>
+<file path=ppt/slides/slide14.xml><?xml version="1.0" encoding="utf-8"?>
 <p:sld xmlns:a="http://schemas.openxmlformats.org/drawingml/2006/main" xmlns:r="http://schemas.openxmlformats.org/officeDocument/2006/relationships" xmlns:p="http://schemas.openxmlformats.org/presentationml/2006/main">
   <p:cSld>
     <p:spTree>
@@ -10585,7 +10474,7 @@
 </p:sld>
 </file>
 
-<file path=ppt/slides/slide16.xml><?xml version="1.0" encoding="utf-8"?>
+<file path=ppt/slides/slide15.xml><?xml version="1.0" encoding="utf-8"?>
 <p:sld xmlns:a="http://schemas.openxmlformats.org/drawingml/2006/main" xmlns:r="http://schemas.openxmlformats.org/officeDocument/2006/relationships" xmlns:p="http://schemas.openxmlformats.org/presentationml/2006/main">
   <p:cSld>
     <p:spTree>
@@ -10647,7 +10536,7 @@
           <p:nvPr>
             <p:extLst>
               <p:ext uri="{D42A27DB-BD31-4B8C-83A1-F6EECF244321}">
-                <p14:modId xmlns:p14="http://schemas.microsoft.com/office/powerpoint/2010/main" val="2329239963"/>
+                <p14:modId xmlns:p14="http://schemas.microsoft.com/office/powerpoint/2010/main" val="753091992"/>
               </p:ext>
             </p:extLst>
           </p:nvPr>
@@ -13025,7 +12914,7 @@
                         <a:rPr lang="de-DE" sz="1100" dirty="0">
                           <a:latin typeface="DM Sans" pitchFamily="2" charset="77"/>
                         </a:rPr>
-                        <a:t>1602,519</a:t>
+                        <a:t>42,98</a:t>
                       </a:r>
                     </a:p>
                   </a:txBody>
@@ -13060,7 +12949,7 @@
                         <a:rPr lang="de-DE" sz="1100" dirty="0">
                           <a:latin typeface="DM Sans" pitchFamily="2" charset="77"/>
                         </a:rPr>
-                        <a:t>1591,567</a:t>
+                        <a:t>114,74</a:t>
                       </a:r>
                     </a:p>
                   </a:txBody>
@@ -13104,7 +12993,7 @@
                         <a:rPr lang="de-DE" sz="1100" dirty="0">
                           <a:latin typeface="DM Sans" pitchFamily="2" charset="77"/>
                         </a:rPr>
-                        <a:t>3758,706</a:t>
+                        <a:t>190,78</a:t>
                       </a:r>
                     </a:p>
                   </a:txBody>
@@ -13137,7 +13026,7 @@
                       <a:pPr algn="ctr"/>
                       <a:r>
                         <a:rPr lang="de-DE" sz="1200" dirty="0"/>
-                        <a:t>1512,292</a:t>
+                        <a:t>35,34</a:t>
                       </a:r>
                     </a:p>
                   </a:txBody>
@@ -13170,7 +13059,7 @@
                       <a:pPr algn="ctr"/>
                       <a:r>
                         <a:rPr lang="de-DE" sz="1200" dirty="0"/>
-                        <a:t>11897,159</a:t>
+                        <a:t>145,24</a:t>
                       </a:r>
                     </a:p>
                   </a:txBody>
@@ -13214,7 +13103,7 @@
                         <a:rPr lang="de-DE" sz="1100" dirty="0">
                           <a:latin typeface="DM Sans" pitchFamily="2" charset="77"/>
                         </a:rPr>
-                        <a:t>367432,807</a:t>
+                        <a:t>291,75</a:t>
                       </a:r>
                     </a:p>
                   </a:txBody>
@@ -13301,7 +13190,7 @@
                         <a:rPr lang="de-DE" sz="1100" dirty="0">
                           <a:latin typeface="DM Sans" pitchFamily="2" charset="77"/>
                         </a:rPr>
-                        <a:t>136,979</a:t>
+                        <a:t>615,04</a:t>
                       </a:r>
                     </a:p>
                   </a:txBody>
@@ -13345,7 +13234,7 @@
                         <a:rPr lang="de-DE" sz="1100" dirty="0">
                           <a:latin typeface="DM Sans" pitchFamily="2" charset="77"/>
                         </a:rPr>
-                        <a:t>1736,901</a:t>
+                        <a:t>1038,22</a:t>
                       </a:r>
                     </a:p>
                   </a:txBody>
@@ -13398,7 +13287,7 @@
                         <a:rPr lang="de-DE" sz="1100" dirty="0">
                           <a:latin typeface="DM Sans" pitchFamily="2" charset="77"/>
                         </a:rPr>
-                        <a:t>11329,035</a:t>
+                        <a:t>46009,06</a:t>
                       </a:r>
                     </a:p>
                   </a:txBody>
@@ -13440,7 +13329,7 @@
                       <a:pPr algn="ctr"/>
                       <a:r>
                         <a:rPr lang="de-DE" sz="1200" dirty="0"/>
-                        <a:t>117,957</a:t>
+                        <a:t>369,20</a:t>
                       </a:r>
                     </a:p>
                   </a:txBody>
@@ -13482,7 +13371,7 @@
                       <a:pPr algn="ctr"/>
                       <a:r>
                         <a:rPr lang="de-DE" sz="1200" dirty="0"/>
-                        <a:t>931,264</a:t>
+                        <a:t>1840,66</a:t>
                       </a:r>
                     </a:p>
                   </a:txBody>
@@ -13535,7 +13424,7 @@
                         <a:rPr lang="de-DE" sz="1100" dirty="0">
                           <a:latin typeface="DM Sans" pitchFamily="2" charset="77"/>
                         </a:rPr>
-                        <a:t>17086,983</a:t>
+                        <a:t>112493,44</a:t>
                       </a:r>
                     </a:p>
                   </a:txBody>
@@ -13622,7 +13511,7 @@
                         <a:rPr lang="de-DE" sz="1100" dirty="0">
                           <a:latin typeface="DM Sans" pitchFamily="2" charset="77"/>
                         </a:rPr>
-                        <a:t>258,616</a:t>
+                        <a:t>69,66</a:t>
                       </a:r>
                     </a:p>
                   </a:txBody>
@@ -13657,7 +13546,7 @@
                         <a:rPr lang="de-DE" sz="1100" dirty="0">
                           <a:latin typeface="DM Sans" pitchFamily="2" charset="77"/>
                         </a:rPr>
-                        <a:t>5065,323</a:t>
+                        <a:t>316,47</a:t>
                       </a:r>
                     </a:p>
                   </a:txBody>
@@ -13701,7 +13590,7 @@
                         <a:rPr lang="de-DE" sz="1100" dirty="0">
                           <a:latin typeface="DM Sans" pitchFamily="2" charset="77"/>
                         </a:rPr>
-                        <a:t>58833,451</a:t>
+                        <a:t>7139,22</a:t>
                       </a:r>
                     </a:p>
                   </a:txBody>
@@ -13734,7 +13623,7 @@
                       <a:pPr algn="ctr"/>
                       <a:r>
                         <a:rPr lang="de-DE" sz="1200" dirty="0"/>
-                        <a:t>361,533</a:t>
+                        <a:t>57,43</a:t>
                       </a:r>
                     </a:p>
                   </a:txBody>
@@ -13767,7 +13656,7 @@
                       <a:pPr algn="ctr"/>
                       <a:r>
                         <a:rPr lang="de-DE" sz="1200" dirty="0"/>
-                        <a:t>3764,436</a:t>
+                        <a:t>564,76</a:t>
                       </a:r>
                     </a:p>
                   </a:txBody>
@@ -13811,7 +13700,7 @@
                         <a:rPr lang="de-DE" sz="1100" dirty="0">
                           <a:latin typeface="DM Sans" pitchFamily="2" charset="77"/>
                         </a:rPr>
-                        <a:t>114852,139</a:t>
+                        <a:t>13194,19</a:t>
                       </a:r>
                     </a:p>
                   </a:txBody>
@@ -13859,7 +13748,7 @@
 </p:sld>
 </file>
 
-<file path=ppt/slides/slide17.xml><?xml version="1.0" encoding="utf-8"?>
+<file path=ppt/slides/slide16.xml><?xml version="1.0" encoding="utf-8"?>
 <p:sld xmlns:a="http://schemas.openxmlformats.org/drawingml/2006/main" xmlns:r="http://schemas.openxmlformats.org/officeDocument/2006/relationships" xmlns:p="http://schemas.openxmlformats.org/presentationml/2006/main">
   <p:cSld>
     <p:spTree>
@@ -14023,7 +13912,7 @@
 </p:sld>
 </file>
 
-<file path=ppt/slides/slide18.xml><?xml version="1.0" encoding="utf-8"?>
+<file path=ppt/slides/slide17.xml><?xml version="1.0" encoding="utf-8"?>
 <p:sld xmlns:a="http://schemas.openxmlformats.org/drawingml/2006/main" xmlns:r="http://schemas.openxmlformats.org/officeDocument/2006/relationships" xmlns:p="http://schemas.openxmlformats.org/presentationml/2006/main">
   <p:cSld>
     <p:spTree>
@@ -15155,7 +15044,7 @@
 </p:sld>
 </file>
 
-<file path=ppt/slides/slide19.xml><?xml version="1.0" encoding="utf-8"?>
+<file path=ppt/slides/slide18.xml><?xml version="1.0" encoding="utf-8"?>
 <p:sld xmlns:a="http://schemas.openxmlformats.org/drawingml/2006/main" xmlns:r="http://schemas.openxmlformats.org/officeDocument/2006/relationships" xmlns:p="http://schemas.openxmlformats.org/presentationml/2006/main">
   <p:cSld>
     <p:spTree>
@@ -15217,7 +15106,7 @@
           <p:nvPr>
             <p:extLst>
               <p:ext uri="{D42A27DB-BD31-4B8C-83A1-F6EECF244321}">
-                <p14:modId xmlns:p14="http://schemas.microsoft.com/office/powerpoint/2010/main" val="402688911"/>
+                <p14:modId xmlns:p14="http://schemas.microsoft.com/office/powerpoint/2010/main" val="2861584882"/>
               </p:ext>
             </p:extLst>
           </p:nvPr>
@@ -17592,7 +17481,7 @@
                         <a:rPr lang="de-DE" sz="1100" dirty="0">
                           <a:latin typeface="DM Sans" pitchFamily="2" charset="77"/>
                         </a:rPr>
-                        <a:t>211,24</a:t>
+                        <a:t>49,32</a:t>
                       </a:r>
                     </a:p>
                   </a:txBody>
@@ -17627,7 +17516,7 @@
                         <a:rPr lang="de-DE" sz="1100" dirty="0">
                           <a:latin typeface="DM Sans" pitchFamily="2" charset="77"/>
                         </a:rPr>
-                        <a:t>1082,20</a:t>
+                        <a:t>117,56</a:t>
                       </a:r>
                     </a:p>
                   </a:txBody>
@@ -17671,7 +17560,7 @@
                         <a:rPr lang="de-DE" sz="1100" dirty="0">
                           <a:latin typeface="DM Sans" pitchFamily="2" charset="77"/>
                         </a:rPr>
-                        <a:t>3053,97</a:t>
+                        <a:t>192,90</a:t>
                       </a:r>
                     </a:p>
                   </a:txBody>
@@ -17704,11 +17593,11 @@
                       <a:pPr algn="ctr"/>
                       <a:r>
                         <a:rPr lang="de-DE" sz="1200" dirty="0"/>
-                        <a:t>1512,29</a:t>
-                      </a:r>
-                    </a:p>
-                  </a:txBody>
-                  <a:tcPr anchor="ctr">
+                        <a:t>35,34</a:t>
+                      </a:r>
+                    </a:p>
+                  </a:txBody>
+                  <a:tcPr>
                     <a:lnR w="12700" cap="flat" cmpd="sng" algn="ctr">
                       <a:solidFill>
                         <a:schemeClr val="tx1"/>
@@ -17737,11 +17626,11 @@
                       <a:pPr algn="ctr"/>
                       <a:r>
                         <a:rPr lang="de-DE" sz="1200" dirty="0"/>
-                        <a:t>11897,15</a:t>
-                      </a:r>
-                    </a:p>
-                  </a:txBody>
-                  <a:tcPr anchor="ctr">
+                        <a:t>145,24</a:t>
+                      </a:r>
+                    </a:p>
+                  </a:txBody>
+                  <a:tcPr>
                     <a:lnL w="12700" cap="flat" cmpd="sng" algn="ctr">
                       <a:solidFill>
                         <a:schemeClr val="tx1"/>
@@ -17781,7 +17670,7 @@
                         <a:rPr lang="de-DE" sz="1100" dirty="0">
                           <a:latin typeface="DM Sans" pitchFamily="2" charset="77"/>
                         </a:rPr>
-                        <a:t>367432,80</a:t>
+                        <a:t>291,75</a:t>
                       </a:r>
                     </a:p>
                   </a:txBody>
@@ -17868,7 +17757,7 @@
                         <a:rPr lang="de-DE" sz="1100" dirty="0">
                           <a:latin typeface="DM Sans" pitchFamily="2" charset="77"/>
                         </a:rPr>
-                        <a:t>136,09</a:t>
+                        <a:t>341,07</a:t>
                       </a:r>
                     </a:p>
                   </a:txBody>
@@ -17912,7 +17801,7 @@
                         <a:rPr lang="de-DE" sz="1100" dirty="0">
                           <a:latin typeface="DM Sans" pitchFamily="2" charset="77"/>
                         </a:rPr>
-                        <a:t>1608,34</a:t>
+                        <a:t>846,05</a:t>
                       </a:r>
                     </a:p>
                   </a:txBody>
@@ -17965,7 +17854,7 @@
                         <a:rPr lang="de-DE" sz="1100" dirty="0">
                           <a:latin typeface="DM Sans" pitchFamily="2" charset="77"/>
                         </a:rPr>
-                        <a:t>8585,37</a:t>
+                        <a:t>40357,11</a:t>
                       </a:r>
                     </a:p>
                   </a:txBody>
@@ -18007,11 +17896,11 @@
                       <a:pPr algn="ctr"/>
                       <a:r>
                         <a:rPr lang="de-DE" sz="1200" dirty="0"/>
-                        <a:t>117,95</a:t>
-                      </a:r>
-                    </a:p>
-                  </a:txBody>
-                  <a:tcPr anchor="ctr">
+                        <a:t>369,20</a:t>
+                      </a:r>
+                    </a:p>
+                  </a:txBody>
+                  <a:tcPr>
                     <a:lnR w="12700" cap="flat" cmpd="sng" algn="ctr">
                       <a:solidFill>
                         <a:schemeClr val="tx1"/>
@@ -18049,11 +17938,11 @@
                       <a:pPr algn="ctr"/>
                       <a:r>
                         <a:rPr lang="de-DE" sz="1200" dirty="0"/>
-                        <a:t>931,26</a:t>
-                      </a:r>
-                    </a:p>
-                  </a:txBody>
-                  <a:tcPr anchor="ctr">
+                        <a:t>1840,66</a:t>
+                      </a:r>
+                    </a:p>
+                  </a:txBody>
+                  <a:tcPr>
                     <a:lnL w="12700" cap="flat" cmpd="sng" algn="ctr">
                       <a:solidFill>
                         <a:schemeClr val="tx1"/>
@@ -18102,7 +17991,7 @@
                         <a:rPr lang="de-DE" sz="1100" dirty="0">
                           <a:latin typeface="DM Sans" pitchFamily="2" charset="77"/>
                         </a:rPr>
-                        <a:t>17086,98</a:t>
+                        <a:t>112493,44</a:t>
                       </a:r>
                     </a:p>
                   </a:txBody>
@@ -18189,7 +18078,7 @@
                         <a:rPr lang="de-DE" sz="1100" dirty="0">
                           <a:latin typeface="DM Sans" pitchFamily="2" charset="77"/>
                         </a:rPr>
-                        <a:t>270,32</a:t>
+                        <a:t>66,49</a:t>
                       </a:r>
                     </a:p>
                   </a:txBody>
@@ -18224,7 +18113,7 @@
                         <a:rPr lang="de-DE" sz="1100" dirty="0">
                           <a:latin typeface="DM Sans" pitchFamily="2" charset="77"/>
                         </a:rPr>
-                        <a:t>4439,09</a:t>
+                        <a:t>207,34</a:t>
                       </a:r>
                     </a:p>
                   </a:txBody>
@@ -18268,7 +18157,7 @@
                         <a:rPr lang="de-DE" sz="1100" dirty="0">
                           <a:latin typeface="DM Sans" pitchFamily="2" charset="77"/>
                         </a:rPr>
-                        <a:t>60764,28</a:t>
+                        <a:t>3162,00</a:t>
                       </a:r>
                     </a:p>
                   </a:txBody>
@@ -18301,11 +18190,11 @@
                       <a:pPr algn="ctr"/>
                       <a:r>
                         <a:rPr lang="de-DE" sz="1200" dirty="0"/>
-                        <a:t>361,53</a:t>
-                      </a:r>
-                    </a:p>
-                  </a:txBody>
-                  <a:tcPr anchor="ctr">
+                        <a:t>57,43</a:t>
+                      </a:r>
+                    </a:p>
+                  </a:txBody>
+                  <a:tcPr>
                     <a:lnR w="12700" cap="flat" cmpd="sng" algn="ctr">
                       <a:solidFill>
                         <a:schemeClr val="tx1"/>
@@ -18334,11 +18223,11 @@
                       <a:pPr algn="ctr"/>
                       <a:r>
                         <a:rPr lang="de-DE" sz="1200" dirty="0"/>
-                        <a:t>3764,43</a:t>
-                      </a:r>
-                    </a:p>
-                  </a:txBody>
-                  <a:tcPr anchor="ctr">
+                        <a:t>564,76</a:t>
+                      </a:r>
+                    </a:p>
+                  </a:txBody>
+                  <a:tcPr>
                     <a:lnL w="12700" cap="flat" cmpd="sng" algn="ctr">
                       <a:solidFill>
                         <a:schemeClr val="tx1"/>
@@ -18378,7 +18267,7 @@
                         <a:rPr lang="de-DE" sz="1100" dirty="0">
                           <a:latin typeface="DM Sans" pitchFamily="2" charset="77"/>
                         </a:rPr>
-                        <a:t>114852,13</a:t>
+                        <a:t>13194,19</a:t>
                       </a:r>
                     </a:p>
                   </a:txBody>
@@ -18426,67 +18315,7 @@
 </p:sld>
 </file>
 
-<file path=ppt/slides/slide2.xml><?xml version="1.0" encoding="utf-8"?>
-<p:sld xmlns:a="http://schemas.openxmlformats.org/drawingml/2006/main" xmlns:r="http://schemas.openxmlformats.org/officeDocument/2006/relationships" xmlns:p="http://schemas.openxmlformats.org/presentationml/2006/main">
-  <p:cSld>
-    <p:spTree>
-      <p:nvGrpSpPr>
-        <p:cNvPr id="1" name=""/>
-        <p:cNvGrpSpPr/>
-        <p:nvPr/>
-      </p:nvGrpSpPr>
-      <p:grpSpPr>
-        <a:xfrm>
-          <a:off x="0" y="0"/>
-          <a:ext cx="0" cy="0"/>
-          <a:chOff x="0" y="0"/>
-          <a:chExt cx="0" cy="0"/>
-        </a:xfrm>
-      </p:grpSpPr>
-      <p:sp>
-        <p:nvSpPr>
-          <p:cNvPr id="2" name="Titel 1">
-            <a:extLst>
-              <a:ext uri="{FF2B5EF4-FFF2-40B4-BE49-F238E27FC236}">
-                <a16:creationId xmlns:a16="http://schemas.microsoft.com/office/drawing/2014/main" id="{5AA772EB-2F85-D641-B1ED-2B43FA1C49BA}"/>
-              </a:ext>
-            </a:extLst>
-          </p:cNvPr>
-          <p:cNvSpPr>
-            <a:spLocks noGrp="1"/>
-          </p:cNvSpPr>
-          <p:nvPr>
-            <p:ph type="title"/>
-          </p:nvPr>
-        </p:nvSpPr>
-        <p:spPr/>
-        <p:txBody>
-          <a:bodyPr/>
-          <a:lstStyle/>
-          <a:p>
-            <a:r>
-              <a:rPr lang="de-DE" dirty="0">
-                <a:latin typeface="DM Sans" pitchFamily="2" charset="77"/>
-              </a:rPr>
-              <a:t>Link für den Screencast</a:t>
-            </a:r>
-          </a:p>
-        </p:txBody>
-      </p:sp>
-    </p:spTree>
-    <p:extLst>
-      <p:ext uri="{BB962C8B-B14F-4D97-AF65-F5344CB8AC3E}">
-        <p14:creationId xmlns:p14="http://schemas.microsoft.com/office/powerpoint/2010/main" val="802571693"/>
-      </p:ext>
-    </p:extLst>
-  </p:cSld>
-  <p:clrMapOvr>
-    <a:masterClrMapping/>
-  </p:clrMapOvr>
-</p:sld>
-</file>
-
-<file path=ppt/slides/slide20.xml><?xml version="1.0" encoding="utf-8"?>
+<file path=ppt/slides/slide19.xml><?xml version="1.0" encoding="utf-8"?>
 <p:sld xmlns:a="http://schemas.openxmlformats.org/drawingml/2006/main" xmlns:r="http://schemas.openxmlformats.org/officeDocument/2006/relationships" xmlns:p="http://schemas.openxmlformats.org/presentationml/2006/main">
   <p:cSld>
     <p:spTree>
@@ -18624,7 +18453,202 @@
 </p:sld>
 </file>
 
-<file path=ppt/slides/slide21.xml><?xml version="1.0" encoding="utf-8"?>
+<file path=ppt/slides/slide2.xml><?xml version="1.0" encoding="utf-8"?>
+<p:sld xmlns:a="http://schemas.openxmlformats.org/drawingml/2006/main" xmlns:r="http://schemas.openxmlformats.org/officeDocument/2006/relationships" xmlns:p="http://schemas.openxmlformats.org/presentationml/2006/main">
+  <p:cSld>
+    <p:spTree>
+      <p:nvGrpSpPr>
+        <p:cNvPr id="1" name=""/>
+        <p:cNvGrpSpPr/>
+        <p:nvPr/>
+      </p:nvGrpSpPr>
+      <p:grpSpPr>
+        <a:xfrm>
+          <a:off x="0" y="0"/>
+          <a:ext cx="0" cy="0"/>
+          <a:chOff x="0" y="0"/>
+          <a:chExt cx="0" cy="0"/>
+        </a:xfrm>
+      </p:grpSpPr>
+      <p:sp>
+        <p:nvSpPr>
+          <p:cNvPr id="2" name="Titel 1">
+            <a:extLst>
+              <a:ext uri="{FF2B5EF4-FFF2-40B4-BE49-F238E27FC236}">
+                <a16:creationId xmlns:a16="http://schemas.microsoft.com/office/drawing/2014/main" id="{5AA772EB-2F85-D641-B1ED-2B43FA1C49BA}"/>
+              </a:ext>
+            </a:extLst>
+          </p:cNvPr>
+          <p:cNvSpPr>
+            <a:spLocks noGrp="1"/>
+          </p:cNvSpPr>
+          <p:nvPr>
+            <p:ph type="title"/>
+          </p:nvPr>
+        </p:nvSpPr>
+        <p:spPr/>
+        <p:txBody>
+          <a:bodyPr/>
+          <a:lstStyle/>
+          <a:p>
+            <a:r>
+              <a:rPr lang="de-DE" dirty="0">
+                <a:latin typeface="DM Sans" pitchFamily="2" charset="77"/>
+              </a:rPr>
+              <a:t>Inhalt</a:t>
+            </a:r>
+          </a:p>
+        </p:txBody>
+      </p:sp>
+      <p:sp>
+        <p:nvSpPr>
+          <p:cNvPr id="3" name="Textfeld 2">
+            <a:extLst>
+              <a:ext uri="{FF2B5EF4-FFF2-40B4-BE49-F238E27FC236}">
+                <a16:creationId xmlns:a16="http://schemas.microsoft.com/office/drawing/2014/main" id="{7F0C9B1C-2795-7F44-3526-506B74380A8D}"/>
+              </a:ext>
+            </a:extLst>
+          </p:cNvPr>
+          <p:cNvSpPr txBox="1"/>
+          <p:nvPr/>
+        </p:nvSpPr>
+        <p:spPr>
+          <a:xfrm>
+            <a:off x="838199" y="1690688"/>
+            <a:ext cx="10515599" cy="3793924"/>
+          </a:xfrm>
+          <a:prstGeom prst="rect">
+            <a:avLst/>
+          </a:prstGeom>
+          <a:noFill/>
+        </p:spPr>
+        <p:txBody>
+          <a:bodyPr wrap="square" rtlCol="0">
+            <a:spAutoFit/>
+          </a:bodyPr>
+          <a:lstStyle/>
+          <a:p>
+            <a:pPr marL="342900" indent="-342900">
+              <a:lnSpc>
+                <a:spcPct val="150000"/>
+              </a:lnSpc>
+              <a:buAutoNum type="arabicPeriod"/>
+            </a:pPr>
+            <a:r>
+              <a:rPr lang="de-DE" b="1" dirty="0">
+                <a:latin typeface="DM Sans" pitchFamily="2" charset="77"/>
+              </a:rPr>
+              <a:t>Techniken zum Beschleunigen der Alpha-Beta-Suche</a:t>
+            </a:r>
+            <a:endParaRPr lang="de-DE" dirty="0">
+              <a:latin typeface="DM Sans" pitchFamily="2" charset="77"/>
+            </a:endParaRPr>
+          </a:p>
+          <a:p>
+            <a:pPr marL="742950" lvl="1" indent="-285750">
+              <a:lnSpc>
+                <a:spcPct val="150000"/>
+              </a:lnSpc>
+              <a:buFontTx/>
+              <a:buChar char="-"/>
+            </a:pPr>
+            <a:r>
+              <a:rPr lang="de-DE" dirty="0">
+                <a:latin typeface="DM Sans" pitchFamily="2" charset="77"/>
+              </a:rPr>
+              <a:t>Transposition Table</a:t>
+            </a:r>
+          </a:p>
+          <a:p>
+            <a:pPr marL="742950" lvl="1" indent="-285750">
+              <a:lnSpc>
+                <a:spcPct val="150000"/>
+              </a:lnSpc>
+              <a:buFontTx/>
+              <a:buChar char="-"/>
+            </a:pPr>
+            <a:r>
+              <a:rPr lang="de-DE" dirty="0">
+                <a:latin typeface="DM Sans" pitchFamily="2" charset="77"/>
+              </a:rPr>
+              <a:t>Zugsortierung</a:t>
+            </a:r>
+          </a:p>
+          <a:p>
+            <a:pPr marL="742950" lvl="1" indent="-285750">
+              <a:lnSpc>
+                <a:spcPct val="150000"/>
+              </a:lnSpc>
+              <a:buFontTx/>
+              <a:buChar char="-"/>
+            </a:pPr>
+            <a:r>
+              <a:rPr lang="de-DE" dirty="0">
+                <a:latin typeface="DM Sans" pitchFamily="2" charset="77"/>
+              </a:rPr>
+              <a:t>Principal-Variation-Search</a:t>
+            </a:r>
+          </a:p>
+          <a:p>
+            <a:pPr marL="342900" indent="-342900">
+              <a:lnSpc>
+                <a:spcPct val="150000"/>
+              </a:lnSpc>
+              <a:buAutoNum type="arabicPeriod"/>
+            </a:pPr>
+            <a:r>
+              <a:rPr lang="de-DE" b="1" dirty="0">
+                <a:latin typeface="DM Sans" pitchFamily="2" charset="77"/>
+              </a:rPr>
+              <a:t>Techniken zum Verbessern der Spielstärke</a:t>
+            </a:r>
+          </a:p>
+          <a:p>
+            <a:pPr marL="742950" lvl="1" indent="-285750">
+              <a:lnSpc>
+                <a:spcPct val="150000"/>
+              </a:lnSpc>
+              <a:buFontTx/>
+              <a:buChar char="-"/>
+            </a:pPr>
+            <a:r>
+              <a:rPr lang="de-DE" dirty="0">
+                <a:latin typeface="DM Sans" pitchFamily="2" charset="77"/>
+              </a:rPr>
+              <a:t>Ruhesuche</a:t>
+            </a:r>
+          </a:p>
+          <a:p>
+            <a:pPr marL="742950" lvl="1" indent="-285750">
+              <a:lnSpc>
+                <a:spcPct val="150000"/>
+              </a:lnSpc>
+              <a:buFontTx/>
+              <a:buChar char="-"/>
+            </a:pPr>
+            <a:r>
+              <a:rPr lang="de-DE" dirty="0">
+                <a:latin typeface="DM Sans" pitchFamily="2" charset="77"/>
+              </a:rPr>
+              <a:t>Verbesserungen der Bewertungsfunktion (Tapered-Evaluation, Erweiterte Piece-Square-Tables, Mobilitätsboni, Outpostboni, erweiterte Bewertung der Königsposition für den King-Of-The-Hill-Spielmodus)</a:t>
+            </a:r>
+          </a:p>
+        </p:txBody>
+      </p:sp>
+    </p:spTree>
+    <p:extLst>
+      <p:ext uri="{BB962C8B-B14F-4D97-AF65-F5344CB8AC3E}">
+        <p14:creationId xmlns:p14="http://schemas.microsoft.com/office/powerpoint/2010/main" val="1449412320"/>
+      </p:ext>
+    </p:extLst>
+  </p:cSld>
+  <p:clrMapOvr>
+    <a:masterClrMapping/>
+  </p:clrMapOvr>
+</p:sld>
+</file>
+
+<file path=ppt/slides/slide20.xml><?xml version="1.0" encoding="utf-8"?>
 <p:sld xmlns:a="http://schemas.openxmlformats.org/drawingml/2006/main" xmlns:r="http://schemas.openxmlformats.org/officeDocument/2006/relationships" xmlns:p="http://schemas.openxmlformats.org/presentationml/2006/main">
   <p:cSld>
     <p:spTree>
@@ -18783,7 +18807,7 @@
 </p:sld>
 </file>
 
-<file path=ppt/slides/slide22.xml><?xml version="1.0" encoding="utf-8"?>
+<file path=ppt/slides/slide21.xml><?xml version="1.0" encoding="utf-8"?>
 <p:sld xmlns:a="http://schemas.openxmlformats.org/drawingml/2006/main" xmlns:r="http://schemas.openxmlformats.org/officeDocument/2006/relationships" xmlns:p="http://schemas.openxmlformats.org/presentationml/2006/main">
   <p:cSld>
     <p:spTree>
@@ -19219,7 +19243,7 @@
 </p:sld>
 </file>
 
-<file path=ppt/slides/slide23.xml><?xml version="1.0" encoding="utf-8"?>
+<file path=ppt/slides/slide22.xml><?xml version="1.0" encoding="utf-8"?>
 <p:sld xmlns:a="http://schemas.openxmlformats.org/drawingml/2006/main" xmlns:r="http://schemas.openxmlformats.org/officeDocument/2006/relationships" xmlns:p="http://schemas.openxmlformats.org/presentationml/2006/main">
   <p:cSld>
     <p:spTree>
@@ -20926,7 +20950,7 @@
 </p:sld>
 </file>
 
-<file path=ppt/slides/slide24.xml><?xml version="1.0" encoding="utf-8"?>
+<file path=ppt/slides/slide23.xml><?xml version="1.0" encoding="utf-8"?>
 <p:sld xmlns:a="http://schemas.openxmlformats.org/drawingml/2006/main" xmlns:r="http://schemas.openxmlformats.org/officeDocument/2006/relationships" xmlns:p="http://schemas.openxmlformats.org/presentationml/2006/main">
   <p:cSld>
     <p:spTree>
@@ -21102,7 +21126,7 @@
 </p:sld>
 </file>
 
-<file path=ppt/slides/slide25.xml><?xml version="1.0" encoding="utf-8"?>
+<file path=ppt/slides/slide24.xml><?xml version="1.0" encoding="utf-8"?>
 <p:sld xmlns:a="http://schemas.openxmlformats.org/drawingml/2006/main" xmlns:r="http://schemas.openxmlformats.org/officeDocument/2006/relationships" xmlns:p="http://schemas.openxmlformats.org/presentationml/2006/main">
   <p:cSld>
     <p:spTree>
@@ -21551,7 +21575,7 @@
 </p:sld>
 </file>
 
-<file path=ppt/slides/slide26.xml><?xml version="1.0" encoding="utf-8"?>
+<file path=ppt/slides/slide25.xml><?xml version="1.0" encoding="utf-8"?>
 <p:sld xmlns:a="http://schemas.openxmlformats.org/drawingml/2006/main" xmlns:r="http://schemas.openxmlformats.org/officeDocument/2006/relationships" xmlns:p="http://schemas.openxmlformats.org/presentationml/2006/main">
   <p:cSld>
     <p:spTree>
@@ -21818,201 +21842,6 @@
               <a:rPr lang="de-DE" dirty="0">
                 <a:latin typeface="DM Sans" pitchFamily="2" charset="77"/>
               </a:rPr>
-              <a:t>Inhalt</a:t>
-            </a:r>
-          </a:p>
-        </p:txBody>
-      </p:sp>
-      <p:sp>
-        <p:nvSpPr>
-          <p:cNvPr id="3" name="Textfeld 2">
-            <a:extLst>
-              <a:ext uri="{FF2B5EF4-FFF2-40B4-BE49-F238E27FC236}">
-                <a16:creationId xmlns:a16="http://schemas.microsoft.com/office/drawing/2014/main" id="{7F0C9B1C-2795-7F44-3526-506B74380A8D}"/>
-              </a:ext>
-            </a:extLst>
-          </p:cNvPr>
-          <p:cNvSpPr txBox="1"/>
-          <p:nvPr/>
-        </p:nvSpPr>
-        <p:spPr>
-          <a:xfrm>
-            <a:off x="838199" y="1690688"/>
-            <a:ext cx="10515599" cy="3793924"/>
-          </a:xfrm>
-          <a:prstGeom prst="rect">
-            <a:avLst/>
-          </a:prstGeom>
-          <a:noFill/>
-        </p:spPr>
-        <p:txBody>
-          <a:bodyPr wrap="square" rtlCol="0">
-            <a:spAutoFit/>
-          </a:bodyPr>
-          <a:lstStyle/>
-          <a:p>
-            <a:pPr marL="342900" indent="-342900">
-              <a:lnSpc>
-                <a:spcPct val="150000"/>
-              </a:lnSpc>
-              <a:buAutoNum type="arabicPeriod"/>
-            </a:pPr>
-            <a:r>
-              <a:rPr lang="de-DE" b="1" dirty="0">
-                <a:latin typeface="DM Sans" pitchFamily="2" charset="77"/>
-              </a:rPr>
-              <a:t>Techniken zum Beschleunigen der Alpha-Beta-Suche</a:t>
-            </a:r>
-            <a:endParaRPr lang="de-DE" dirty="0">
-              <a:latin typeface="DM Sans" pitchFamily="2" charset="77"/>
-            </a:endParaRPr>
-          </a:p>
-          <a:p>
-            <a:pPr marL="742950" lvl="1" indent="-285750">
-              <a:lnSpc>
-                <a:spcPct val="150000"/>
-              </a:lnSpc>
-              <a:buFontTx/>
-              <a:buChar char="-"/>
-            </a:pPr>
-            <a:r>
-              <a:rPr lang="de-DE" dirty="0">
-                <a:latin typeface="DM Sans" pitchFamily="2" charset="77"/>
-              </a:rPr>
-              <a:t>Transposition Table</a:t>
-            </a:r>
-          </a:p>
-          <a:p>
-            <a:pPr marL="742950" lvl="1" indent="-285750">
-              <a:lnSpc>
-                <a:spcPct val="150000"/>
-              </a:lnSpc>
-              <a:buFontTx/>
-              <a:buChar char="-"/>
-            </a:pPr>
-            <a:r>
-              <a:rPr lang="de-DE" dirty="0">
-                <a:latin typeface="DM Sans" pitchFamily="2" charset="77"/>
-              </a:rPr>
-              <a:t>Zugsortierung</a:t>
-            </a:r>
-          </a:p>
-          <a:p>
-            <a:pPr marL="742950" lvl="1" indent="-285750">
-              <a:lnSpc>
-                <a:spcPct val="150000"/>
-              </a:lnSpc>
-              <a:buFontTx/>
-              <a:buChar char="-"/>
-            </a:pPr>
-            <a:r>
-              <a:rPr lang="de-DE" dirty="0">
-                <a:latin typeface="DM Sans" pitchFamily="2" charset="77"/>
-              </a:rPr>
-              <a:t>Principal-Variation-Search</a:t>
-            </a:r>
-          </a:p>
-          <a:p>
-            <a:pPr marL="342900" indent="-342900">
-              <a:lnSpc>
-                <a:spcPct val="150000"/>
-              </a:lnSpc>
-              <a:buAutoNum type="arabicPeriod"/>
-            </a:pPr>
-            <a:r>
-              <a:rPr lang="de-DE" b="1" dirty="0">
-                <a:latin typeface="DM Sans" pitchFamily="2" charset="77"/>
-              </a:rPr>
-              <a:t>Techniken zum Verbessern der Spielstärke</a:t>
-            </a:r>
-          </a:p>
-          <a:p>
-            <a:pPr marL="742950" lvl="1" indent="-285750">
-              <a:lnSpc>
-                <a:spcPct val="150000"/>
-              </a:lnSpc>
-              <a:buFontTx/>
-              <a:buChar char="-"/>
-            </a:pPr>
-            <a:r>
-              <a:rPr lang="de-DE" dirty="0">
-                <a:latin typeface="DM Sans" pitchFamily="2" charset="77"/>
-              </a:rPr>
-              <a:t>Ruhesuche</a:t>
-            </a:r>
-          </a:p>
-          <a:p>
-            <a:pPr marL="742950" lvl="1" indent="-285750">
-              <a:lnSpc>
-                <a:spcPct val="150000"/>
-              </a:lnSpc>
-              <a:buFontTx/>
-              <a:buChar char="-"/>
-            </a:pPr>
-            <a:r>
-              <a:rPr lang="de-DE" dirty="0">
-                <a:latin typeface="DM Sans" pitchFamily="2" charset="77"/>
-              </a:rPr>
-              <a:t>Verbesserungen der Bewertungsfunktion (Tapered-Evaluation, Erweiterte Piece-Square-Tables, Mobilitätsboni, Outpostboni, erweiterte Bewertung der Königsposition für den King-Of-The-Hill-Spielmodus)</a:t>
-            </a:r>
-          </a:p>
-        </p:txBody>
-      </p:sp>
-    </p:spTree>
-    <p:extLst>
-      <p:ext uri="{BB962C8B-B14F-4D97-AF65-F5344CB8AC3E}">
-        <p14:creationId xmlns:p14="http://schemas.microsoft.com/office/powerpoint/2010/main" val="1449412320"/>
-      </p:ext>
-    </p:extLst>
-  </p:cSld>
-  <p:clrMapOvr>
-    <a:masterClrMapping/>
-  </p:clrMapOvr>
-</p:sld>
-</file>
-
-<file path=ppt/slides/slide4.xml><?xml version="1.0" encoding="utf-8"?>
-<p:sld xmlns:a="http://schemas.openxmlformats.org/drawingml/2006/main" xmlns:r="http://schemas.openxmlformats.org/officeDocument/2006/relationships" xmlns:p="http://schemas.openxmlformats.org/presentationml/2006/main">
-  <p:cSld>
-    <p:spTree>
-      <p:nvGrpSpPr>
-        <p:cNvPr id="1" name=""/>
-        <p:cNvGrpSpPr/>
-        <p:nvPr/>
-      </p:nvGrpSpPr>
-      <p:grpSpPr>
-        <a:xfrm>
-          <a:off x="0" y="0"/>
-          <a:ext cx="0" cy="0"/>
-          <a:chOff x="0" y="0"/>
-          <a:chExt cx="0" cy="0"/>
-        </a:xfrm>
-      </p:grpSpPr>
-      <p:sp>
-        <p:nvSpPr>
-          <p:cNvPr id="2" name="Titel 1">
-            <a:extLst>
-              <a:ext uri="{FF2B5EF4-FFF2-40B4-BE49-F238E27FC236}">
-                <a16:creationId xmlns:a16="http://schemas.microsoft.com/office/drawing/2014/main" id="{5AA772EB-2F85-D641-B1ED-2B43FA1C49BA}"/>
-              </a:ext>
-            </a:extLst>
-          </p:cNvPr>
-          <p:cNvSpPr>
-            <a:spLocks noGrp="1"/>
-          </p:cNvSpPr>
-          <p:nvPr>
-            <p:ph type="title"/>
-          </p:nvPr>
-        </p:nvSpPr>
-        <p:spPr/>
-        <p:txBody>
-          <a:bodyPr/>
-          <a:lstStyle/>
-          <a:p>
-            <a:r>
-              <a:rPr lang="de-DE" dirty="0">
-                <a:latin typeface="DM Sans" pitchFamily="2" charset="77"/>
-              </a:rPr>
               <a:t>Untersuchte Stellungen</a:t>
             </a:r>
           </a:p>
@@ -22171,7 +22000,7 @@
 </p:sld>
 </file>
 
-<file path=ppt/slides/slide5.xml><?xml version="1.0" encoding="utf-8"?>
+<file path=ppt/slides/slide4.xml><?xml version="1.0" encoding="utf-8"?>
 <p:sld xmlns:a="http://schemas.openxmlformats.org/drawingml/2006/main" xmlns:r="http://schemas.openxmlformats.org/officeDocument/2006/relationships" xmlns:p="http://schemas.openxmlformats.org/presentationml/2006/main">
   <p:cSld>
     <p:spTree>
@@ -22584,7 +22413,7 @@
 </p:sld>
 </file>
 
-<file path=ppt/slides/slide6.xml><?xml version="1.0" encoding="utf-8"?>
+<file path=ppt/slides/slide5.xml><?xml version="1.0" encoding="utf-8"?>
 <p:sld xmlns:a="http://schemas.openxmlformats.org/drawingml/2006/main" xmlns:r="http://schemas.openxmlformats.org/officeDocument/2006/relationships" xmlns:p="http://schemas.openxmlformats.org/presentationml/2006/main">
   <p:cSld>
     <p:spTree>
@@ -22802,7 +22631,7 @@
 </p:sld>
 </file>
 
-<file path=ppt/slides/slide7.xml><?xml version="1.0" encoding="utf-8"?>
+<file path=ppt/slides/slide6.xml><?xml version="1.0" encoding="utf-8"?>
 <p:sld xmlns:a="http://schemas.openxmlformats.org/drawingml/2006/main" xmlns:r="http://schemas.openxmlformats.org/officeDocument/2006/relationships" xmlns:p="http://schemas.openxmlformats.org/presentationml/2006/main">
   <p:cSld>
     <p:spTree>
@@ -23043,7 +22872,7 @@
 </p:sld>
 </file>
 
-<file path=ppt/slides/slide8.xml><?xml version="1.0" encoding="utf-8"?>
+<file path=ppt/slides/slide7.xml><?xml version="1.0" encoding="utf-8"?>
 <p:sld xmlns:a="http://schemas.openxmlformats.org/drawingml/2006/main" xmlns:r="http://schemas.openxmlformats.org/officeDocument/2006/relationships" xmlns:p="http://schemas.openxmlformats.org/presentationml/2006/main">
   <p:cSld>
     <p:spTree>
@@ -25581,7 +25410,7 @@
 </p:sld>
 </file>
 
-<file path=ppt/slides/slide9.xml><?xml version="1.0" encoding="utf-8"?>
+<file path=ppt/slides/slide8.xml><?xml version="1.0" encoding="utf-8"?>
 <p:sld xmlns:a="http://schemas.openxmlformats.org/drawingml/2006/main" xmlns:r="http://schemas.openxmlformats.org/officeDocument/2006/relationships" xmlns:p="http://schemas.openxmlformats.org/presentationml/2006/main">
   <p:cSld>
     <p:spTree>
@@ -28110,6 +27939,116 @@
     <p:extLst>
       <p:ext uri="{BB962C8B-B14F-4D97-AF65-F5344CB8AC3E}">
         <p14:creationId xmlns:p14="http://schemas.microsoft.com/office/powerpoint/2010/main" val="1169267489"/>
+      </p:ext>
+    </p:extLst>
+  </p:cSld>
+  <p:clrMapOvr>
+    <a:masterClrMapping/>
+  </p:clrMapOvr>
+</p:sld>
+</file>
+
+<file path=ppt/slides/slide9.xml><?xml version="1.0" encoding="utf-8"?>
+<p:sld xmlns:a="http://schemas.openxmlformats.org/drawingml/2006/main" xmlns:r="http://schemas.openxmlformats.org/officeDocument/2006/relationships" xmlns:p="http://schemas.openxmlformats.org/presentationml/2006/main">
+  <p:cSld>
+    <p:spTree>
+      <p:nvGrpSpPr>
+        <p:cNvPr id="1" name=""/>
+        <p:cNvGrpSpPr/>
+        <p:nvPr/>
+      </p:nvGrpSpPr>
+      <p:grpSpPr>
+        <a:xfrm>
+          <a:off x="0" y="0"/>
+          <a:ext cx="0" cy="0"/>
+          <a:chOff x="0" y="0"/>
+          <a:chExt cx="0" cy="0"/>
+        </a:xfrm>
+      </p:grpSpPr>
+      <p:sp>
+        <p:nvSpPr>
+          <p:cNvPr id="2" name="Titel 1">
+            <a:extLst>
+              <a:ext uri="{FF2B5EF4-FFF2-40B4-BE49-F238E27FC236}">
+                <a16:creationId xmlns:a16="http://schemas.microsoft.com/office/drawing/2014/main" id="{5AA772EB-2F85-D641-B1ED-2B43FA1C49BA}"/>
+              </a:ext>
+            </a:extLst>
+          </p:cNvPr>
+          <p:cNvSpPr>
+            <a:spLocks noGrp="1"/>
+          </p:cNvSpPr>
+          <p:nvPr>
+            <p:ph type="title"/>
+          </p:nvPr>
+        </p:nvSpPr>
+        <p:spPr/>
+        <p:txBody>
+          <a:bodyPr/>
+          <a:lstStyle/>
+          <a:p>
+            <a:r>
+              <a:rPr lang="de-DE" dirty="0">
+                <a:latin typeface="DM Sans" pitchFamily="2" charset="77"/>
+              </a:rPr>
+              <a:t>Transposition Table - Optimierungen</a:t>
+            </a:r>
+          </a:p>
+        </p:txBody>
+      </p:sp>
+      <p:sp>
+        <p:nvSpPr>
+          <p:cNvPr id="5" name="Textfeld 4">
+            <a:extLst>
+              <a:ext uri="{FF2B5EF4-FFF2-40B4-BE49-F238E27FC236}">
+                <a16:creationId xmlns:a16="http://schemas.microsoft.com/office/drawing/2014/main" id="{466BACEB-CEFF-1E20-C248-C7D1731E6F8C}"/>
+              </a:ext>
+            </a:extLst>
+          </p:cNvPr>
+          <p:cNvSpPr txBox="1"/>
+          <p:nvPr/>
+        </p:nvSpPr>
+        <p:spPr>
+          <a:xfrm>
+            <a:off x="713014" y="3429000"/>
+            <a:ext cx="10765972" cy="646331"/>
+          </a:xfrm>
+          <a:prstGeom prst="rect">
+            <a:avLst/>
+          </a:prstGeom>
+          <a:noFill/>
+        </p:spPr>
+        <p:txBody>
+          <a:bodyPr wrap="square" rtlCol="0">
+            <a:spAutoFit/>
+          </a:bodyPr>
+          <a:lstStyle/>
+          <a:p>
+            <a:pPr algn="ctr"/>
+            <a:r>
+              <a:rPr lang="de-DE" dirty="0">
+                <a:latin typeface="DM Sans" pitchFamily="2" charset="77"/>
+              </a:rPr>
+              <a:t>Auf Basis dieser Daten haben wir uns für die Kombination aus </a:t>
+            </a:r>
+            <a:r>
+              <a:rPr lang="de-DE" dirty="0" err="1">
+                <a:latin typeface="DM Sans" pitchFamily="2" charset="77"/>
+              </a:rPr>
+              <a:t>Replace</a:t>
+            </a:r>
+            <a:r>
+              <a:rPr lang="de-DE" dirty="0">
+                <a:latin typeface="DM Sans" pitchFamily="2" charset="77"/>
+              </a:rPr>
+              <a:t>-By-Depth und Replays-Always entschieden</a:t>
+            </a:r>
+          </a:p>
+        </p:txBody>
+      </p:sp>
+    </p:spTree>
+    <p:extLst>
+      <p:ext uri="{BB962C8B-B14F-4D97-AF65-F5344CB8AC3E}">
+        <p14:creationId xmlns:p14="http://schemas.microsoft.com/office/powerpoint/2010/main" val="3489001470"/>
       </p:ext>
     </p:extLst>
   </p:cSld>
